--- a/tutorial/EGI-2011/02_api3.pptx
+++ b/tutorial/EGI-2011/02_api3.pptx
@@ -266,7 +266,7 @@
             <a:fld id="{9A6AC4B2-6F12-454D-8DA7-7B9C78843B81}" type="datetimeFigureOut">
               <a:rPr lang="en-US" smtClean="0"/>
               <a:pPr/>
-              <a:t>11/27/2010</a:t>
+              <a:t>4/9/2011</a:t>
             </a:fld>
             <a:endParaRPr lang="en-US"/>
           </a:p>
@@ -434,7 +434,7 @@
             <a:fld id="{19F24AD4-A78B-B645-8B43-825B1EB2901C}" type="datetimeFigureOut">
               <a:rPr lang="en-US" smtClean="0"/>
               <a:pPr/>
-              <a:t>11/27/2010</a:t>
+              <a:t>4/9/2011</a:t>
             </a:fld>
             <a:endParaRPr lang="en-US"/>
           </a:p>
@@ -975,7 +975,7 @@
             <a:fld id="{ADB8239A-D789-5443-937F-338E3AE3D41C}" type="datetime1">
               <a:rPr lang="en-US" smtClean="0"/>
               <a:pPr/>
-              <a:t>11/27/2010</a:t>
+              <a:t>4/9/2011</a:t>
             </a:fld>
             <a:endParaRPr lang="en-US"/>
           </a:p>
@@ -1279,7 +1279,7 @@
             <a:fld id="{459EC1CE-E98D-704D-AD6F-6E3323A36483}" type="datetime1">
               <a:rPr lang="en-US" smtClean="0"/>
               <a:pPr/>
-              <a:t>11/27/2010</a:t>
+              <a:t>4/9/2011</a:t>
             </a:fld>
             <a:endParaRPr lang="en-US"/>
           </a:p>
@@ -1555,7 +1555,7 @@
             <a:fld id="{23E692A5-8B3E-1949-B0CC-6F0593ACFA8E}" type="datetime1">
               <a:rPr lang="en-US" smtClean="0"/>
               <a:pPr/>
-              <a:t>11/27/2010</a:t>
+              <a:t>4/9/2011</a:t>
             </a:fld>
             <a:endParaRPr lang="en-US"/>
           </a:p>
@@ -1847,7 +1847,7 @@
             <a:fld id="{C381DA14-A3C0-9C42-96F2-BEE3D5DE963D}" type="datetime1">
               <a:rPr lang="en-US" smtClean="0"/>
               <a:pPr/>
-              <a:t>11/27/2010</a:t>
+              <a:t>4/9/2011</a:t>
             </a:fld>
             <a:endParaRPr lang="en-US"/>
           </a:p>
@@ -2174,7 +2174,7 @@
             <a:fld id="{33319320-9A5F-694B-B7B5-C734EC93AAA2}" type="datetime1">
               <a:rPr lang="en-US" smtClean="0"/>
               <a:pPr/>
-              <a:t>11/27/2010</a:t>
+              <a:t>4/9/2011</a:t>
             </a:fld>
             <a:endParaRPr lang="en-US"/>
           </a:p>
@@ -2422,7 +2422,7 @@
             <a:fld id="{CF6CE397-A6E6-7547-B24A-92BB5049E0F2}" type="datetime1">
               <a:rPr lang="en-US" smtClean="0"/>
               <a:pPr/>
-              <a:t>11/27/2010</a:t>
+              <a:t>4/9/2011</a:t>
             </a:fld>
             <a:endParaRPr lang="en-US"/>
           </a:p>
@@ -2599,7 +2599,7 @@
             <a:fld id="{27AB7D46-BD5E-E641-9118-DCE28F3B83FA}" type="datetime1">
               <a:rPr lang="en-US" smtClean="0"/>
               <a:pPr/>
-              <a:t>11/27/2010</a:t>
+              <a:t>4/9/2011</a:t>
             </a:fld>
             <a:endParaRPr lang="en-US"/>
           </a:p>
@@ -2851,7 +2851,7 @@
             <a:fld id="{BC26097E-015C-3B4D-86C1-CD2AD30F0B81}" type="datetime1">
               <a:rPr lang="en-US" smtClean="0"/>
               <a:pPr/>
-              <a:t>11/27/2010</a:t>
+              <a:t>4/9/2011</a:t>
             </a:fld>
             <a:endParaRPr lang="en-US"/>
           </a:p>
@@ -3127,7 +3127,7 @@
             <a:fld id="{ED6649F4-2545-3040-B7BD-803CA59D50C7}" type="datetime1">
               <a:rPr lang="en-US" smtClean="0"/>
               <a:pPr/>
-              <a:t>11/27/2010</a:t>
+              <a:t>4/9/2011</a:t>
             </a:fld>
             <a:endParaRPr lang="en-US"/>
           </a:p>
@@ -3435,7 +3435,7 @@
             <a:fld id="{833A9088-CEDD-2F48-A9A0-611A3CC03FE9}" type="datetime1">
               <a:rPr lang="en-US" smtClean="0"/>
               <a:pPr/>
-              <a:t>11/27/2010</a:t>
+              <a:t>4/9/2011</a:t>
             </a:fld>
             <a:endParaRPr lang="en-US"/>
           </a:p>
@@ -3729,7 +3729,7 @@
             <a:fld id="{AED87ACF-EB3C-EA42-8610-542FB50388EB}" type="datetime1">
               <a:rPr lang="en-US" smtClean="0"/>
               <a:pPr/>
-              <a:t>11/27/2010</a:t>
+              <a:t>4/9/2011</a:t>
             </a:fld>
             <a:endParaRPr lang="en-US"/>
           </a:p>
@@ -4161,7 +4161,7 @@
             <a:fld id="{0E0DC31B-692F-774E-A937-DA560DE61DA8}" type="datetime1">
               <a:rPr lang="en-US" smtClean="0"/>
               <a:pPr/>
-              <a:t>11/27/2010</a:t>
+              <a:t>4/9/2011</a:t>
             </a:fld>
             <a:endParaRPr lang="en-US"/>
           </a:p>
@@ -4509,7 +4509,7 @@
             <a:fld id="{95DEFDAE-5BDC-1B4F-BC4C-23C867CEBC21}" type="datetime1">
               <a:rPr lang="en-US" smtClean="0"/>
               <a:pPr/>
-              <a:t>11/27/2010</a:t>
+              <a:t>4/9/2011</a:t>
             </a:fld>
             <a:endParaRPr lang="en-US"/>
           </a:p>
@@ -4601,7 +4601,7 @@
             <a:fld id="{9F53C516-787B-9A45-AFCF-5D75DD78DEBE}" type="datetime1">
               <a:rPr lang="en-US" smtClean="0"/>
               <a:pPr/>
-              <a:t>11/27/2010</a:t>
+              <a:t>4/9/2011</a:t>
             </a:fld>
             <a:endParaRPr lang="en-US"/>
           </a:p>
@@ -4940,7 +4940,7 @@
             <a:fld id="{F19CAA94-9393-BB4A-8CB6-008B1351A132}" type="datetime1">
               <a:rPr lang="en-US" smtClean="0"/>
               <a:pPr/>
-              <a:t>11/27/2010</a:t>
+              <a:t>4/9/2011</a:t>
             </a:fld>
             <a:endParaRPr lang="en-US"/>
           </a:p>
@@ -5154,7 +5154,7 @@
             <a:fld id="{A3476A5E-2ED6-7749-A8C1-D0B1EEEB97E0}" type="datetime1">
               <a:rPr lang="en-US" smtClean="0"/>
               <a:pPr/>
-              <a:t>11/27/2010</a:t>
+              <a:t>4/9/2011</a:t>
             </a:fld>
             <a:endParaRPr lang="en-US"/>
           </a:p>
@@ -7988,11 +7988,7 @@
           <a:p>
             <a:r>
               <a:rPr lang="en-US" dirty="0" smtClean="0"/>
-              <a:t>SAGA Intro: </a:t>
-            </a:r>
-            <a:r>
-              <a:rPr lang="en-US" dirty="0" smtClean="0"/>
-              <a:t>Example 1 </a:t>
+              <a:t>SAGA Intro: Example 1 </a:t>
             </a:r>
             <a:endParaRPr lang="en-US" dirty="0"/>
           </a:p>
@@ -8083,11 +8079,7 @@
           <a:p>
             <a:r>
               <a:rPr lang="en-US" dirty="0" smtClean="0"/>
-              <a:t>SAGA Intro: </a:t>
-            </a:r>
-            <a:r>
-              <a:rPr lang="en-US" dirty="0" smtClean="0"/>
-              <a:t>Example 2 </a:t>
+              <a:t>SAGA Intro: Example 2 </a:t>
             </a:r>
             <a:endParaRPr lang="en-US" dirty="0"/>
           </a:p>
@@ -8564,14 +8556,7 @@
                 <a:latin typeface="Consolas" pitchFamily="49" charset="0"/>
                 <a:cs typeface="Consolas" pitchFamily="49" charset="0"/>
               </a:rPr>
-              <a:t> // </a:t>
-            </a:r>
-            <a:r>
-              <a:rPr lang="en-US" sz="1400" dirty="0" smtClean="0">
-                <a:latin typeface="Consolas" pitchFamily="49" charset="0"/>
-                <a:cs typeface="Consolas" pitchFamily="49" charset="0"/>
-              </a:rPr>
-              <a:t>SAGA: Job Submission example</a:t>
+              <a:t> // SAGA: Job Submission example</a:t>
             </a:r>
           </a:p>
           <a:p>
@@ -8604,14 +8589,7 @@
                 <a:latin typeface="Consolas" pitchFamily="49" charset="0"/>
                 <a:cs typeface="Consolas" pitchFamily="49" charset="0"/>
               </a:rPr>
-              <a:t> saga</a:t>
-            </a:r>
-            <a:r>
-              <a:rPr lang="en-US" sz="1400" dirty="0" smtClean="0">
-                <a:latin typeface="Consolas" pitchFamily="49" charset="0"/>
-                <a:cs typeface="Consolas" pitchFamily="49" charset="0"/>
-              </a:rPr>
-              <a:t>::job::service </a:t>
+              <a:t> saga::job::service </a:t>
             </a:r>
             <a:r>
               <a:rPr lang="en-US" sz="1400" dirty="0" err="1" smtClean="0">
@@ -8648,14 +8626,7 @@
                 <a:latin typeface="Consolas" pitchFamily="49" charset="0"/>
                 <a:cs typeface="Consolas" pitchFamily="49" charset="0"/>
               </a:rPr>
-              <a:t> saga</a:t>
-            </a:r>
-            <a:r>
-              <a:rPr lang="en-US" sz="1400" dirty="0" smtClean="0">
-                <a:latin typeface="Consolas" pitchFamily="49" charset="0"/>
-                <a:cs typeface="Consolas" pitchFamily="49" charset="0"/>
-              </a:rPr>
-              <a:t>::job::job     j = </a:t>
+              <a:t> saga::job::job     j = </a:t>
             </a:r>
             <a:r>
               <a:rPr lang="en-US" sz="1400" dirty="0" err="1" smtClean="0">
@@ -8727,14 +8698,7 @@
                 <a:latin typeface="Consolas" pitchFamily="49" charset="0"/>
                 <a:cs typeface="Consolas" pitchFamily="49" charset="0"/>
               </a:rPr>
-              <a:t> </a:t>
-            </a:r>
-            <a:r>
-              <a:rPr lang="en-US" sz="1400" dirty="0" smtClean="0">
-                <a:latin typeface="Consolas" pitchFamily="49" charset="0"/>
-                <a:cs typeface="Consolas" pitchFamily="49" charset="0"/>
-              </a:rPr>
-              <a:t>&lt;&lt; "Job State: " &lt;&lt; </a:t>
+              <a:t> &lt;&lt; "Job State: " &lt;&lt; </a:t>
             </a:r>
             <a:r>
               <a:rPr lang="en-US" sz="1400" dirty="0" err="1" smtClean="0">
@@ -8791,14 +8755,7 @@
                 <a:latin typeface="Consolas" pitchFamily="49" charset="0"/>
                 <a:cs typeface="Consolas" pitchFamily="49" charset="0"/>
               </a:rPr>
-              <a:t> </a:t>
-            </a:r>
-            <a:r>
-              <a:rPr lang="en-US" sz="1400" dirty="0" smtClean="0">
-                <a:latin typeface="Consolas" pitchFamily="49" charset="0"/>
-                <a:cs typeface="Consolas" pitchFamily="49" charset="0"/>
-              </a:rPr>
-              <a:t>(); </a:t>
+              <a:t> (); </a:t>
             </a:r>
           </a:p>
           <a:p>
@@ -8827,14 +8784,7 @@
                 <a:latin typeface="Consolas" pitchFamily="49" charset="0"/>
                 <a:cs typeface="Consolas" pitchFamily="49" charset="0"/>
               </a:rPr>
-              <a:t> </a:t>
-            </a:r>
-            <a:r>
-              <a:rPr lang="en-US" sz="1400" dirty="0" smtClean="0">
-                <a:latin typeface="Consolas" pitchFamily="49" charset="0"/>
-                <a:cs typeface="Consolas" pitchFamily="49" charset="0"/>
-              </a:rPr>
-              <a:t>&lt;&lt; "</a:t>
+              <a:t> &lt;&lt; "</a:t>
             </a:r>
             <a:r>
               <a:rPr lang="en-US" sz="1400" dirty="0" err="1" smtClean="0">
@@ -9221,7 +9171,7 @@
           </p:nvPr>
         </p:nvPicPr>
         <mc:AlternateContent xmlns:mc="http://schemas.openxmlformats.org/markup-compatibility/2006">
-          <mc:Choice xmlns="" xmlns:mv="urn:schemas-microsoft-com:mac:vml" xmlns:ma="http://schemas.microsoft.com/office/mac/drawingml/2008/main" Requires="ma">
+          <mc:Choice xmlns:ma="http://schemas.microsoft.com/office/mac/drawingml/2008/main" xmlns:mv="urn:schemas-microsoft-com:mac:vml" xmlns="" Requires="ma">
             <p:blipFill>
               <a:blip r:embed="rId2"/>
               <a:stretch>
@@ -9379,7 +9329,7 @@
           </p:nvPr>
         </p:nvPicPr>
         <mc:AlternateContent xmlns:mc="http://schemas.openxmlformats.org/markup-compatibility/2006">
-          <mc:Choice xmlns="" xmlns:mv="urn:schemas-microsoft-com:mac:vml" xmlns:ma="http://schemas.microsoft.com/office/mac/drawingml/2008/main" Requires="ma">
+          <mc:Choice xmlns:ma="http://schemas.microsoft.com/office/mac/drawingml/2008/main" xmlns:mv="urn:schemas-microsoft-com:mac:vml" xmlns="" Requires="ma">
             <p:blipFill>
               <a:blip r:embed="rId2"/>
               <a:stretch>
@@ -9466,7 +9416,7 @@
           </p:nvPr>
         </p:nvPicPr>
         <mc:AlternateContent xmlns:mc="http://schemas.openxmlformats.org/markup-compatibility/2006">
-          <mc:Choice xmlns="" xmlns:mv="urn:schemas-microsoft-com:mac:vml" xmlns:ma="http://schemas.microsoft.com/office/mac/drawingml/2008/main" Requires="ma">
+          <mc:Choice xmlns:ma="http://schemas.microsoft.com/office/mac/drawingml/2008/main" xmlns:mv="urn:schemas-microsoft-com:mac:vml" xmlns="" Requires="ma">
             <p:blipFill>
               <a:blip r:embed="rId2"/>
               <a:stretch>
@@ -9549,7 +9499,7 @@
           </p:nvPr>
         </p:nvPicPr>
         <mc:AlternateContent xmlns:mc="http://schemas.openxmlformats.org/markup-compatibility/2006">
-          <mc:Choice xmlns="" xmlns:mv="urn:schemas-microsoft-com:mac:vml" xmlns:ma="http://schemas.microsoft.com/office/mac/drawingml/2008/main" Requires="ma">
+          <mc:Choice xmlns:ma="http://schemas.microsoft.com/office/mac/drawingml/2008/main" xmlns:mv="urn:schemas-microsoft-com:mac:vml" xmlns="" Requires="ma">
             <p:blipFill>
               <a:blip r:embed="rId2"/>
               <a:stretch>
@@ -9878,7 +9828,7 @@
           </p:nvPr>
         </p:nvPicPr>
         <mc:AlternateContent xmlns:mc="http://schemas.openxmlformats.org/markup-compatibility/2006">
-          <mc:Choice xmlns="" xmlns:mv="urn:schemas-microsoft-com:mac:vml" xmlns:ma="http://schemas.microsoft.com/office/mac/drawingml/2008/main" Requires="ma">
+          <mc:Choice xmlns:ma="http://schemas.microsoft.com/office/mac/drawingml/2008/main" xmlns:mv="urn:schemas-microsoft-com:mac:vml" xmlns="" Requires="ma">
             <p:blipFill>
               <a:blip r:embed="rId2"/>
               <a:stretch>
@@ -10020,7 +9970,7 @@
           </p:nvPr>
         </p:nvPicPr>
         <mc:AlternateContent xmlns:mc="http://schemas.openxmlformats.org/markup-compatibility/2006">
-          <mc:Choice xmlns="" xmlns:mv="urn:schemas-microsoft-com:mac:vml" xmlns:ma="http://schemas.microsoft.com/office/mac/drawingml/2008/main" Requires="ma">
+          <mc:Choice xmlns:ma="http://schemas.microsoft.com/office/mac/drawingml/2008/main" xmlns:mv="urn:schemas-microsoft-com:mac:vml" xmlns="" Requires="ma">
             <p:blipFill>
               <a:blip r:embed="rId2"/>
               <a:stretch>
@@ -10162,7 +10112,7 @@
           </p:nvPr>
         </p:nvPicPr>
         <mc:AlternateContent xmlns:mc="http://schemas.openxmlformats.org/markup-compatibility/2006">
-          <mc:Choice xmlns="" xmlns:mv="urn:schemas-microsoft-com:mac:vml" xmlns:ma="http://schemas.microsoft.com/office/mac/drawingml/2008/main" Requires="ma">
+          <mc:Choice xmlns:ma="http://schemas.microsoft.com/office/mac/drawingml/2008/main" xmlns:mv="urn:schemas-microsoft-com:mac:vml" xmlns="" Requires="ma">
             <p:blipFill>
               <a:blip r:embed="rId2"/>
               <a:stretch>
@@ -10300,7 +10250,7 @@
           </p:nvPr>
         </p:nvPicPr>
         <mc:AlternateContent xmlns:mc="http://schemas.openxmlformats.org/markup-compatibility/2006">
-          <mc:Choice xmlns="" xmlns:mv="urn:schemas-microsoft-com:mac:vml" xmlns:ma="http://schemas.microsoft.com/office/mac/drawingml/2008/main" Requires="ma">
+          <mc:Choice xmlns:ma="http://schemas.microsoft.com/office/mac/drawingml/2008/main" xmlns:mv="urn:schemas-microsoft-com:mac:vml" xmlns="" Requires="ma">
             <p:blipFill>
               <a:blip r:embed="rId2"/>
               <a:stretch>
@@ -10437,7 +10387,7 @@
           </p:nvPr>
         </p:nvPicPr>
         <mc:AlternateContent xmlns:mc="http://schemas.openxmlformats.org/markup-compatibility/2006">
-          <mc:Choice xmlns="" xmlns:mv="urn:schemas-microsoft-com:mac:vml" xmlns:ma="http://schemas.microsoft.com/office/mac/drawingml/2008/main" Requires="ma">
+          <mc:Choice xmlns:ma="http://schemas.microsoft.com/office/mac/drawingml/2008/main" xmlns:mv="urn:schemas-microsoft-com:mac:vml" xmlns="" Requires="ma">
             <p:blipFill>
               <a:blip r:embed="rId2"/>
               <a:stretch>
@@ -10579,7 +10529,7 @@
           </p:nvPr>
         </p:nvPicPr>
         <mc:AlternateContent xmlns:mc="http://schemas.openxmlformats.org/markup-compatibility/2006">
-          <mc:Choice xmlns="" xmlns:mv="urn:schemas-microsoft-com:mac:vml" xmlns:ma="http://schemas.microsoft.com/office/mac/drawingml/2008/main" Requires="ma">
+          <mc:Choice xmlns:ma="http://schemas.microsoft.com/office/mac/drawingml/2008/main" xmlns:mv="urn:schemas-microsoft-com:mac:vml" xmlns="" Requires="ma">
             <p:blipFill>
               <a:blip r:embed="rId2"/>
               <a:stretch>
@@ -10718,7 +10668,7 @@
           </p:nvPr>
         </p:nvPicPr>
         <mc:AlternateContent xmlns:mc="http://schemas.openxmlformats.org/markup-compatibility/2006">
-          <mc:Choice xmlns="" xmlns:mv="urn:schemas-microsoft-com:mac:vml" xmlns:ma="http://schemas.microsoft.com/office/mac/drawingml/2008/main" Requires="ma">
+          <mc:Choice xmlns:ma="http://schemas.microsoft.com/office/mac/drawingml/2008/main" xmlns:mv="urn:schemas-microsoft-com:mac:vml" xmlns="" Requires="ma">
             <p:blipFill>
               <a:blip r:embed="rId2"/>
               <a:stretch>
@@ -10856,7 +10806,7 @@
           </p:nvPr>
         </p:nvPicPr>
         <mc:AlternateContent xmlns:mc="http://schemas.openxmlformats.org/markup-compatibility/2006">
-          <mc:Choice xmlns="" xmlns:mv="urn:schemas-microsoft-com:mac:vml" xmlns:ma="http://schemas.microsoft.com/office/mac/drawingml/2008/main" Requires="ma">
+          <mc:Choice xmlns:ma="http://schemas.microsoft.com/office/mac/drawingml/2008/main" xmlns:mv="urn:schemas-microsoft-com:mac:vml" xmlns="" Requires="ma">
             <p:blipFill>
               <a:blip r:embed="rId2"/>
               <a:stretch>
@@ -10982,7 +10932,7 @@
           </p:nvPr>
         </p:nvPicPr>
         <mc:AlternateContent xmlns:mc="http://schemas.openxmlformats.org/markup-compatibility/2006">
-          <mc:Choice xmlns="" xmlns:mv="urn:schemas-microsoft-com:mac:vml" xmlns:ma="http://schemas.microsoft.com/office/mac/drawingml/2008/main" Requires="ma">
+          <mc:Choice xmlns:ma="http://schemas.microsoft.com/office/mac/drawingml/2008/main" xmlns:mv="urn:schemas-microsoft-com:mac:vml" xmlns="" Requires="ma">
             <p:blipFill>
               <a:blip r:embed="rId2"/>
               <a:stretch>
@@ -19125,11 +19075,7 @@
           <a:p>
             <a:r>
               <a:rPr lang="en-US" dirty="0" smtClean="0"/>
-              <a:t>SAGA Session: Example – </a:t>
-            </a:r>
-            <a:r>
-              <a:rPr lang="en-US" dirty="0" smtClean="0"/>
-              <a:t>explicit session</a:t>
+              <a:t>SAGA Session: Example – explicit session</a:t>
             </a:r>
             <a:endParaRPr lang="en-US" dirty="0"/>
           </a:p>
@@ -19640,11 +19586,7 @@
           <a:p>
             <a:r>
               <a:rPr lang="en-US" dirty="0" smtClean="0"/>
-              <a:t>SAGA Session: </a:t>
-            </a:r>
-            <a:r>
-              <a:rPr lang="en-US" dirty="0" smtClean="0"/>
-              <a:t>Lifetime</a:t>
+              <a:t>SAGA Session: Lifetime</a:t>
             </a:r>
             <a:endParaRPr lang="en-US" dirty="0"/>
           </a:p>
@@ -20249,11 +20191,7 @@
           <a:p>
             <a:r>
               <a:rPr lang="en-US" dirty="0" smtClean="0"/>
-              <a:t>SAGA Tasks:  </a:t>
-            </a:r>
-            <a:r>
-              <a:rPr lang="en-US" dirty="0" smtClean="0"/>
-              <a:t>States</a:t>
+              <a:t>SAGA Tasks:  States</a:t>
             </a:r>
             <a:endParaRPr lang="en-US" dirty="0"/>
           </a:p>
@@ -20541,14 +20479,7 @@
                 <a:latin typeface="Consolas" pitchFamily="49" charset="0"/>
                 <a:cs typeface="Consolas" pitchFamily="49" charset="0"/>
               </a:rPr>
-              <a:t>run(); wait</a:t>
-            </a:r>
-            <a:r>
-              <a:rPr lang="en-US" dirty="0" smtClean="0">
-                <a:latin typeface="Consolas" pitchFamily="49" charset="0"/>
-                <a:cs typeface="Consolas" pitchFamily="49" charset="0"/>
-              </a:rPr>
-              <a:t>();</a:t>
+              <a:t>run(); wait();</a:t>
             </a:r>
           </a:p>
           <a:p>
@@ -20649,10 +20580,6 @@
               </a:rPr>
               <a:t>}</a:t>
             </a:r>
-            <a:endParaRPr lang="en-US" sz="1400" dirty="0">
-              <a:latin typeface="Consolas" pitchFamily="49" charset="0"/>
-              <a:cs typeface="Consolas" pitchFamily="49" charset="0"/>
-            </a:endParaRPr>
           </a:p>
           <a:p>
             <a:pPr lvl="1"/>
@@ -20767,14 +20694,7 @@
                 <a:latin typeface="Consolas" pitchFamily="49" charset="0"/>
                 <a:cs typeface="Consolas" pitchFamily="49" charset="0"/>
               </a:rPr>
-              <a:t> // </a:t>
-            </a:r>
-            <a:r>
-              <a:rPr lang="en-US" sz="1400" dirty="0" smtClean="0">
-                <a:latin typeface="Consolas" pitchFamily="49" charset="0"/>
-                <a:cs typeface="Consolas" pitchFamily="49" charset="0"/>
-              </a:rPr>
-              <a:t>normal method call, </a:t>
+              <a:t> // normal method call, </a:t>
             </a:r>
             <a:r>
               <a:rPr lang="en-US" sz="1400" dirty="0">
@@ -20790,21 +20710,7 @@
                 <a:latin typeface="Consolas" pitchFamily="49" charset="0"/>
                 <a:cs typeface="Consolas" pitchFamily="49" charset="0"/>
               </a:rPr>
-              <a:t> </a:t>
-            </a:r>
-            <a:r>
-              <a:rPr lang="en-US" sz="1400" dirty="0" smtClean="0">
-                <a:latin typeface="Consolas" pitchFamily="49" charset="0"/>
-                <a:cs typeface="Consolas" pitchFamily="49" charset="0"/>
-              </a:rPr>
-              <a:t>/*</a:t>
-            </a:r>
-            <a:r>
-              <a:rPr lang="en-US" sz="1400" dirty="0" smtClean="0">
-                <a:latin typeface="Consolas" pitchFamily="49" charset="0"/>
-                <a:cs typeface="Consolas" pitchFamily="49" charset="0"/>
-              </a:rPr>
-              <a:t> void */ </a:t>
+              <a:t> /* void */ </a:t>
             </a:r>
             <a:r>
               <a:rPr lang="en-US" sz="1400" dirty="0" err="1" smtClean="0">
@@ -20954,6 +20860,43 @@
                 <a:latin typeface="Consolas" pitchFamily="49" charset="0"/>
                 <a:cs typeface="Consolas" pitchFamily="49" charset="0"/>
               </a:rPr>
+              <a:t> ("</a:t>
+            </a:r>
+            <a:r>
+              <a:rPr lang="en-US" sz="1400" dirty="0">
+                <a:latin typeface="Consolas" pitchFamily="49" charset="0"/>
+                <a:cs typeface="Consolas" pitchFamily="49" charset="0"/>
+              </a:rPr>
+              <a:t>data.bak.1");</a:t>
+            </a:r>
+          </a:p>
+          <a:p>
+            <a:r>
+              <a:rPr lang="en-US" sz="1400" dirty="0" smtClean="0">
+                <a:latin typeface="Consolas" pitchFamily="49" charset="0"/>
+                <a:cs typeface="Consolas" pitchFamily="49" charset="0"/>
+              </a:rPr>
+              <a:t> saga</a:t>
+            </a:r>
+            <a:r>
+              <a:rPr lang="en-US" sz="1400" dirty="0">
+                <a:latin typeface="Consolas" pitchFamily="49" charset="0"/>
+                <a:cs typeface="Consolas" pitchFamily="49" charset="0"/>
+              </a:rPr>
+              <a:t>::task t2 = </a:t>
+            </a:r>
+            <a:r>
+              <a:rPr lang="en-US" sz="1400" dirty="0" err="1">
+                <a:latin typeface="Consolas" pitchFamily="49" charset="0"/>
+                <a:cs typeface="Consolas" pitchFamily="49" charset="0"/>
+              </a:rPr>
+              <a:t>file.copy</a:t>
+            </a:r>
+            <a:r>
+              <a:rPr lang="en-US" sz="1400" dirty="0">
+                <a:latin typeface="Consolas" pitchFamily="49" charset="0"/>
+                <a:cs typeface="Consolas" pitchFamily="49" charset="0"/>
+              </a:rPr>
               <a:t> </a:t>
             </a:r>
             <a:r>
@@ -20961,14 +20904,35 @@
                 <a:latin typeface="Consolas" pitchFamily="49" charset="0"/>
                 <a:cs typeface="Consolas" pitchFamily="49" charset="0"/>
               </a:rPr>
-              <a:t>("</a:t>
-            </a:r>
-            <a:r>
-              <a:rPr lang="en-US" sz="1400" dirty="0">
-                <a:latin typeface="Consolas" pitchFamily="49" charset="0"/>
-                <a:cs typeface="Consolas" pitchFamily="49" charset="0"/>
-              </a:rPr>
-              <a:t>data.bak.1");</a:t>
+              <a:t>    &lt;</a:t>
+            </a:r>
+            <a:r>
+              <a:rPr lang="en-US" sz="1400" dirty="0">
+                <a:latin typeface="Consolas" pitchFamily="49" charset="0"/>
+                <a:cs typeface="Consolas" pitchFamily="49" charset="0"/>
+              </a:rPr>
+              <a:t>saga::task::</a:t>
+            </a:r>
+            <a:r>
+              <a:rPr lang="en-US" sz="1400" dirty="0" err="1">
+                <a:latin typeface="Consolas" pitchFamily="49" charset="0"/>
+                <a:cs typeface="Consolas" pitchFamily="49" charset="0"/>
+              </a:rPr>
+              <a:t>Async</a:t>
+            </a:r>
+            <a:r>
+              <a:rPr lang="en-US" sz="1400" dirty="0" smtClean="0">
+                <a:latin typeface="Consolas" pitchFamily="49" charset="0"/>
+                <a:cs typeface="Consolas" pitchFamily="49" charset="0"/>
+              </a:rPr>
+              <a:t>&gt; ("</a:t>
+            </a:r>
+            <a:r>
+              <a:rPr lang="en-US" sz="1400" dirty="0">
+                <a:latin typeface="Consolas" pitchFamily="49" charset="0"/>
+                <a:cs typeface="Consolas" pitchFamily="49" charset="0"/>
+              </a:rPr>
+              <a:t>data.bak.2");</a:t>
             </a:r>
           </a:p>
           <a:p>
@@ -20984,7 +20948,7 @@
                 <a:latin typeface="Consolas" pitchFamily="49" charset="0"/>
                 <a:cs typeface="Consolas" pitchFamily="49" charset="0"/>
               </a:rPr>
-              <a:t>::task t2 = </a:t>
+              <a:t>::task t3 = </a:t>
             </a:r>
             <a:r>
               <a:rPr lang="en-US" sz="1400" dirty="0" err="1">
@@ -21012,78 +20976,6 @@
                 <a:latin typeface="Consolas" pitchFamily="49" charset="0"/>
                 <a:cs typeface="Consolas" pitchFamily="49" charset="0"/>
               </a:rPr>
-              <a:t>saga::task::</a:t>
-            </a:r>
-            <a:r>
-              <a:rPr lang="en-US" sz="1400" dirty="0" err="1">
-                <a:latin typeface="Consolas" pitchFamily="49" charset="0"/>
-                <a:cs typeface="Consolas" pitchFamily="49" charset="0"/>
-              </a:rPr>
-              <a:t>Async</a:t>
-            </a:r>
-            <a:r>
-              <a:rPr lang="en-US" sz="1400" dirty="0" smtClean="0">
-                <a:latin typeface="Consolas" pitchFamily="49" charset="0"/>
-                <a:cs typeface="Consolas" pitchFamily="49" charset="0"/>
-              </a:rPr>
-              <a:t>&gt; </a:t>
-            </a:r>
-            <a:r>
-              <a:rPr lang="en-US" sz="1400" dirty="0" smtClean="0">
-                <a:latin typeface="Consolas" pitchFamily="49" charset="0"/>
-                <a:cs typeface="Consolas" pitchFamily="49" charset="0"/>
-              </a:rPr>
-              <a:t>("</a:t>
-            </a:r>
-            <a:r>
-              <a:rPr lang="en-US" sz="1400" dirty="0">
-                <a:latin typeface="Consolas" pitchFamily="49" charset="0"/>
-                <a:cs typeface="Consolas" pitchFamily="49" charset="0"/>
-              </a:rPr>
-              <a:t>data.bak.2");</a:t>
-            </a:r>
-          </a:p>
-          <a:p>
-            <a:r>
-              <a:rPr lang="en-US" sz="1400" dirty="0" smtClean="0">
-                <a:latin typeface="Consolas" pitchFamily="49" charset="0"/>
-                <a:cs typeface="Consolas" pitchFamily="49" charset="0"/>
-              </a:rPr>
-              <a:t> saga</a:t>
-            </a:r>
-            <a:r>
-              <a:rPr lang="en-US" sz="1400" dirty="0">
-                <a:latin typeface="Consolas" pitchFamily="49" charset="0"/>
-                <a:cs typeface="Consolas" pitchFamily="49" charset="0"/>
-              </a:rPr>
-              <a:t>::task t3 = </a:t>
-            </a:r>
-            <a:r>
-              <a:rPr lang="en-US" sz="1400" dirty="0" err="1">
-                <a:latin typeface="Consolas" pitchFamily="49" charset="0"/>
-                <a:cs typeface="Consolas" pitchFamily="49" charset="0"/>
-              </a:rPr>
-              <a:t>file.copy</a:t>
-            </a:r>
-            <a:r>
-              <a:rPr lang="en-US" sz="1400" dirty="0">
-                <a:latin typeface="Consolas" pitchFamily="49" charset="0"/>
-                <a:cs typeface="Consolas" pitchFamily="49" charset="0"/>
-              </a:rPr>
-              <a:t> </a:t>
-            </a:r>
-            <a:r>
-              <a:rPr lang="en-US" sz="1400" dirty="0" smtClean="0">
-                <a:latin typeface="Consolas" pitchFamily="49" charset="0"/>
-                <a:cs typeface="Consolas" pitchFamily="49" charset="0"/>
-              </a:rPr>
-              <a:t>    &lt;</a:t>
-            </a:r>
-            <a:r>
-              <a:rPr lang="en-US" sz="1400" dirty="0">
-                <a:latin typeface="Consolas" pitchFamily="49" charset="0"/>
-                <a:cs typeface="Consolas" pitchFamily="49" charset="0"/>
-              </a:rPr>
               <a:t>saga::task::Task&gt; </a:t>
             </a:r>
             <a:r>
@@ -21091,14 +20983,7 @@
                 <a:latin typeface="Consolas" pitchFamily="49" charset="0"/>
                 <a:cs typeface="Consolas" pitchFamily="49" charset="0"/>
               </a:rPr>
-              <a:t> </a:t>
-            </a:r>
-            <a:r>
-              <a:rPr lang="en-US" sz="1400" dirty="0" smtClean="0">
-                <a:latin typeface="Consolas" pitchFamily="49" charset="0"/>
-                <a:cs typeface="Consolas" pitchFamily="49" charset="0"/>
-              </a:rPr>
-              <a:t>("</a:t>
+              <a:t> ("</a:t>
             </a:r>
             <a:r>
               <a:rPr lang="en-US" sz="1400" dirty="0">
@@ -21252,14 +21137,7 @@
                 <a:latin typeface="Consolas" pitchFamily="49" charset="0"/>
                 <a:cs typeface="Consolas" pitchFamily="49" charset="0"/>
               </a:rPr>
-              <a:t>t3 are final (Done or Failed</a:t>
-            </a:r>
-            <a:r>
-              <a:rPr lang="en-US" sz="1400" dirty="0" smtClean="0">
-                <a:latin typeface="Consolas" pitchFamily="49" charset="0"/>
-                <a:cs typeface="Consolas" pitchFamily="49" charset="0"/>
-              </a:rPr>
-              <a:t>)</a:t>
+              <a:t>t3 are final (Done or Failed)</a:t>
             </a:r>
           </a:p>
           <a:p>
@@ -21380,14 +21258,7 @@
                 <a:latin typeface="Consolas" pitchFamily="49" charset="0"/>
                 <a:cs typeface="Consolas" pitchFamily="49" charset="0"/>
               </a:rPr>
-              <a:t> // </a:t>
-            </a:r>
-            <a:r>
-              <a:rPr lang="en-US" sz="1400" dirty="0" smtClean="0">
-                <a:latin typeface="Consolas" pitchFamily="49" charset="0"/>
-                <a:cs typeface="Consolas" pitchFamily="49" charset="0"/>
-              </a:rPr>
-              <a:t>normal method call, </a:t>
+              <a:t> // normal method call, </a:t>
             </a:r>
             <a:r>
               <a:rPr lang="en-US" sz="1400" dirty="0">
@@ -22006,11 +21877,7 @@
           <a:p>
             <a:r>
               <a:rPr lang="en-US" dirty="0" smtClean="0"/>
-              <a:t>SAGA </a:t>
-            </a:r>
-            <a:r>
-              <a:rPr lang="en-US" dirty="0" smtClean="0"/>
-              <a:t>Task Container: Example</a:t>
+              <a:t>SAGA Task Container: Example</a:t>
             </a:r>
             <a:endParaRPr lang="en-US" dirty="0"/>
           </a:p>
@@ -22079,6 +21946,52 @@
               </a:rPr>
               <a:t>// create task container</a:t>
             </a:r>
+          </a:p>
+          <a:p>
+            <a:r>
+              <a:rPr lang="en-US" sz="1400" dirty="0" smtClean="0">
+                <a:latin typeface="Consolas" pitchFamily="49" charset="0"/>
+                <a:cs typeface="Consolas" pitchFamily="49" charset="0"/>
+              </a:rPr>
+              <a:t> </a:t>
+            </a:r>
+            <a:r>
+              <a:rPr lang="en-US" sz="1400" dirty="0">
+                <a:latin typeface="Consolas" pitchFamily="49" charset="0"/>
+                <a:cs typeface="Consolas" pitchFamily="49" charset="0"/>
+              </a:rPr>
+              <a:t>saga::</a:t>
+            </a:r>
+            <a:r>
+              <a:rPr lang="en-US" sz="1400" dirty="0" err="1">
+                <a:latin typeface="Consolas" pitchFamily="49" charset="0"/>
+                <a:cs typeface="Consolas" pitchFamily="49" charset="0"/>
+              </a:rPr>
+              <a:t>task_container</a:t>
+            </a:r>
+            <a:r>
+              <a:rPr lang="en-US" sz="1400" dirty="0">
+                <a:latin typeface="Consolas" pitchFamily="49" charset="0"/>
+                <a:cs typeface="Consolas" pitchFamily="49" charset="0"/>
+              </a:rPr>
+              <a:t> </a:t>
+            </a:r>
+            <a:r>
+              <a:rPr lang="en-US" sz="1400" dirty="0" err="1">
+                <a:latin typeface="Consolas" pitchFamily="49" charset="0"/>
+                <a:cs typeface="Consolas" pitchFamily="49" charset="0"/>
+              </a:rPr>
+              <a:t>tc</a:t>
+            </a:r>
+            <a:r>
+              <a:rPr lang="en-US" sz="1400" dirty="0">
+                <a:latin typeface="Consolas" pitchFamily="49" charset="0"/>
+                <a:cs typeface="Consolas" pitchFamily="49" charset="0"/>
+              </a:rPr>
+              <a:t>;</a:t>
+            </a:r>
+          </a:p>
+          <a:p>
             <a:endParaRPr lang="en-US" sz="1400" dirty="0" smtClean="0">
               <a:latin typeface="Consolas" pitchFamily="49" charset="0"/>
               <a:cs typeface="Consolas" pitchFamily="49" charset="0"/>
@@ -22086,46 +21999,108 @@
           </a:p>
           <a:p>
             <a:r>
-              <a:rPr lang="en-US" sz="1400" dirty="0" smtClean="0">
+              <a:rPr lang="en-US" sz="1400" dirty="0">
                 <a:latin typeface="Consolas" pitchFamily="49" charset="0"/>
                 <a:cs typeface="Consolas" pitchFamily="49" charset="0"/>
               </a:rPr>
               <a:t> </a:t>
             </a:r>
             <a:r>
-              <a:rPr lang="en-US" sz="1400" dirty="0">
-                <a:latin typeface="Consolas" pitchFamily="49" charset="0"/>
-                <a:cs typeface="Consolas" pitchFamily="49" charset="0"/>
-              </a:rPr>
-              <a:t>saga::</a:t>
-            </a:r>
-            <a:r>
-              <a:rPr lang="en-US" sz="1400" dirty="0" err="1">
-                <a:latin typeface="Consolas" pitchFamily="49" charset="0"/>
-                <a:cs typeface="Consolas" pitchFamily="49" charset="0"/>
-              </a:rPr>
-              <a:t>task_container</a:t>
-            </a:r>
-            <a:r>
-              <a:rPr lang="en-US" sz="1400" dirty="0">
+              <a:rPr lang="en-US" sz="1400" dirty="0" smtClean="0">
+                <a:latin typeface="Consolas" pitchFamily="49" charset="0"/>
+                <a:cs typeface="Consolas" pitchFamily="49" charset="0"/>
+              </a:rPr>
+              <a:t>// add tasks</a:t>
+            </a:r>
+          </a:p>
+          <a:p>
+            <a:r>
+              <a:rPr lang="en-US" sz="1400" dirty="0" smtClean="0">
                 <a:latin typeface="Consolas" pitchFamily="49" charset="0"/>
                 <a:cs typeface="Consolas" pitchFamily="49" charset="0"/>
               </a:rPr>
               <a:t> </a:t>
             </a:r>
             <a:r>
-              <a:rPr lang="en-US" sz="1400" dirty="0" err="1">
-                <a:latin typeface="Consolas" pitchFamily="49" charset="0"/>
-                <a:cs typeface="Consolas" pitchFamily="49" charset="0"/>
-              </a:rPr>
-              <a:t>tc</a:t>
-            </a:r>
-            <a:r>
-              <a:rPr lang="en-US" sz="1400" dirty="0">
-                <a:latin typeface="Consolas" pitchFamily="49" charset="0"/>
-                <a:cs typeface="Consolas" pitchFamily="49" charset="0"/>
-              </a:rPr>
-              <a:t>;</a:t>
+              <a:rPr lang="en-US" sz="1400" dirty="0" err="1" smtClean="0">
+                <a:latin typeface="Consolas" pitchFamily="49" charset="0"/>
+                <a:cs typeface="Consolas" pitchFamily="49" charset="0"/>
+              </a:rPr>
+              <a:t>tc.add</a:t>
+            </a:r>
+            <a:r>
+              <a:rPr lang="en-US" sz="1400" dirty="0" smtClean="0">
+                <a:latin typeface="Consolas" pitchFamily="49" charset="0"/>
+                <a:cs typeface="Consolas" pitchFamily="49" charset="0"/>
+              </a:rPr>
+              <a:t> </a:t>
+            </a:r>
+            <a:r>
+              <a:rPr lang="en-US" sz="1400" dirty="0">
+                <a:latin typeface="Consolas" pitchFamily="49" charset="0"/>
+                <a:cs typeface="Consolas" pitchFamily="49" charset="0"/>
+              </a:rPr>
+              <a:t>(t1);</a:t>
+            </a:r>
+          </a:p>
+          <a:p>
+            <a:r>
+              <a:rPr lang="en-US" sz="1400" dirty="0" smtClean="0">
+                <a:latin typeface="Consolas" pitchFamily="49" charset="0"/>
+                <a:cs typeface="Consolas" pitchFamily="49" charset="0"/>
+              </a:rPr>
+              <a:t> </a:t>
+            </a:r>
+            <a:r>
+              <a:rPr lang="en-US" sz="1400" dirty="0" err="1" smtClean="0">
+                <a:latin typeface="Consolas" pitchFamily="49" charset="0"/>
+                <a:cs typeface="Consolas" pitchFamily="49" charset="0"/>
+              </a:rPr>
+              <a:t>tc.add</a:t>
+            </a:r>
+            <a:r>
+              <a:rPr lang="en-US" sz="1400" dirty="0" smtClean="0">
+                <a:latin typeface="Consolas" pitchFamily="49" charset="0"/>
+                <a:cs typeface="Consolas" pitchFamily="49" charset="0"/>
+              </a:rPr>
+              <a:t> </a:t>
+            </a:r>
+            <a:r>
+              <a:rPr lang="en-US" sz="1400" dirty="0">
+                <a:latin typeface="Consolas" pitchFamily="49" charset="0"/>
+                <a:cs typeface="Consolas" pitchFamily="49" charset="0"/>
+              </a:rPr>
+              <a:t>(t2);</a:t>
+            </a:r>
+          </a:p>
+          <a:p>
+            <a:r>
+              <a:rPr lang="en-US" sz="1400" dirty="0" smtClean="0">
+                <a:latin typeface="Consolas" pitchFamily="49" charset="0"/>
+                <a:cs typeface="Consolas" pitchFamily="49" charset="0"/>
+              </a:rPr>
+              <a:t> </a:t>
+            </a:r>
+            <a:r>
+              <a:rPr lang="en-US" sz="1400" dirty="0" err="1" smtClean="0">
+                <a:latin typeface="Consolas" pitchFamily="49" charset="0"/>
+                <a:cs typeface="Consolas" pitchFamily="49" charset="0"/>
+              </a:rPr>
+              <a:t>tc.add</a:t>
+            </a:r>
+            <a:r>
+              <a:rPr lang="en-US" sz="1400" dirty="0" smtClean="0">
+                <a:latin typeface="Consolas" pitchFamily="49" charset="0"/>
+                <a:cs typeface="Consolas" pitchFamily="49" charset="0"/>
+              </a:rPr>
+              <a:t> </a:t>
+            </a:r>
+            <a:r>
+              <a:rPr lang="en-US" sz="1400" dirty="0">
+                <a:latin typeface="Consolas" pitchFamily="49" charset="0"/>
+                <a:cs typeface="Consolas" pitchFamily="49" charset="0"/>
+              </a:rPr>
+              <a:t>(t3);</a:t>
             </a:r>
           </a:p>
           <a:p>
@@ -22147,8 +22122,37 @@
                 <a:latin typeface="Consolas" pitchFamily="49" charset="0"/>
                 <a:cs typeface="Consolas" pitchFamily="49" charset="0"/>
               </a:rPr>
-              <a:t>// add tasks</a:t>
-            </a:r>
+              <a:t>// collective operations on all tasks in container</a:t>
+            </a:r>
+          </a:p>
+          <a:p>
+            <a:r>
+              <a:rPr lang="en-US" sz="1400" dirty="0" smtClean="0">
+                <a:latin typeface="Consolas" pitchFamily="49" charset="0"/>
+                <a:cs typeface="Consolas" pitchFamily="49" charset="0"/>
+              </a:rPr>
+              <a:t> </a:t>
+            </a:r>
+            <a:r>
+              <a:rPr lang="en-US" sz="1400" dirty="0" err="1" smtClean="0">
+                <a:latin typeface="Consolas" pitchFamily="49" charset="0"/>
+                <a:cs typeface="Consolas" pitchFamily="49" charset="0"/>
+              </a:rPr>
+              <a:t>tc.run</a:t>
+            </a:r>
+            <a:r>
+              <a:rPr lang="en-US" sz="1400" dirty="0" smtClean="0">
+                <a:latin typeface="Consolas" pitchFamily="49" charset="0"/>
+                <a:cs typeface="Consolas" pitchFamily="49" charset="0"/>
+              </a:rPr>
+              <a:t> ();   </a:t>
+            </a:r>
+            <a:endParaRPr lang="en-US" sz="1400" dirty="0">
+              <a:latin typeface="Consolas" pitchFamily="49" charset="0"/>
+              <a:cs typeface="Consolas" pitchFamily="49" charset="0"/>
+            </a:endParaRPr>
+          </a:p>
+          <a:p>
             <a:endParaRPr lang="en-US" sz="1400" dirty="0" smtClean="0">
               <a:latin typeface="Consolas" pitchFamily="49" charset="0"/>
               <a:cs typeface="Consolas" pitchFamily="49" charset="0"/>
@@ -22160,88 +22164,56 @@
                 <a:latin typeface="Consolas" pitchFamily="49" charset="0"/>
                 <a:cs typeface="Consolas" pitchFamily="49" charset="0"/>
               </a:rPr>
+              <a:t> saga</a:t>
+            </a:r>
+            <a:r>
+              <a:rPr lang="en-US" sz="1400" dirty="0">
+                <a:latin typeface="Consolas" pitchFamily="49" charset="0"/>
+                <a:cs typeface="Consolas" pitchFamily="49" charset="0"/>
+              </a:rPr>
+              <a:t>::task </a:t>
+            </a:r>
+            <a:r>
+              <a:rPr lang="en-US" sz="1400" dirty="0" err="1">
+                <a:latin typeface="Consolas" pitchFamily="49" charset="0"/>
+                <a:cs typeface="Consolas" pitchFamily="49" charset="0"/>
+              </a:rPr>
+              <a:t>done_task</a:t>
+            </a:r>
+            <a:r>
+              <a:rPr lang="en-US" sz="1400" dirty="0">
+                <a:latin typeface="Consolas" pitchFamily="49" charset="0"/>
+                <a:cs typeface="Consolas" pitchFamily="49" charset="0"/>
+              </a:rPr>
+              <a:t> = </a:t>
+            </a:r>
+            <a:r>
+              <a:rPr lang="en-US" sz="1400" dirty="0" err="1">
+                <a:latin typeface="Consolas" pitchFamily="49" charset="0"/>
+                <a:cs typeface="Consolas" pitchFamily="49" charset="0"/>
+              </a:rPr>
+              <a:t>tc.wait</a:t>
+            </a:r>
+            <a:r>
+              <a:rPr lang="en-US" sz="1400" dirty="0">
+                <a:latin typeface="Consolas" pitchFamily="49" charset="0"/>
+                <a:cs typeface="Consolas" pitchFamily="49" charset="0"/>
+              </a:rPr>
               <a:t> </a:t>
             </a:r>
             <a:r>
-              <a:rPr lang="en-US" sz="1400" dirty="0" err="1" smtClean="0">
-                <a:latin typeface="Consolas" pitchFamily="49" charset="0"/>
-                <a:cs typeface="Consolas" pitchFamily="49" charset="0"/>
-              </a:rPr>
-              <a:t>tc.add</a:t>
-            </a:r>
-            <a:r>
-              <a:rPr lang="en-US" sz="1400" dirty="0" smtClean="0">
-                <a:latin typeface="Consolas" pitchFamily="49" charset="0"/>
-                <a:cs typeface="Consolas" pitchFamily="49" charset="0"/>
-              </a:rPr>
-              <a:t> </a:t>
-            </a:r>
-            <a:r>
-              <a:rPr lang="en-US" sz="1400" dirty="0">
-                <a:latin typeface="Consolas" pitchFamily="49" charset="0"/>
-                <a:cs typeface="Consolas" pitchFamily="49" charset="0"/>
-              </a:rPr>
-              <a:t>(t1);</a:t>
-            </a:r>
-          </a:p>
-          <a:p>
-            <a:r>
-              <a:rPr lang="en-US" sz="1400" dirty="0" smtClean="0">
-                <a:latin typeface="Consolas" pitchFamily="49" charset="0"/>
-                <a:cs typeface="Consolas" pitchFamily="49" charset="0"/>
-              </a:rPr>
-              <a:t> </a:t>
-            </a:r>
-            <a:r>
-              <a:rPr lang="en-US" sz="1400" dirty="0" err="1" smtClean="0">
-                <a:latin typeface="Consolas" pitchFamily="49" charset="0"/>
-                <a:cs typeface="Consolas" pitchFamily="49" charset="0"/>
-              </a:rPr>
-              <a:t>tc.add</a:t>
-            </a:r>
-            <a:r>
-              <a:rPr lang="en-US" sz="1400" dirty="0" smtClean="0">
-                <a:latin typeface="Consolas" pitchFamily="49" charset="0"/>
-                <a:cs typeface="Consolas" pitchFamily="49" charset="0"/>
-              </a:rPr>
-              <a:t> </a:t>
-            </a:r>
-            <a:r>
-              <a:rPr lang="en-US" sz="1400" dirty="0">
-                <a:latin typeface="Consolas" pitchFamily="49" charset="0"/>
-                <a:cs typeface="Consolas" pitchFamily="49" charset="0"/>
-              </a:rPr>
-              <a:t>(t2);</a:t>
-            </a:r>
-          </a:p>
-          <a:p>
-            <a:r>
-              <a:rPr lang="en-US" sz="1400" dirty="0" smtClean="0">
-                <a:latin typeface="Consolas" pitchFamily="49" charset="0"/>
-                <a:cs typeface="Consolas" pitchFamily="49" charset="0"/>
-              </a:rPr>
-              <a:t> </a:t>
-            </a:r>
-            <a:r>
-              <a:rPr lang="en-US" sz="1400" dirty="0" err="1" smtClean="0">
-                <a:latin typeface="Consolas" pitchFamily="49" charset="0"/>
-                <a:cs typeface="Consolas" pitchFamily="49" charset="0"/>
-              </a:rPr>
-              <a:t>tc.add</a:t>
-            </a:r>
-            <a:r>
-              <a:rPr lang="en-US" sz="1400" dirty="0" smtClean="0">
-                <a:latin typeface="Consolas" pitchFamily="49" charset="0"/>
-                <a:cs typeface="Consolas" pitchFamily="49" charset="0"/>
-              </a:rPr>
-              <a:t> </a:t>
-            </a:r>
-            <a:r>
-              <a:rPr lang="en-US" sz="1400" dirty="0">
-                <a:latin typeface="Consolas" pitchFamily="49" charset="0"/>
-                <a:cs typeface="Consolas" pitchFamily="49" charset="0"/>
-              </a:rPr>
-              <a:t>(t3);</a:t>
+              <a:rPr lang="en-US" sz="1400" dirty="0" smtClean="0">
+                <a:latin typeface="Consolas" pitchFamily="49" charset="0"/>
+                <a:cs typeface="Consolas" pitchFamily="49" charset="0"/>
+              </a:rPr>
+              <a:t>(saga::task::Any</a:t>
+            </a:r>
+            <a:r>
+              <a:rPr lang="en-US" sz="1400" dirty="0">
+                <a:latin typeface="Consolas" pitchFamily="49" charset="0"/>
+                <a:cs typeface="Consolas" pitchFamily="49" charset="0"/>
+              </a:rPr>
+              <a:t>);</a:t>
             </a:r>
           </a:p>
           <a:p>
@@ -22252,149 +22224,25 @@
           </a:p>
           <a:p>
             <a:r>
-              <a:rPr lang="en-US" sz="1400" dirty="0">
+              <a:rPr lang="en-US" sz="1400" dirty="0" smtClean="0">
                 <a:latin typeface="Consolas" pitchFamily="49" charset="0"/>
                 <a:cs typeface="Consolas" pitchFamily="49" charset="0"/>
               </a:rPr>
               <a:t> </a:t>
             </a:r>
             <a:r>
-              <a:rPr lang="en-US" sz="1400" dirty="0" smtClean="0">
-                <a:latin typeface="Consolas" pitchFamily="49" charset="0"/>
-                <a:cs typeface="Consolas" pitchFamily="49" charset="0"/>
-              </a:rPr>
-              <a:t>// collective operations on all tasks in container</a:t>
-            </a:r>
-            <a:endParaRPr lang="en-US" sz="1400" dirty="0" smtClean="0">
-              <a:latin typeface="Consolas" pitchFamily="49" charset="0"/>
-              <a:cs typeface="Consolas" pitchFamily="49" charset="0"/>
-            </a:endParaRPr>
-          </a:p>
-          <a:p>
-            <a:r>
-              <a:rPr lang="en-US" sz="1400" dirty="0" smtClean="0">
-                <a:latin typeface="Consolas" pitchFamily="49" charset="0"/>
-                <a:cs typeface="Consolas" pitchFamily="49" charset="0"/>
-              </a:rPr>
-              <a:t> </a:t>
-            </a:r>
-            <a:r>
               <a:rPr lang="en-US" sz="1400" dirty="0" err="1" smtClean="0">
                 <a:latin typeface="Consolas" pitchFamily="49" charset="0"/>
                 <a:cs typeface="Consolas" pitchFamily="49" charset="0"/>
               </a:rPr>
-              <a:t>tc.run</a:t>
-            </a:r>
-            <a:r>
-              <a:rPr lang="en-US" sz="1400" dirty="0" smtClean="0">
-                <a:latin typeface="Consolas" pitchFamily="49" charset="0"/>
-                <a:cs typeface="Consolas" pitchFamily="49" charset="0"/>
-              </a:rPr>
-              <a:t> ();   </a:t>
-            </a:r>
-            <a:endParaRPr lang="en-US" sz="1400" dirty="0">
-              <a:latin typeface="Consolas" pitchFamily="49" charset="0"/>
-              <a:cs typeface="Consolas" pitchFamily="49" charset="0"/>
-            </a:endParaRPr>
-          </a:p>
-          <a:p>
-            <a:endParaRPr lang="en-US" sz="1400" dirty="0" smtClean="0">
-              <a:latin typeface="Consolas" pitchFamily="49" charset="0"/>
-              <a:cs typeface="Consolas" pitchFamily="49" charset="0"/>
-            </a:endParaRPr>
-          </a:p>
-          <a:p>
-            <a:r>
-              <a:rPr lang="en-US" sz="1400" dirty="0" smtClean="0">
-                <a:latin typeface="Consolas" pitchFamily="49" charset="0"/>
-                <a:cs typeface="Consolas" pitchFamily="49" charset="0"/>
-              </a:rPr>
-              <a:t> saga</a:t>
-            </a:r>
-            <a:r>
-              <a:rPr lang="en-US" sz="1400" dirty="0">
-                <a:latin typeface="Consolas" pitchFamily="49" charset="0"/>
-                <a:cs typeface="Consolas" pitchFamily="49" charset="0"/>
-              </a:rPr>
-              <a:t>::task </a:t>
-            </a:r>
-            <a:r>
-              <a:rPr lang="en-US" sz="1400" dirty="0" err="1">
-                <a:latin typeface="Consolas" pitchFamily="49" charset="0"/>
-                <a:cs typeface="Consolas" pitchFamily="49" charset="0"/>
-              </a:rPr>
-              <a:t>done_task</a:t>
-            </a:r>
-            <a:r>
-              <a:rPr lang="en-US" sz="1400" dirty="0">
-                <a:latin typeface="Consolas" pitchFamily="49" charset="0"/>
-                <a:cs typeface="Consolas" pitchFamily="49" charset="0"/>
-              </a:rPr>
-              <a:t> = </a:t>
-            </a:r>
-            <a:r>
-              <a:rPr lang="en-US" sz="1400" dirty="0" err="1">
-                <a:latin typeface="Consolas" pitchFamily="49" charset="0"/>
-                <a:cs typeface="Consolas" pitchFamily="49" charset="0"/>
-              </a:rPr>
               <a:t>tc.wait</a:t>
             </a:r>
             <a:r>
-              <a:rPr lang="en-US" sz="1400" dirty="0">
-                <a:latin typeface="Consolas" pitchFamily="49" charset="0"/>
-                <a:cs typeface="Consolas" pitchFamily="49" charset="0"/>
-              </a:rPr>
-              <a:t> </a:t>
-            </a:r>
-            <a:r>
-              <a:rPr lang="en-US" sz="1400" dirty="0" smtClean="0">
-                <a:latin typeface="Consolas" pitchFamily="49" charset="0"/>
-                <a:cs typeface="Consolas" pitchFamily="49" charset="0"/>
-              </a:rPr>
-              <a:t>(saga::task::Any</a:t>
-            </a:r>
-            <a:r>
-              <a:rPr lang="en-US" sz="1400" dirty="0">
-                <a:latin typeface="Consolas" pitchFamily="49" charset="0"/>
-                <a:cs typeface="Consolas" pitchFamily="49" charset="0"/>
-              </a:rPr>
-              <a:t>);</a:t>
-            </a:r>
-          </a:p>
-          <a:p>
-            <a:endParaRPr lang="en-US" sz="1400" dirty="0" smtClean="0">
-              <a:latin typeface="Consolas" pitchFamily="49" charset="0"/>
-              <a:cs typeface="Consolas" pitchFamily="49" charset="0"/>
-            </a:endParaRPr>
-          </a:p>
-          <a:p>
-            <a:r>
-              <a:rPr lang="en-US" sz="1400" dirty="0" smtClean="0">
-                <a:latin typeface="Consolas" pitchFamily="49" charset="0"/>
-                <a:cs typeface="Consolas" pitchFamily="49" charset="0"/>
-              </a:rPr>
-              <a:t> </a:t>
-            </a:r>
-            <a:r>
-              <a:rPr lang="en-US" sz="1400" dirty="0" err="1" smtClean="0">
-                <a:latin typeface="Consolas" pitchFamily="49" charset="0"/>
-                <a:cs typeface="Consolas" pitchFamily="49" charset="0"/>
-              </a:rPr>
-              <a:t>tc.wait</a:t>
-            </a:r>
-            <a:r>
-              <a:rPr lang="en-US" sz="1400" dirty="0" smtClean="0">
-                <a:latin typeface="Consolas" pitchFamily="49" charset="0"/>
-                <a:cs typeface="Consolas" pitchFamily="49" charset="0"/>
-              </a:rPr>
-              <a:t> </a:t>
-            </a:r>
-            <a:r>
-              <a:rPr lang="en-US" sz="1400" dirty="0" smtClean="0">
-                <a:latin typeface="Consolas" pitchFamily="49" charset="0"/>
-                <a:cs typeface="Consolas" pitchFamily="49" charset="0"/>
-              </a:rPr>
-              <a:t>(saga::task::All</a:t>
+              <a:rPr lang="en-US" sz="1400" dirty="0" smtClean="0">
+                <a:latin typeface="Consolas" pitchFamily="49" charset="0"/>
+                <a:cs typeface="Consolas" pitchFamily="49" charset="0"/>
+              </a:rPr>
+              <a:t> (saga::task::All</a:t>
             </a:r>
             <a:r>
               <a:rPr lang="en-US" sz="1400" dirty="0">
@@ -22535,6 +22383,155 @@
               </a:rPr>
               <a:t>// NOTE: </a:t>
             </a:r>
+          </a:p>
+          <a:p>
+            <a:r>
+              <a:rPr lang="en-US" sz="1400" dirty="0">
+                <a:latin typeface="Consolas" pitchFamily="49" charset="0"/>
+                <a:cs typeface="Consolas" pitchFamily="49" charset="0"/>
+              </a:rPr>
+              <a:t> </a:t>
+            </a:r>
+            <a:r>
+              <a:rPr lang="en-US" sz="1400" dirty="0" smtClean="0">
+                <a:latin typeface="Consolas" pitchFamily="49" charset="0"/>
+                <a:cs typeface="Consolas" pitchFamily="49" charset="0"/>
+              </a:rPr>
+              <a:t>// class saga::job : public saga::task</a:t>
+            </a:r>
+          </a:p>
+          <a:p>
+            <a:r>
+              <a:rPr lang="en-US" sz="1400" dirty="0" smtClean="0">
+                <a:latin typeface="Consolas" pitchFamily="49" charset="0"/>
+                <a:cs typeface="Consolas" pitchFamily="49" charset="0"/>
+              </a:rPr>
+              <a:t> // task container can thus manage tasks *and* jobs:</a:t>
+            </a:r>
+          </a:p>
+          <a:p>
+            <a:endParaRPr lang="en-US" sz="1400" dirty="0">
+              <a:latin typeface="Consolas" pitchFamily="49" charset="0"/>
+              <a:cs typeface="Consolas" pitchFamily="49" charset="0"/>
+            </a:endParaRPr>
+          </a:p>
+          <a:p>
+            <a:r>
+              <a:rPr lang="en-US" sz="1400" dirty="0" smtClean="0">
+                <a:latin typeface="Consolas" pitchFamily="49" charset="0"/>
+                <a:cs typeface="Consolas" pitchFamily="49" charset="0"/>
+              </a:rPr>
+              <a:t> saga</a:t>
+            </a:r>
+            <a:r>
+              <a:rPr lang="en-US" sz="1400" dirty="0">
+                <a:latin typeface="Consolas" pitchFamily="49" charset="0"/>
+                <a:cs typeface="Consolas" pitchFamily="49" charset="0"/>
+              </a:rPr>
+              <a:t>::task </a:t>
+            </a:r>
+            <a:r>
+              <a:rPr lang="en-US" sz="1400" dirty="0" err="1">
+                <a:latin typeface="Consolas" pitchFamily="49" charset="0"/>
+                <a:cs typeface="Consolas" pitchFamily="49" charset="0"/>
+              </a:rPr>
+              <a:t>task</a:t>
+            </a:r>
+            <a:r>
+              <a:rPr lang="en-US" sz="1400" dirty="0">
+                <a:latin typeface="Consolas" pitchFamily="49" charset="0"/>
+                <a:cs typeface="Consolas" pitchFamily="49" charset="0"/>
+              </a:rPr>
+              <a:t> = </a:t>
+            </a:r>
+            <a:r>
+              <a:rPr lang="en-US" sz="1400" dirty="0" err="1">
+                <a:latin typeface="Consolas" pitchFamily="49" charset="0"/>
+                <a:cs typeface="Consolas" pitchFamily="49" charset="0"/>
+              </a:rPr>
+              <a:t>file.copy</a:t>
+            </a:r>
+            <a:r>
+              <a:rPr lang="en-US" sz="1400" dirty="0">
+                <a:latin typeface="Consolas" pitchFamily="49" charset="0"/>
+                <a:cs typeface="Consolas" pitchFamily="49" charset="0"/>
+              </a:rPr>
+              <a:t> &lt;saga::task::</a:t>
+            </a:r>
+            <a:r>
+              <a:rPr lang="en-US" sz="1400" dirty="0" err="1" smtClean="0">
+                <a:latin typeface="Consolas" pitchFamily="49" charset="0"/>
+                <a:cs typeface="Consolas" pitchFamily="49" charset="0"/>
+              </a:rPr>
+              <a:t>Async</a:t>
+            </a:r>
+            <a:r>
+              <a:rPr lang="en-US" sz="1400" dirty="0" smtClean="0">
+                <a:latin typeface="Consolas" pitchFamily="49" charset="0"/>
+                <a:cs typeface="Consolas" pitchFamily="49" charset="0"/>
+              </a:rPr>
+              <a:t>&gt; </a:t>
+            </a:r>
+            <a:r>
+              <a:rPr lang="en-US" sz="1400" dirty="0">
+                <a:latin typeface="Consolas" pitchFamily="49" charset="0"/>
+                <a:cs typeface="Consolas" pitchFamily="49" charset="0"/>
+              </a:rPr>
+              <a:t>("b");</a:t>
+            </a:r>
+          </a:p>
+          <a:p>
+            <a:r>
+              <a:rPr lang="en-US" sz="1400" dirty="0" smtClean="0">
+                <a:latin typeface="Consolas" pitchFamily="49" charset="0"/>
+                <a:cs typeface="Consolas" pitchFamily="49" charset="0"/>
+              </a:rPr>
+              <a:t> saga</a:t>
+            </a:r>
+            <a:r>
+              <a:rPr lang="en-US" sz="1400" dirty="0">
+                <a:latin typeface="Consolas" pitchFamily="49" charset="0"/>
+                <a:cs typeface="Consolas" pitchFamily="49" charset="0"/>
+              </a:rPr>
+              <a:t>::job </a:t>
+            </a:r>
+            <a:r>
+              <a:rPr lang="en-US" sz="1400" dirty="0" smtClean="0">
+                <a:latin typeface="Consolas" pitchFamily="49" charset="0"/>
+                <a:cs typeface="Consolas" pitchFamily="49" charset="0"/>
+              </a:rPr>
+              <a:t> </a:t>
+            </a:r>
+            <a:r>
+              <a:rPr lang="en-US" sz="1400" dirty="0" err="1" smtClean="0">
+                <a:latin typeface="Consolas" pitchFamily="49" charset="0"/>
+                <a:cs typeface="Consolas" pitchFamily="49" charset="0"/>
+              </a:rPr>
+              <a:t>job</a:t>
+            </a:r>
+            <a:r>
+              <a:rPr lang="en-US" sz="1400" dirty="0" smtClean="0">
+                <a:latin typeface="Consolas" pitchFamily="49" charset="0"/>
+                <a:cs typeface="Consolas" pitchFamily="49" charset="0"/>
+              </a:rPr>
+              <a:t>  = </a:t>
+            </a:r>
+            <a:r>
+              <a:rPr lang="en-US" sz="1400" dirty="0" err="1">
+                <a:latin typeface="Consolas" pitchFamily="49" charset="0"/>
+                <a:cs typeface="Consolas" pitchFamily="49" charset="0"/>
+              </a:rPr>
+              <a:t>js.run_job</a:t>
+            </a:r>
+            <a:r>
+              <a:rPr lang="en-US" sz="1400" dirty="0">
+                <a:latin typeface="Consolas" pitchFamily="49" charset="0"/>
+                <a:cs typeface="Consolas" pitchFamily="49" charset="0"/>
+              </a:rPr>
+              <a:t> ("remote.host.net", "/bin/date");</a:t>
+            </a:r>
+          </a:p>
+          <a:p>
             <a:endParaRPr lang="en-US" sz="1400" dirty="0" smtClean="0">
               <a:latin typeface="Consolas" pitchFamily="49" charset="0"/>
               <a:cs typeface="Consolas" pitchFamily="49" charset="0"/>
@@ -22542,6 +22539,27 @@
           </a:p>
           <a:p>
             <a:r>
+              <a:rPr lang="en-US" sz="1400" dirty="0" smtClean="0">
+                <a:latin typeface="Consolas" pitchFamily="49" charset="0"/>
+                <a:cs typeface="Consolas" pitchFamily="49" charset="0"/>
+              </a:rPr>
+              <a:t> saga</a:t>
+            </a:r>
+            <a:r>
+              <a:rPr lang="en-US" sz="1400" dirty="0">
+                <a:latin typeface="Consolas" pitchFamily="49" charset="0"/>
+                <a:cs typeface="Consolas" pitchFamily="49" charset="0"/>
+              </a:rPr>
+              <a:t>::</a:t>
+            </a:r>
+            <a:r>
+              <a:rPr lang="en-US" sz="1400" dirty="0" err="1">
+                <a:latin typeface="Consolas" pitchFamily="49" charset="0"/>
+                <a:cs typeface="Consolas" pitchFamily="49" charset="0"/>
+              </a:rPr>
+              <a:t>task_container</a:t>
+            </a:r>
+            <a:r>
               <a:rPr lang="en-US" sz="1400" dirty="0">
                 <a:latin typeface="Consolas" pitchFamily="49" charset="0"/>
                 <a:cs typeface="Consolas" pitchFamily="49" charset="0"/>
@@ -22549,156 +22567,18 @@
               <a:t> </a:t>
             </a:r>
             <a:r>
-              <a:rPr lang="en-US" sz="1400" dirty="0" smtClean="0">
-                <a:latin typeface="Consolas" pitchFamily="49" charset="0"/>
-                <a:cs typeface="Consolas" pitchFamily="49" charset="0"/>
-              </a:rPr>
-              <a:t>// </a:t>
-            </a:r>
-            <a:r>
-              <a:rPr lang="en-US" sz="1400" dirty="0" smtClean="0">
-                <a:latin typeface="Consolas" pitchFamily="49" charset="0"/>
-                <a:cs typeface="Consolas" pitchFamily="49" charset="0"/>
-              </a:rPr>
-              <a:t>class </a:t>
-            </a:r>
-            <a:r>
-              <a:rPr lang="en-US" sz="1400" dirty="0" smtClean="0">
-                <a:latin typeface="Consolas" pitchFamily="49" charset="0"/>
-                <a:cs typeface="Consolas" pitchFamily="49" charset="0"/>
-              </a:rPr>
-              <a:t>saga::job : public saga::task</a:t>
-            </a:r>
-          </a:p>
-          <a:p>
-            <a:r>
-              <a:rPr lang="en-US" sz="1400" dirty="0" smtClean="0">
-                <a:latin typeface="Consolas" pitchFamily="49" charset="0"/>
-                <a:cs typeface="Consolas" pitchFamily="49" charset="0"/>
-              </a:rPr>
-              <a:t> // task container can thus manage tasks *and* jobs:</a:t>
-            </a:r>
-          </a:p>
-          <a:p>
-            <a:endParaRPr lang="en-US" sz="1400" dirty="0">
-              <a:latin typeface="Consolas" pitchFamily="49" charset="0"/>
-              <a:cs typeface="Consolas" pitchFamily="49" charset="0"/>
-            </a:endParaRPr>
-          </a:p>
-          <a:p>
-            <a:r>
-              <a:rPr lang="en-US" sz="1400" dirty="0" smtClean="0">
-                <a:latin typeface="Consolas" pitchFamily="49" charset="0"/>
-                <a:cs typeface="Consolas" pitchFamily="49" charset="0"/>
-              </a:rPr>
-              <a:t> saga</a:t>
-            </a:r>
-            <a:r>
-              <a:rPr lang="en-US" sz="1400" dirty="0">
-                <a:latin typeface="Consolas" pitchFamily="49" charset="0"/>
-                <a:cs typeface="Consolas" pitchFamily="49" charset="0"/>
-              </a:rPr>
-              <a:t>::task </a:t>
-            </a:r>
-            <a:r>
               <a:rPr lang="en-US" sz="1400" dirty="0" err="1">
                 <a:latin typeface="Consolas" pitchFamily="49" charset="0"/>
                 <a:cs typeface="Consolas" pitchFamily="49" charset="0"/>
               </a:rPr>
-              <a:t>task</a:t>
-            </a:r>
-            <a:r>
-              <a:rPr lang="en-US" sz="1400" dirty="0">
-                <a:latin typeface="Consolas" pitchFamily="49" charset="0"/>
-                <a:cs typeface="Consolas" pitchFamily="49" charset="0"/>
-              </a:rPr>
-              <a:t> = </a:t>
-            </a:r>
-            <a:r>
-              <a:rPr lang="en-US" sz="1400" dirty="0" err="1">
-                <a:latin typeface="Consolas" pitchFamily="49" charset="0"/>
-                <a:cs typeface="Consolas" pitchFamily="49" charset="0"/>
-              </a:rPr>
-              <a:t>file.copy</a:t>
-            </a:r>
-            <a:r>
-              <a:rPr lang="en-US" sz="1400" dirty="0">
-                <a:latin typeface="Consolas" pitchFamily="49" charset="0"/>
-                <a:cs typeface="Consolas" pitchFamily="49" charset="0"/>
-              </a:rPr>
-              <a:t> &lt;saga::task::</a:t>
-            </a:r>
-            <a:r>
-              <a:rPr lang="en-US" sz="1400" dirty="0" err="1" smtClean="0">
-                <a:latin typeface="Consolas" pitchFamily="49" charset="0"/>
-                <a:cs typeface="Consolas" pitchFamily="49" charset="0"/>
-              </a:rPr>
-              <a:t>Async</a:t>
-            </a:r>
-            <a:r>
-              <a:rPr lang="en-US" sz="1400" dirty="0" smtClean="0">
-                <a:latin typeface="Consolas" pitchFamily="49" charset="0"/>
-                <a:cs typeface="Consolas" pitchFamily="49" charset="0"/>
-              </a:rPr>
-              <a:t>&gt; </a:t>
-            </a:r>
-            <a:r>
-              <a:rPr lang="en-US" sz="1400" dirty="0">
-                <a:latin typeface="Consolas" pitchFamily="49" charset="0"/>
-                <a:cs typeface="Consolas" pitchFamily="49" charset="0"/>
-              </a:rPr>
-              <a:t>("b");</a:t>
-            </a:r>
-          </a:p>
-          <a:p>
-            <a:r>
-              <a:rPr lang="en-US" sz="1400" dirty="0" smtClean="0">
-                <a:latin typeface="Consolas" pitchFamily="49" charset="0"/>
-                <a:cs typeface="Consolas" pitchFamily="49" charset="0"/>
-              </a:rPr>
-              <a:t> saga</a:t>
-            </a:r>
-            <a:r>
-              <a:rPr lang="en-US" sz="1400" dirty="0">
-                <a:latin typeface="Consolas" pitchFamily="49" charset="0"/>
-                <a:cs typeface="Consolas" pitchFamily="49" charset="0"/>
-              </a:rPr>
-              <a:t>::job </a:t>
-            </a:r>
-            <a:r>
-              <a:rPr lang="en-US" sz="1400" dirty="0" smtClean="0">
-                <a:latin typeface="Consolas" pitchFamily="49" charset="0"/>
-                <a:cs typeface="Consolas" pitchFamily="49" charset="0"/>
-              </a:rPr>
-              <a:t> </a:t>
-            </a:r>
-            <a:r>
-              <a:rPr lang="en-US" sz="1400" dirty="0" err="1" smtClean="0">
-                <a:latin typeface="Consolas" pitchFamily="49" charset="0"/>
-                <a:cs typeface="Consolas" pitchFamily="49" charset="0"/>
-              </a:rPr>
-              <a:t>job</a:t>
-            </a:r>
-            <a:r>
-              <a:rPr lang="en-US" sz="1400" dirty="0" smtClean="0">
-                <a:latin typeface="Consolas" pitchFamily="49" charset="0"/>
-                <a:cs typeface="Consolas" pitchFamily="49" charset="0"/>
-              </a:rPr>
-              <a:t>  = </a:t>
-            </a:r>
-            <a:r>
-              <a:rPr lang="en-US" sz="1400" dirty="0" err="1">
-                <a:latin typeface="Consolas" pitchFamily="49" charset="0"/>
-                <a:cs typeface="Consolas" pitchFamily="49" charset="0"/>
-              </a:rPr>
-              <a:t>js.run_job</a:t>
-            </a:r>
-            <a:r>
-              <a:rPr lang="en-US" sz="1400" dirty="0">
-                <a:latin typeface="Consolas" pitchFamily="49" charset="0"/>
-                <a:cs typeface="Consolas" pitchFamily="49" charset="0"/>
-              </a:rPr>
-              <a:t> ("remote.host.net", "/bin/date");</a:t>
+              <a:t>tc</a:t>
+            </a:r>
+            <a:r>
+              <a:rPr lang="en-US" sz="1400" dirty="0">
+                <a:latin typeface="Consolas" pitchFamily="49" charset="0"/>
+                <a:cs typeface="Consolas" pitchFamily="49" charset="0"/>
+              </a:rPr>
+              <a:t>;</a:t>
             </a:r>
           </a:p>
           <a:p>
@@ -22713,42 +22593,58 @@
                 <a:latin typeface="Consolas" pitchFamily="49" charset="0"/>
                 <a:cs typeface="Consolas" pitchFamily="49" charset="0"/>
               </a:rPr>
-              <a:t> saga</a:t>
-            </a:r>
-            <a:r>
-              <a:rPr lang="en-US" sz="1400" dirty="0">
-                <a:latin typeface="Consolas" pitchFamily="49" charset="0"/>
-                <a:cs typeface="Consolas" pitchFamily="49" charset="0"/>
-              </a:rPr>
-              <a:t>::</a:t>
-            </a:r>
-            <a:r>
-              <a:rPr lang="en-US" sz="1400" dirty="0" err="1">
-                <a:latin typeface="Consolas" pitchFamily="49" charset="0"/>
-                <a:cs typeface="Consolas" pitchFamily="49" charset="0"/>
-              </a:rPr>
-              <a:t>task_container</a:t>
-            </a:r>
-            <a:r>
-              <a:rPr lang="en-US" sz="1400" dirty="0">
-                <a:latin typeface="Consolas" pitchFamily="49" charset="0"/>
-                <a:cs typeface="Consolas" pitchFamily="49" charset="0"/>
-              </a:rPr>
               <a:t> </a:t>
             </a:r>
             <a:r>
-              <a:rPr lang="en-US" sz="1400" dirty="0" err="1">
-                <a:latin typeface="Consolas" pitchFamily="49" charset="0"/>
-                <a:cs typeface="Consolas" pitchFamily="49" charset="0"/>
-              </a:rPr>
-              <a:t>tc</a:t>
-            </a:r>
-            <a:r>
-              <a:rPr lang="en-US" sz="1400" dirty="0">
-                <a:latin typeface="Consolas" pitchFamily="49" charset="0"/>
-                <a:cs typeface="Consolas" pitchFamily="49" charset="0"/>
-              </a:rPr>
-              <a:t>;</a:t>
+              <a:rPr lang="en-US" sz="1400" dirty="0" err="1" smtClean="0">
+                <a:latin typeface="Consolas" pitchFamily="49" charset="0"/>
+                <a:cs typeface="Consolas" pitchFamily="49" charset="0"/>
+              </a:rPr>
+              <a:t>tc.add</a:t>
+            </a:r>
+            <a:r>
+              <a:rPr lang="en-US" sz="1400" dirty="0" smtClean="0">
+                <a:latin typeface="Consolas" pitchFamily="49" charset="0"/>
+                <a:cs typeface="Consolas" pitchFamily="49" charset="0"/>
+              </a:rPr>
+              <a:t> </a:t>
+            </a:r>
+            <a:r>
+              <a:rPr lang="en-US" sz="1400" dirty="0">
+                <a:latin typeface="Consolas" pitchFamily="49" charset="0"/>
+                <a:cs typeface="Consolas" pitchFamily="49" charset="0"/>
+              </a:rPr>
+              <a:t>(task);</a:t>
+            </a:r>
+          </a:p>
+          <a:p>
+            <a:r>
+              <a:rPr lang="en-US" sz="1400" dirty="0" smtClean="0">
+                <a:latin typeface="Consolas" pitchFamily="49" charset="0"/>
+                <a:cs typeface="Consolas" pitchFamily="49" charset="0"/>
+              </a:rPr>
+              <a:t> </a:t>
+            </a:r>
+            <a:r>
+              <a:rPr lang="en-US" sz="1400" dirty="0" err="1" smtClean="0">
+                <a:latin typeface="Consolas" pitchFamily="49" charset="0"/>
+                <a:cs typeface="Consolas" pitchFamily="49" charset="0"/>
+              </a:rPr>
+              <a:t>tc.add</a:t>
+            </a:r>
+            <a:r>
+              <a:rPr lang="en-US" sz="1400" dirty="0" smtClean="0">
+                <a:latin typeface="Consolas" pitchFamily="49" charset="0"/>
+                <a:cs typeface="Consolas" pitchFamily="49" charset="0"/>
+              </a:rPr>
+              <a:t> </a:t>
+            </a:r>
+            <a:r>
+              <a:rPr lang="en-US" sz="1400" dirty="0">
+                <a:latin typeface="Consolas" pitchFamily="49" charset="0"/>
+                <a:cs typeface="Consolas" pitchFamily="49" charset="0"/>
+              </a:rPr>
+              <a:t>(job);</a:t>
             </a:r>
           </a:p>
           <a:p>
@@ -22770,72 +22666,6 @@
                 <a:latin typeface="Consolas" pitchFamily="49" charset="0"/>
                 <a:cs typeface="Consolas" pitchFamily="49" charset="0"/>
               </a:rPr>
-              <a:t>tc.add</a:t>
-            </a:r>
-            <a:r>
-              <a:rPr lang="en-US" sz="1400" dirty="0" smtClean="0">
-                <a:latin typeface="Consolas" pitchFamily="49" charset="0"/>
-                <a:cs typeface="Consolas" pitchFamily="49" charset="0"/>
-              </a:rPr>
-              <a:t> </a:t>
-            </a:r>
-            <a:r>
-              <a:rPr lang="en-US" sz="1400" dirty="0">
-                <a:latin typeface="Consolas" pitchFamily="49" charset="0"/>
-                <a:cs typeface="Consolas" pitchFamily="49" charset="0"/>
-              </a:rPr>
-              <a:t>(task);</a:t>
-            </a:r>
-          </a:p>
-          <a:p>
-            <a:r>
-              <a:rPr lang="en-US" sz="1400" dirty="0" smtClean="0">
-                <a:latin typeface="Consolas" pitchFamily="49" charset="0"/>
-                <a:cs typeface="Consolas" pitchFamily="49" charset="0"/>
-              </a:rPr>
-              <a:t> </a:t>
-            </a:r>
-            <a:r>
-              <a:rPr lang="en-US" sz="1400" dirty="0" err="1" smtClean="0">
-                <a:latin typeface="Consolas" pitchFamily="49" charset="0"/>
-                <a:cs typeface="Consolas" pitchFamily="49" charset="0"/>
-              </a:rPr>
-              <a:t>tc.add</a:t>
-            </a:r>
-            <a:r>
-              <a:rPr lang="en-US" sz="1400" dirty="0" smtClean="0">
-                <a:latin typeface="Consolas" pitchFamily="49" charset="0"/>
-                <a:cs typeface="Consolas" pitchFamily="49" charset="0"/>
-              </a:rPr>
-              <a:t> </a:t>
-            </a:r>
-            <a:r>
-              <a:rPr lang="en-US" sz="1400" dirty="0">
-                <a:latin typeface="Consolas" pitchFamily="49" charset="0"/>
-                <a:cs typeface="Consolas" pitchFamily="49" charset="0"/>
-              </a:rPr>
-              <a:t>(job);</a:t>
-            </a:r>
-          </a:p>
-          <a:p>
-            <a:endParaRPr lang="en-US" sz="1400" dirty="0" smtClean="0">
-              <a:latin typeface="Consolas" pitchFamily="49" charset="0"/>
-              <a:cs typeface="Consolas" pitchFamily="49" charset="0"/>
-            </a:endParaRPr>
-          </a:p>
-          <a:p>
-            <a:r>
-              <a:rPr lang="en-US" sz="1400" dirty="0" smtClean="0">
-                <a:latin typeface="Consolas" pitchFamily="49" charset="0"/>
-                <a:cs typeface="Consolas" pitchFamily="49" charset="0"/>
-              </a:rPr>
-              <a:t> </a:t>
-            </a:r>
-            <a:r>
-              <a:rPr lang="en-US" sz="1400" dirty="0" err="1" smtClean="0">
-                <a:latin typeface="Consolas" pitchFamily="49" charset="0"/>
-                <a:cs typeface="Consolas" pitchFamily="49" charset="0"/>
-              </a:rPr>
               <a:t>tc.wait</a:t>
             </a:r>
             <a:r>
@@ -22843,19 +22673,8 @@
                 <a:latin typeface="Consolas" pitchFamily="49" charset="0"/>
                 <a:cs typeface="Consolas" pitchFamily="49" charset="0"/>
               </a:rPr>
-              <a:t> </a:t>
-            </a:r>
-            <a:r>
-              <a:rPr lang="en-US" sz="1400" dirty="0" smtClean="0">
-                <a:latin typeface="Consolas" pitchFamily="49" charset="0"/>
-                <a:cs typeface="Consolas" pitchFamily="49" charset="0"/>
-              </a:rPr>
-              <a:t>(saga::task::All);</a:t>
-            </a:r>
-            <a:endParaRPr lang="en-US" sz="1400" dirty="0" smtClean="0">
-              <a:latin typeface="Consolas" pitchFamily="49" charset="0"/>
-              <a:cs typeface="Consolas" pitchFamily="49" charset="0"/>
-            </a:endParaRPr>
+              <a:t> (saga::task::All);</a:t>
+            </a:r>
           </a:p>
           <a:p>
             <a:endParaRPr lang="en-US" sz="1400" dirty="0">

--- a/tutorial/EGI-2011/02_api3.pptx
+++ b/tutorial/EGI-2011/02_api3.pptx
@@ -5,10 +5,10 @@
     <p:sldMasterId id="2147483648" r:id="rId1"/>
   </p:sldMasterIdLst>
   <p:notesMasterIdLst>
-    <p:notesMasterId r:id="rId73"/>
+    <p:notesMasterId r:id="rId72"/>
   </p:notesMasterIdLst>
   <p:handoutMasterIdLst>
-    <p:handoutMasterId r:id="rId74"/>
+    <p:handoutMasterId r:id="rId73"/>
   </p:handoutMasterIdLst>
   <p:sldIdLst>
     <p:sldId id="256" r:id="rId2"/>
@@ -24,64 +24,63 @@
     <p:sldId id="266" r:id="rId12"/>
     <p:sldId id="267" r:id="rId13"/>
     <p:sldId id="268" r:id="rId14"/>
-    <p:sldId id="269" r:id="rId15"/>
-    <p:sldId id="270" r:id="rId16"/>
-    <p:sldId id="271" r:id="rId17"/>
-    <p:sldId id="272" r:id="rId18"/>
-    <p:sldId id="273" r:id="rId19"/>
-    <p:sldId id="274" r:id="rId20"/>
-    <p:sldId id="275" r:id="rId21"/>
-    <p:sldId id="276" r:id="rId22"/>
-    <p:sldId id="277" r:id="rId23"/>
-    <p:sldId id="278" r:id="rId24"/>
-    <p:sldId id="279" r:id="rId25"/>
-    <p:sldId id="281" r:id="rId26"/>
-    <p:sldId id="295" r:id="rId27"/>
-    <p:sldId id="280" r:id="rId28"/>
-    <p:sldId id="282" r:id="rId29"/>
-    <p:sldId id="283" r:id="rId30"/>
-    <p:sldId id="284" r:id="rId31"/>
-    <p:sldId id="285" r:id="rId32"/>
-    <p:sldId id="286" r:id="rId33"/>
-    <p:sldId id="288" r:id="rId34"/>
-    <p:sldId id="287" r:id="rId35"/>
-    <p:sldId id="289" r:id="rId36"/>
-    <p:sldId id="290" r:id="rId37"/>
-    <p:sldId id="291" r:id="rId38"/>
-    <p:sldId id="292" r:id="rId39"/>
-    <p:sldId id="293" r:id="rId40"/>
-    <p:sldId id="294" r:id="rId41"/>
-    <p:sldId id="323" r:id="rId42"/>
-    <p:sldId id="296" r:id="rId43"/>
-    <p:sldId id="297" r:id="rId44"/>
-    <p:sldId id="298" r:id="rId45"/>
-    <p:sldId id="299" r:id="rId46"/>
-    <p:sldId id="300" r:id="rId47"/>
-    <p:sldId id="301" r:id="rId48"/>
-    <p:sldId id="302" r:id="rId49"/>
-    <p:sldId id="303" r:id="rId50"/>
-    <p:sldId id="304" r:id="rId51"/>
-    <p:sldId id="306" r:id="rId52"/>
-    <p:sldId id="307" r:id="rId53"/>
-    <p:sldId id="305" r:id="rId54"/>
-    <p:sldId id="308" r:id="rId55"/>
-    <p:sldId id="309" r:id="rId56"/>
-    <p:sldId id="311" r:id="rId57"/>
-    <p:sldId id="312" r:id="rId58"/>
-    <p:sldId id="313" r:id="rId59"/>
-    <p:sldId id="314" r:id="rId60"/>
-    <p:sldId id="315" r:id="rId61"/>
-    <p:sldId id="317" r:id="rId62"/>
-    <p:sldId id="318" r:id="rId63"/>
-    <p:sldId id="319" r:id="rId64"/>
-    <p:sldId id="320" r:id="rId65"/>
-    <p:sldId id="321" r:id="rId66"/>
-    <p:sldId id="322" r:id="rId67"/>
-    <p:sldId id="324" r:id="rId68"/>
-    <p:sldId id="325" r:id="rId69"/>
-    <p:sldId id="326" r:id="rId70"/>
-    <p:sldId id="327" r:id="rId71"/>
-    <p:sldId id="328" r:id="rId72"/>
+    <p:sldId id="270" r:id="rId15"/>
+    <p:sldId id="271" r:id="rId16"/>
+    <p:sldId id="272" r:id="rId17"/>
+    <p:sldId id="273" r:id="rId18"/>
+    <p:sldId id="274" r:id="rId19"/>
+    <p:sldId id="275" r:id="rId20"/>
+    <p:sldId id="276" r:id="rId21"/>
+    <p:sldId id="277" r:id="rId22"/>
+    <p:sldId id="278" r:id="rId23"/>
+    <p:sldId id="279" r:id="rId24"/>
+    <p:sldId id="281" r:id="rId25"/>
+    <p:sldId id="295" r:id="rId26"/>
+    <p:sldId id="280" r:id="rId27"/>
+    <p:sldId id="282" r:id="rId28"/>
+    <p:sldId id="283" r:id="rId29"/>
+    <p:sldId id="284" r:id="rId30"/>
+    <p:sldId id="285" r:id="rId31"/>
+    <p:sldId id="286" r:id="rId32"/>
+    <p:sldId id="288" r:id="rId33"/>
+    <p:sldId id="287" r:id="rId34"/>
+    <p:sldId id="289" r:id="rId35"/>
+    <p:sldId id="290" r:id="rId36"/>
+    <p:sldId id="291" r:id="rId37"/>
+    <p:sldId id="292" r:id="rId38"/>
+    <p:sldId id="293" r:id="rId39"/>
+    <p:sldId id="294" r:id="rId40"/>
+    <p:sldId id="323" r:id="rId41"/>
+    <p:sldId id="296" r:id="rId42"/>
+    <p:sldId id="297" r:id="rId43"/>
+    <p:sldId id="298" r:id="rId44"/>
+    <p:sldId id="299" r:id="rId45"/>
+    <p:sldId id="300" r:id="rId46"/>
+    <p:sldId id="301" r:id="rId47"/>
+    <p:sldId id="302" r:id="rId48"/>
+    <p:sldId id="303" r:id="rId49"/>
+    <p:sldId id="304" r:id="rId50"/>
+    <p:sldId id="306" r:id="rId51"/>
+    <p:sldId id="307" r:id="rId52"/>
+    <p:sldId id="305" r:id="rId53"/>
+    <p:sldId id="308" r:id="rId54"/>
+    <p:sldId id="309" r:id="rId55"/>
+    <p:sldId id="311" r:id="rId56"/>
+    <p:sldId id="312" r:id="rId57"/>
+    <p:sldId id="313" r:id="rId58"/>
+    <p:sldId id="314" r:id="rId59"/>
+    <p:sldId id="315" r:id="rId60"/>
+    <p:sldId id="317" r:id="rId61"/>
+    <p:sldId id="318" r:id="rId62"/>
+    <p:sldId id="319" r:id="rId63"/>
+    <p:sldId id="320" r:id="rId64"/>
+    <p:sldId id="321" r:id="rId65"/>
+    <p:sldId id="322" r:id="rId66"/>
+    <p:sldId id="324" r:id="rId67"/>
+    <p:sldId id="325" r:id="rId68"/>
+    <p:sldId id="326" r:id="rId69"/>
+    <p:sldId id="327" r:id="rId70"/>
+    <p:sldId id="328" r:id="rId71"/>
   </p:sldIdLst>
   <p:sldSz cx="9144000" cy="6858000" type="screen4x3"/>
   <p:notesSz cx="6858000" cy="9144000"/>
@@ -266,7 +265,7 @@
             <a:fld id="{9A6AC4B2-6F12-454D-8DA7-7B9C78843B81}" type="datetimeFigureOut">
               <a:rPr lang="en-US" smtClean="0"/>
               <a:pPr/>
-              <a:t>4/9/2011</a:t>
+              <a:t>4/10/2011</a:t>
             </a:fld>
             <a:endParaRPr lang="en-US"/>
           </a:p>
@@ -434,7 +433,7 @@
             <a:fld id="{19F24AD4-A78B-B645-8B43-825B1EB2901C}" type="datetimeFigureOut">
               <a:rPr lang="en-US" smtClean="0"/>
               <a:pPr/>
-              <a:t>4/9/2011</a:t>
+              <a:t>4/10/2011</a:t>
             </a:fld>
             <a:endParaRPr lang="en-US"/>
           </a:p>
@@ -975,7 +974,7 @@
             <a:fld id="{ADB8239A-D789-5443-937F-338E3AE3D41C}" type="datetime1">
               <a:rPr lang="en-US" smtClean="0"/>
               <a:pPr/>
-              <a:t>4/9/2011</a:t>
+              <a:t>4/10/2011</a:t>
             </a:fld>
             <a:endParaRPr lang="en-US"/>
           </a:p>
@@ -1279,7 +1278,7 @@
             <a:fld id="{459EC1CE-E98D-704D-AD6F-6E3323A36483}" type="datetime1">
               <a:rPr lang="en-US" smtClean="0"/>
               <a:pPr/>
-              <a:t>4/9/2011</a:t>
+              <a:t>4/10/2011</a:t>
             </a:fld>
             <a:endParaRPr lang="en-US"/>
           </a:p>
@@ -1555,7 +1554,7 @@
             <a:fld id="{23E692A5-8B3E-1949-B0CC-6F0593ACFA8E}" type="datetime1">
               <a:rPr lang="en-US" smtClean="0"/>
               <a:pPr/>
-              <a:t>4/9/2011</a:t>
+              <a:t>4/10/2011</a:t>
             </a:fld>
             <a:endParaRPr lang="en-US"/>
           </a:p>
@@ -1847,7 +1846,7 @@
             <a:fld id="{C381DA14-A3C0-9C42-96F2-BEE3D5DE963D}" type="datetime1">
               <a:rPr lang="en-US" smtClean="0"/>
               <a:pPr/>
-              <a:t>4/9/2011</a:t>
+              <a:t>4/10/2011</a:t>
             </a:fld>
             <a:endParaRPr lang="en-US"/>
           </a:p>
@@ -2174,7 +2173,7 @@
             <a:fld id="{33319320-9A5F-694B-B7B5-C734EC93AAA2}" type="datetime1">
               <a:rPr lang="en-US" smtClean="0"/>
               <a:pPr/>
-              <a:t>4/9/2011</a:t>
+              <a:t>4/10/2011</a:t>
             </a:fld>
             <a:endParaRPr lang="en-US"/>
           </a:p>
@@ -2422,7 +2421,7 @@
             <a:fld id="{CF6CE397-A6E6-7547-B24A-92BB5049E0F2}" type="datetime1">
               <a:rPr lang="en-US" smtClean="0"/>
               <a:pPr/>
-              <a:t>4/9/2011</a:t>
+              <a:t>4/10/2011</a:t>
             </a:fld>
             <a:endParaRPr lang="en-US"/>
           </a:p>
@@ -2599,7 +2598,7 @@
             <a:fld id="{27AB7D46-BD5E-E641-9118-DCE28F3B83FA}" type="datetime1">
               <a:rPr lang="en-US" smtClean="0"/>
               <a:pPr/>
-              <a:t>4/9/2011</a:t>
+              <a:t>4/10/2011</a:t>
             </a:fld>
             <a:endParaRPr lang="en-US"/>
           </a:p>
@@ -2851,7 +2850,7 @@
             <a:fld id="{BC26097E-015C-3B4D-86C1-CD2AD30F0B81}" type="datetime1">
               <a:rPr lang="en-US" smtClean="0"/>
               <a:pPr/>
-              <a:t>4/9/2011</a:t>
+              <a:t>4/10/2011</a:t>
             </a:fld>
             <a:endParaRPr lang="en-US"/>
           </a:p>
@@ -3127,7 +3126,7 @@
             <a:fld id="{ED6649F4-2545-3040-B7BD-803CA59D50C7}" type="datetime1">
               <a:rPr lang="en-US" smtClean="0"/>
               <a:pPr/>
-              <a:t>4/9/2011</a:t>
+              <a:t>4/10/2011</a:t>
             </a:fld>
             <a:endParaRPr lang="en-US"/>
           </a:p>
@@ -3435,7 +3434,7 @@
             <a:fld id="{833A9088-CEDD-2F48-A9A0-611A3CC03FE9}" type="datetime1">
               <a:rPr lang="en-US" smtClean="0"/>
               <a:pPr/>
-              <a:t>4/9/2011</a:t>
+              <a:t>4/10/2011</a:t>
             </a:fld>
             <a:endParaRPr lang="en-US"/>
           </a:p>
@@ -3729,7 +3728,7 @@
             <a:fld id="{AED87ACF-EB3C-EA42-8610-542FB50388EB}" type="datetime1">
               <a:rPr lang="en-US" smtClean="0"/>
               <a:pPr/>
-              <a:t>4/9/2011</a:t>
+              <a:t>4/10/2011</a:t>
             </a:fld>
             <a:endParaRPr lang="en-US"/>
           </a:p>
@@ -4161,7 +4160,7 @@
             <a:fld id="{0E0DC31B-692F-774E-A937-DA560DE61DA8}" type="datetime1">
               <a:rPr lang="en-US" smtClean="0"/>
               <a:pPr/>
-              <a:t>4/9/2011</a:t>
+              <a:t>4/10/2011</a:t>
             </a:fld>
             <a:endParaRPr lang="en-US"/>
           </a:p>
@@ -4509,7 +4508,7 @@
             <a:fld id="{95DEFDAE-5BDC-1B4F-BC4C-23C867CEBC21}" type="datetime1">
               <a:rPr lang="en-US" smtClean="0"/>
               <a:pPr/>
-              <a:t>4/9/2011</a:t>
+              <a:t>4/10/2011</a:t>
             </a:fld>
             <a:endParaRPr lang="en-US"/>
           </a:p>
@@ -4601,7 +4600,7 @@
             <a:fld id="{9F53C516-787B-9A45-AFCF-5D75DD78DEBE}" type="datetime1">
               <a:rPr lang="en-US" smtClean="0"/>
               <a:pPr/>
-              <a:t>4/9/2011</a:t>
+              <a:t>4/10/2011</a:t>
             </a:fld>
             <a:endParaRPr lang="en-US"/>
           </a:p>
@@ -4940,7 +4939,7 @@
             <a:fld id="{F19CAA94-9393-BB4A-8CB6-008B1351A132}" type="datetime1">
               <a:rPr lang="en-US" smtClean="0"/>
               <a:pPr/>
-              <a:t>4/9/2011</a:t>
+              <a:t>4/10/2011</a:t>
             </a:fld>
             <a:endParaRPr lang="en-US"/>
           </a:p>
@@ -5154,7 +5153,7 @@
             <a:fld id="{A3476A5E-2ED6-7749-A8C1-D0B1EEEB97E0}" type="datetime1">
               <a:rPr lang="en-US" smtClean="0"/>
               <a:pPr/>
-              <a:t>4/9/2011</a:t>
+              <a:t>4/10/2011</a:t>
             </a:fld>
             <a:endParaRPr lang="en-US"/>
           </a:p>
@@ -6034,7 +6033,21 @@
                 <a:latin typeface="Consolas" pitchFamily="49" charset="0"/>
                 <a:cs typeface="Consolas" pitchFamily="49" charset="0"/>
               </a:rPr>
-              <a:t> handle; </a:t>
+              <a:t> </a:t>
+            </a:r>
+            <a:r>
+              <a:rPr lang="en-US" sz="1400" dirty="0" smtClean="0">
+                <a:latin typeface="Consolas" pitchFamily="49" charset="0"/>
+                <a:cs typeface="Consolas" pitchFamily="49" charset="0"/>
+              </a:rPr>
+              <a:t>        handle</a:t>
+            </a:r>
+            <a:r>
+              <a:rPr lang="en-US" sz="1400" dirty="0" smtClean="0">
+                <a:latin typeface="Consolas" pitchFamily="49" charset="0"/>
+                <a:cs typeface="Consolas" pitchFamily="49" charset="0"/>
+              </a:rPr>
+              <a:t>; </a:t>
             </a:r>
           </a:p>
           <a:p>
@@ -6268,6 +6281,10 @@
               <a:rPr lang="en-US" dirty="0" err="1" smtClean="0"/>
               <a:t>GridCPR</a:t>
             </a:r>
+            <a:r>
+              <a:rPr lang="en-US" dirty="0" smtClean="0"/>
+              <a:t> (Checkpoint &amp; Recovery)</a:t>
+            </a:r>
             <a:endParaRPr lang="en-US" dirty="0"/>
           </a:p>
         </p:txBody>
@@ -6307,20 +6324,53 @@
             </a:r>
             <a:r>
               <a:rPr lang="en-US" dirty="0" smtClean="0"/>
-              <a:t> allows to manage checkpoints </a:t>
-            </a:r>
-          </a:p>
-          <a:p>
-            <a:r>
-              <a:rPr lang="en-US" dirty="0" smtClean="0"/>
-              <a:t>defines an architecture, service interfaces, and scope of client API</a:t>
-            </a:r>
-          </a:p>
-          <a:p>
-            <a:r>
-              <a:rPr lang="en-US" dirty="0" smtClean="0"/>
-              <a:t>a SAGA extensions exists with a matching client API</a:t>
-            </a:r>
+              <a:t> </a:t>
+            </a:r>
+            <a:endParaRPr lang="en-US" dirty="0" smtClean="0"/>
+          </a:p>
+          <a:p>
+            <a:pPr lvl="1"/>
+            <a:r>
+              <a:rPr lang="en-US" dirty="0" smtClean="0"/>
+              <a:t>allows </a:t>
+            </a:r>
+            <a:r>
+              <a:rPr lang="en-US" dirty="0" smtClean="0"/>
+              <a:t>to manage checkpoints </a:t>
+            </a:r>
+          </a:p>
+          <a:p>
+            <a:pPr lvl="1"/>
+            <a:r>
+              <a:rPr lang="en-US" dirty="0" smtClean="0"/>
+              <a:t>defines an architecture, service interfaces, and scope of client </a:t>
+            </a:r>
+            <a:r>
+              <a:rPr lang="en-US" dirty="0" smtClean="0"/>
+              <a:t>API</a:t>
+            </a:r>
+          </a:p>
+          <a:p>
+            <a:pPr lvl="1"/>
+            <a:r>
+              <a:rPr lang="en-US" dirty="0" smtClean="0"/>
+              <a:t>SAGA aligned !</a:t>
+            </a:r>
+            <a:endParaRPr lang="en-US" dirty="0" smtClean="0"/>
+          </a:p>
+          <a:p>
+            <a:r>
+              <a:rPr lang="en-US" dirty="0" smtClean="0"/>
+              <a:t>not many implementations exist, usage declining</a:t>
+            </a:r>
+          </a:p>
+          <a:p>
+            <a:pPr lvl="1"/>
+            <a:r>
+              <a:rPr lang="en-US" dirty="0" smtClean="0"/>
+              <a:t>virtualized hardware makes CPR somewhat superfluous</a:t>
+            </a:r>
+            <a:endParaRPr lang="en-US" dirty="0" smtClean="0"/>
           </a:p>
         </p:txBody>
       </p:sp>
@@ -6409,7 +6459,31 @@
             </a:r>
             <a:r>
               <a:rPr lang="en-US" dirty="0" smtClean="0"/>
-              <a:t>, SPMD, ...)</a:t>
+              <a:t>, SPMD, </a:t>
+            </a:r>
+            <a:r>
+              <a:rPr lang="en-US" dirty="0" smtClean="0"/>
+              <a:t>...)</a:t>
+            </a:r>
+          </a:p>
+          <a:p>
+            <a:r>
+              <a:rPr lang="en-US" dirty="0" smtClean="0"/>
+              <a:t>top-down approach</a:t>
+            </a:r>
+            <a:endParaRPr lang="en-US" dirty="0" smtClean="0"/>
+          </a:p>
+          <a:p>
+            <a:r>
+              <a:rPr lang="en-US" dirty="0" smtClean="0"/>
+              <a:t>SAGA leans on JSDL for job description</a:t>
+            </a:r>
+          </a:p>
+          <a:p>
+            <a:pPr lvl="1"/>
+            <a:r>
+              <a:rPr lang="en-US" dirty="0" smtClean="0"/>
+              <a:t>future revisions of SAGA will support JSDL directly</a:t>
             </a:r>
             <a:endParaRPr lang="en-US" dirty="0"/>
           </a:p>
@@ -6927,7 +7001,7 @@
           <a:p>
             <a:r>
               <a:rPr lang="en-US" dirty="0" smtClean="0"/>
-              <a:t>OGF: JSDL</a:t>
+              <a:t>OGF: Summary</a:t>
             </a:r>
             <a:endParaRPr lang="en-US" dirty="0"/>
           </a:p>
@@ -6950,39 +7024,46 @@
           <a:p>
             <a:r>
               <a:rPr lang="en-US" dirty="0" smtClean="0"/>
-              <a:t>XML: embeddable into WSRF (WS-Agreement etc.) </a:t>
-            </a:r>
-          </a:p>
-          <a:p>
-            <a:r>
-              <a:rPr lang="en-US" dirty="0" smtClean="0"/>
-              <a:t>XML, but relatively flat </a:t>
-            </a:r>
-          </a:p>
-          <a:p>
-            <a:r>
-              <a:rPr lang="en-US" dirty="0" smtClean="0"/>
-              <a:t>maps well to existing </a:t>
-            </a:r>
-            <a:r>
-              <a:rPr lang="en-US" dirty="0" err="1" smtClean="0"/>
-              <a:t>JDLs</a:t>
-            </a:r>
-            <a:r>
-              <a:rPr lang="en-US" dirty="0" smtClean="0"/>
-              <a:t>, but is ’more complete’ </a:t>
-            </a:r>
-          </a:p>
-          <a:p>
-            <a:r>
-              <a:rPr lang="en-US" dirty="0" smtClean="0"/>
-              <a:t>extensible (resource description, job dependencies, workflow) </a:t>
-            </a:r>
-          </a:p>
-          <a:p>
-            <a:r>
-              <a:rPr lang="en-US" dirty="0" smtClean="0"/>
-              <a:t>top down approach! </a:t>
+              <a:t>some </a:t>
+            </a:r>
+            <a:r>
+              <a:rPr lang="en-US" dirty="0" smtClean="0"/>
+              <a:t>high-level API </a:t>
+            </a:r>
+            <a:r>
+              <a:rPr lang="en-US" dirty="0" smtClean="0"/>
+              <a:t>specs exist in OGF, and are successful </a:t>
+            </a:r>
+          </a:p>
+          <a:p>
+            <a:r>
+              <a:rPr lang="en-US" dirty="0" smtClean="0"/>
+              <a:t>OGF APIs do not cover the complete OGF scope </a:t>
+            </a:r>
+          </a:p>
+          <a:p>
+            <a:r>
+              <a:rPr lang="en-US" dirty="0" smtClean="0"/>
+              <a:t>the various API standards are disjoint </a:t>
+            </a:r>
+          </a:p>
+          <a:p>
+            <a:r>
+              <a:rPr lang="en-US" dirty="0" smtClean="0"/>
+              <a:t>WSDL as service interface specification cannot replace an application level API (wrong level of abstraction) </a:t>
+            </a:r>
+            <a:endParaRPr lang="en-US" dirty="0" smtClean="0"/>
+          </a:p>
+          <a:p>
+            <a:pPr marL="0" indent="0">
+              <a:buNone/>
+            </a:pPr>
+            <a:endParaRPr lang="en-US" dirty="0" smtClean="0"/>
+          </a:p>
+          <a:p>
+            <a:r>
+              <a:rPr lang="en-US" b="1" dirty="0" smtClean="0"/>
+              <a:t>SAGA tries to address these issues</a:t>
             </a:r>
             <a:endParaRPr lang="en-US" dirty="0"/>
           </a:p>
@@ -7030,7 +7111,7 @@
           <a:p>
             <a:r>
               <a:rPr lang="en-US" dirty="0" smtClean="0"/>
-              <a:t>OGF: Summary</a:t>
+              <a:t>OGF: top-down vs. bottom-up</a:t>
             </a:r>
             <a:endParaRPr lang="en-US" dirty="0"/>
           </a:p>
@@ -7048,38 +7129,46 @@
         </p:nvSpPr>
         <p:spPr/>
         <p:txBody>
-          <a:bodyPr/>
+          <a:bodyPr>
+            <a:normAutofit fontScale="92500" lnSpcReduction="10000"/>
+          </a:bodyPr>
           <a:lstStyle/>
           <a:p>
             <a:r>
               <a:rPr lang="en-US" dirty="0" smtClean="0"/>
-              <a:t>some API specs exist in OGF, and are successful </a:t>
-            </a:r>
-          </a:p>
-          <a:p>
-            <a:r>
-              <a:rPr lang="en-US" dirty="0" smtClean="0"/>
-              <a:t>OGF APIs do not cover the complete OGF scope </a:t>
-            </a:r>
-          </a:p>
-          <a:p>
-            <a:r>
-              <a:rPr lang="en-US" dirty="0" smtClean="0"/>
-              <a:t>the various API standards are disjoint </a:t>
-            </a:r>
-          </a:p>
-          <a:p>
-            <a:r>
-              <a:rPr lang="en-US" dirty="0" smtClean="0"/>
-              <a:t>WSDL as service interface specification cannot replace an application level API (wrong level of abstraction) </a:t>
-            </a:r>
-          </a:p>
-          <a:p>
-            <a:r>
-              <a:rPr lang="en-US" b="1" dirty="0" smtClean="0"/>
-              <a:t>SAGA tries to address these issues</a:t>
-            </a:r>
-            <a:endParaRPr lang="en-US" dirty="0"/>
+              <a:t>bottom-up often agrees on (semantic) LCD + backend specific extensions </a:t>
+            </a:r>
+          </a:p>
+          <a:p>
+            <a:r>
+              <a:rPr lang="en-US" sz="2100" dirty="0"/>
+              <a:t>top-down usually focuses on semantics of application requirements </a:t>
+            </a:r>
+          </a:p>
+          <a:p>
+            <a:endParaRPr lang="en-US" dirty="0" smtClean="0"/>
+          </a:p>
+          <a:p>
+            <a:r>
+              <a:rPr lang="en-US" dirty="0" smtClean="0"/>
+              <a:t>bottom-up tends to be more powerful </a:t>
+            </a:r>
+          </a:p>
+          <a:p>
+            <a:r>
+              <a:rPr lang="en-US" dirty="0" smtClean="0"/>
+              <a:t>top-down tends to be simpler and more concise </a:t>
+            </a:r>
+          </a:p>
+          <a:p>
+            <a:endParaRPr lang="en-US" i="1" dirty="0" smtClean="0"/>
+          </a:p>
+          <a:p>
+            <a:r>
+              <a:rPr lang="en-US" b="1" i="1" dirty="0" smtClean="0"/>
+              <a:t>we very much prefer top-down! </a:t>
+            </a:r>
+            <a:endParaRPr lang="en-US" b="1" dirty="0"/>
           </a:p>
         </p:txBody>
       </p:sp>
@@ -7125,7 +7214,7 @@
           <a:p>
             <a:r>
               <a:rPr lang="en-US" dirty="0" smtClean="0"/>
-              <a:t>OGF: top-down vs. bottom-up</a:t>
+              <a:t>SAGA</a:t>
             </a:r>
             <a:endParaRPr lang="en-US" dirty="0"/>
           </a:p>
@@ -7144,45 +7233,39 @@
         <p:spPr/>
         <p:txBody>
           <a:bodyPr>
-            <a:normAutofit fontScale="92500" lnSpcReduction="10000"/>
+            <a:normAutofit/>
           </a:bodyPr>
           <a:lstStyle/>
           <a:p>
-            <a:r>
-              <a:rPr lang="en-US" dirty="0" smtClean="0"/>
-              <a:t>bottom-up often agrees on (semantic) LCD + backend specific extensions </a:t>
-            </a:r>
-          </a:p>
-          <a:p>
-            <a:r>
-              <a:rPr lang="en-US" sz="2100" dirty="0"/>
-              <a:t>top-down usually focuses on semantics of application requirements </a:t>
-            </a:r>
-          </a:p>
-          <a:p>
-            <a:endParaRPr lang="en-US" dirty="0" smtClean="0"/>
-          </a:p>
-          <a:p>
-            <a:r>
-              <a:rPr lang="en-US" dirty="0" smtClean="0"/>
-              <a:t>bottom-up tends to be more powerful </a:t>
-            </a:r>
-          </a:p>
-          <a:p>
-            <a:r>
-              <a:rPr lang="en-US" dirty="0" smtClean="0"/>
-              <a:t>top-down tends to be simpler and more concise </a:t>
-            </a:r>
-          </a:p>
-          <a:p>
-            <a:endParaRPr lang="en-US" i="1" dirty="0" smtClean="0"/>
-          </a:p>
-          <a:p>
-            <a:r>
-              <a:rPr lang="en-US" b="1" i="1" dirty="0" smtClean="0"/>
-              <a:t>we very much prefer top-down! </a:t>
-            </a:r>
-            <a:endParaRPr lang="en-US" b="1" dirty="0"/>
+            <a:pPr algn="ctr">
+              <a:buNone/>
+            </a:pPr>
+            <a:endParaRPr lang="en-US" sz="4200" b="1" dirty="0" smtClean="0"/>
+          </a:p>
+          <a:p>
+            <a:pPr algn="ctr">
+              <a:buNone/>
+            </a:pPr>
+            <a:r>
+              <a:rPr lang="en-US" sz="4200" b="1" dirty="0" smtClean="0"/>
+              <a:t>SAGA</a:t>
+            </a:r>
+          </a:p>
+          <a:p>
+            <a:pPr algn="ctr">
+              <a:buNone/>
+            </a:pPr>
+            <a:endParaRPr lang="en-US" sz="1300" b="1" dirty="0" smtClean="0"/>
+          </a:p>
+          <a:p>
+            <a:pPr algn="ctr">
+              <a:buNone/>
+            </a:pPr>
+            <a:r>
+              <a:rPr lang="en-US" sz="2900" dirty="0" smtClean="0"/>
+              <a:t>Simple API for Grid Applications</a:t>
+            </a:r>
+            <a:endParaRPr lang="en-US" sz="2900" dirty="0"/>
           </a:p>
         </p:txBody>
       </p:sp>
@@ -7228,103 +7311,6 @@
           <a:p>
             <a:r>
               <a:rPr lang="en-US" dirty="0" smtClean="0"/>
-              <a:t>SAGA</a:t>
-            </a:r>
-            <a:endParaRPr lang="en-US" dirty="0"/>
-          </a:p>
-        </p:txBody>
-      </p:sp>
-      <p:sp>
-        <p:nvSpPr>
-          <p:cNvPr id="3" name="Content Placeholder 2"/>
-          <p:cNvSpPr>
-            <a:spLocks noGrp="1"/>
-          </p:cNvSpPr>
-          <p:nvPr>
-            <p:ph idx="1"/>
-          </p:nvPr>
-        </p:nvSpPr>
-        <p:spPr/>
-        <p:txBody>
-          <a:bodyPr>
-            <a:normAutofit/>
-          </a:bodyPr>
-          <a:lstStyle/>
-          <a:p>
-            <a:pPr algn="ctr">
-              <a:buNone/>
-            </a:pPr>
-            <a:endParaRPr lang="en-US" sz="4200" b="1" dirty="0" smtClean="0"/>
-          </a:p>
-          <a:p>
-            <a:pPr algn="ctr">
-              <a:buNone/>
-            </a:pPr>
-            <a:r>
-              <a:rPr lang="en-US" sz="4200" b="1" dirty="0" smtClean="0"/>
-              <a:t>SAGA</a:t>
-            </a:r>
-          </a:p>
-          <a:p>
-            <a:pPr algn="ctr">
-              <a:buNone/>
-            </a:pPr>
-            <a:endParaRPr lang="en-US" sz="1300" b="1" dirty="0" smtClean="0"/>
-          </a:p>
-          <a:p>
-            <a:pPr algn="ctr">
-              <a:buNone/>
-            </a:pPr>
-            <a:r>
-              <a:rPr lang="en-US" sz="2900" dirty="0" smtClean="0"/>
-              <a:t>Simple API for Grid Applications</a:t>
-            </a:r>
-            <a:endParaRPr lang="en-US" sz="2900" dirty="0"/>
-          </a:p>
-        </p:txBody>
-      </p:sp>
-    </p:spTree>
-  </p:cSld>
-  <p:clrMapOvr>
-    <a:masterClrMapping/>
-  </p:clrMapOvr>
-</p:sld>
-</file>
-
-<file path=ppt/slides/slide18.xml><?xml version="1.0" encoding="utf-8"?>
-<p:sld xmlns:a="http://schemas.openxmlformats.org/drawingml/2006/main" xmlns:r="http://schemas.openxmlformats.org/officeDocument/2006/relationships" xmlns:p="http://schemas.openxmlformats.org/presentationml/2006/main">
-  <p:cSld>
-    <p:spTree>
-      <p:nvGrpSpPr>
-        <p:cNvPr id="1" name=""/>
-        <p:cNvGrpSpPr/>
-        <p:nvPr/>
-      </p:nvGrpSpPr>
-      <p:grpSpPr>
-        <a:xfrm>
-          <a:off x="0" y="0"/>
-          <a:ext cx="0" cy="0"/>
-          <a:chOff x="0" y="0"/>
-          <a:chExt cx="0" cy="0"/>
-        </a:xfrm>
-      </p:grpSpPr>
-      <p:sp>
-        <p:nvSpPr>
-          <p:cNvPr id="2" name="Title 1"/>
-          <p:cNvSpPr>
-            <a:spLocks noGrp="1"/>
-          </p:cNvSpPr>
-          <p:nvPr>
-            <p:ph type="title"/>
-          </p:nvPr>
-        </p:nvSpPr>
-        <p:spPr/>
-        <p:txBody>
-          <a:bodyPr/>
-          <a:lstStyle/>
-          <a:p>
-            <a:r>
-              <a:rPr lang="en-US" dirty="0" smtClean="0"/>
               <a:t>SAGA Design Principles</a:t>
             </a:r>
             <a:endParaRPr lang="en-US" dirty="0"/>
@@ -7449,7 +7435,7 @@
 </p:sld>
 </file>
 
-<file path=ppt/slides/slide19.xml><?xml version="1.0" encoding="utf-8"?>
+<file path=ppt/slides/slide18.xml><?xml version="1.0" encoding="utf-8"?>
 <p:sld xmlns:a="http://schemas.openxmlformats.org/drawingml/2006/main" xmlns:r="http://schemas.openxmlformats.org/officeDocument/2006/relationships" xmlns:p="http://schemas.openxmlformats.org/presentationml/2006/main">
   <p:cSld>
     <p:spTree>
@@ -7836,6 +7822,97 @@
               <a:latin typeface="Consolas" pitchFamily="49" charset="0"/>
               <a:cs typeface="Consolas" pitchFamily="49" charset="0"/>
             </a:endParaRPr>
+          </a:p>
+        </p:txBody>
+      </p:sp>
+    </p:spTree>
+  </p:cSld>
+  <p:clrMapOvr>
+    <a:masterClrMapping/>
+  </p:clrMapOvr>
+</p:sld>
+</file>
+
+<file path=ppt/slides/slide19.xml><?xml version="1.0" encoding="utf-8"?>
+<p:sld xmlns:a="http://schemas.openxmlformats.org/drawingml/2006/main" xmlns:r="http://schemas.openxmlformats.org/officeDocument/2006/relationships" xmlns:p="http://schemas.openxmlformats.org/presentationml/2006/main">
+  <p:cSld>
+    <p:spTree>
+      <p:nvGrpSpPr>
+        <p:cNvPr id="1" name=""/>
+        <p:cNvGrpSpPr/>
+        <p:nvPr/>
+      </p:nvGrpSpPr>
+      <p:grpSpPr>
+        <a:xfrm>
+          <a:off x="0" y="0"/>
+          <a:ext cx="0" cy="0"/>
+          <a:chOff x="0" y="0"/>
+          <a:chExt cx="0" cy="0"/>
+        </a:xfrm>
+      </p:grpSpPr>
+      <p:sp>
+        <p:nvSpPr>
+          <p:cNvPr id="2" name="Title 1"/>
+          <p:cNvSpPr>
+            <a:spLocks noGrp="1"/>
+          </p:cNvSpPr>
+          <p:nvPr>
+            <p:ph type="title"/>
+          </p:nvPr>
+        </p:nvSpPr>
+        <p:spPr/>
+        <p:txBody>
+          <a:bodyPr/>
+          <a:lstStyle/>
+          <a:p>
+            <a:r>
+              <a:rPr lang="en-US" dirty="0" smtClean="0"/>
+              <a:t>SAGA Intro: Example 1 </a:t>
+            </a:r>
+            <a:endParaRPr lang="en-US" dirty="0"/>
+          </a:p>
+        </p:txBody>
+      </p:sp>
+      <p:sp>
+        <p:nvSpPr>
+          <p:cNvPr id="3" name="Content Placeholder 2"/>
+          <p:cNvSpPr>
+            <a:spLocks noGrp="1"/>
+          </p:cNvSpPr>
+          <p:nvPr>
+            <p:ph idx="1"/>
+          </p:nvPr>
+        </p:nvSpPr>
+        <p:spPr/>
+        <p:txBody>
+          <a:bodyPr/>
+          <a:lstStyle/>
+          <a:p>
+            <a:r>
+              <a:rPr lang="en-US" dirty="0" smtClean="0"/>
+              <a:t>API is clearly POSIX (</a:t>
+            </a:r>
+            <a:r>
+              <a:rPr lang="en-US" dirty="0" err="1" smtClean="0"/>
+              <a:t>libc</a:t>
+            </a:r>
+            <a:r>
+              <a:rPr lang="en-US" dirty="0" smtClean="0"/>
+              <a:t> + shell) inspired </a:t>
+            </a:r>
+          </a:p>
+          <a:p>
+            <a:r>
+              <a:rPr lang="en-US" dirty="0" smtClean="0"/>
+              <a:t>where is my security?? </a:t>
+            </a:r>
+          </a:p>
+          <a:p>
+            <a:r>
+              <a:rPr lang="en-US" dirty="0" smtClean="0"/>
+              <a:t>what is ’any://’ ??? </a:t>
+            </a:r>
+            <a:endParaRPr lang="en-US" dirty="0"/>
           </a:p>
         </p:txBody>
       </p:sp>
@@ -7988,97 +8065,6 @@
           <a:p>
             <a:r>
               <a:rPr lang="en-US" dirty="0" smtClean="0"/>
-              <a:t>SAGA Intro: Example 1 </a:t>
-            </a:r>
-            <a:endParaRPr lang="en-US" dirty="0"/>
-          </a:p>
-        </p:txBody>
-      </p:sp>
-      <p:sp>
-        <p:nvSpPr>
-          <p:cNvPr id="3" name="Content Placeholder 2"/>
-          <p:cNvSpPr>
-            <a:spLocks noGrp="1"/>
-          </p:cNvSpPr>
-          <p:nvPr>
-            <p:ph idx="1"/>
-          </p:nvPr>
-        </p:nvSpPr>
-        <p:spPr/>
-        <p:txBody>
-          <a:bodyPr/>
-          <a:lstStyle/>
-          <a:p>
-            <a:r>
-              <a:rPr lang="en-US" dirty="0" smtClean="0"/>
-              <a:t>API is clearly POSIX (</a:t>
-            </a:r>
-            <a:r>
-              <a:rPr lang="en-US" dirty="0" err="1" smtClean="0"/>
-              <a:t>libc</a:t>
-            </a:r>
-            <a:r>
-              <a:rPr lang="en-US" dirty="0" smtClean="0"/>
-              <a:t> + shell) inspired </a:t>
-            </a:r>
-          </a:p>
-          <a:p>
-            <a:r>
-              <a:rPr lang="en-US" dirty="0" smtClean="0"/>
-              <a:t>where is my security?? </a:t>
-            </a:r>
-          </a:p>
-          <a:p>
-            <a:r>
-              <a:rPr lang="en-US" dirty="0" smtClean="0"/>
-              <a:t>what is ’any://’ ??? </a:t>
-            </a:r>
-            <a:endParaRPr lang="en-US" dirty="0"/>
-          </a:p>
-        </p:txBody>
-      </p:sp>
-    </p:spTree>
-  </p:cSld>
-  <p:clrMapOvr>
-    <a:masterClrMapping/>
-  </p:clrMapOvr>
-</p:sld>
-</file>
-
-<file path=ppt/slides/slide21.xml><?xml version="1.0" encoding="utf-8"?>
-<p:sld xmlns:a="http://schemas.openxmlformats.org/drawingml/2006/main" xmlns:r="http://schemas.openxmlformats.org/officeDocument/2006/relationships" xmlns:p="http://schemas.openxmlformats.org/presentationml/2006/main">
-  <p:cSld>
-    <p:spTree>
-      <p:nvGrpSpPr>
-        <p:cNvPr id="1" name=""/>
-        <p:cNvGrpSpPr/>
-        <p:nvPr/>
-      </p:nvGrpSpPr>
-      <p:grpSpPr>
-        <a:xfrm>
-          <a:off x="0" y="0"/>
-          <a:ext cx="0" cy="0"/>
-          <a:chOff x="0" y="0"/>
-          <a:chExt cx="0" cy="0"/>
-        </a:xfrm>
-      </p:grpSpPr>
-      <p:sp>
-        <p:nvSpPr>
-          <p:cNvPr id="2" name="Title 1"/>
-          <p:cNvSpPr>
-            <a:spLocks noGrp="1"/>
-          </p:cNvSpPr>
-          <p:nvPr>
-            <p:ph type="title"/>
-          </p:nvPr>
-        </p:nvSpPr>
-        <p:spPr/>
-        <p:txBody>
-          <a:bodyPr/>
-          <a:lstStyle/>
-          <a:p>
-            <a:r>
-              <a:rPr lang="en-US" dirty="0" smtClean="0"/>
               <a:t>SAGA Intro: Example 2 </a:t>
             </a:r>
             <a:endParaRPr lang="en-US" dirty="0"/>
@@ -8462,7 +8448,7 @@
 </p:sld>
 </file>
 
-<file path=ppt/slides/slide22.xml><?xml version="1.0" encoding="utf-8"?>
+<file path=ppt/slides/slide21.xml><?xml version="1.0" encoding="utf-8"?>
 <p:sld xmlns:a="http://schemas.openxmlformats.org/drawingml/2006/main" xmlns:r="http://schemas.openxmlformats.org/officeDocument/2006/relationships" xmlns:p="http://schemas.openxmlformats.org/presentationml/2006/main">
   <p:cSld>
     <p:spTree>
@@ -8866,7 +8852,7 @@
 </p:sld>
 </file>
 
-<file path=ppt/slides/slide23.xml><?xml version="1.0" encoding="utf-8"?>
+<file path=ppt/slides/slide22.xml><?xml version="1.0" encoding="utf-8"?>
 <p:sld xmlns:a="http://schemas.openxmlformats.org/drawingml/2006/main" xmlns:r="http://schemas.openxmlformats.org/officeDocument/2006/relationships" xmlns:p="http://schemas.openxmlformats.org/presentationml/2006/main">
   <p:cSld>
     <p:spTree>
@@ -8972,7 +8958,7 @@
 </p:sld>
 </file>
 
-<file path=ppt/slides/slide24.xml><?xml version="1.0" encoding="utf-8"?>
+<file path=ppt/slides/slide23.xml><?xml version="1.0" encoding="utf-8"?>
 <p:sld xmlns:a="http://schemas.openxmlformats.org/drawingml/2006/main" xmlns:r="http://schemas.openxmlformats.org/officeDocument/2006/relationships" xmlns:p="http://schemas.openxmlformats.org/presentationml/2006/main">
   <p:cSld>
     <p:bg>
@@ -9120,7 +9106,7 @@
 </p:sld>
 </file>
 
-<file path=ppt/slides/slide25.xml><?xml version="1.0" encoding="utf-8"?>
+<file path=ppt/slides/slide24.xml><?xml version="1.0" encoding="utf-8"?>
 <p:sld xmlns:a="http://schemas.openxmlformats.org/drawingml/2006/main" xmlns:r="http://schemas.openxmlformats.org/officeDocument/2006/relationships" xmlns:p="http://schemas.openxmlformats.org/presentationml/2006/main">
   <p:cSld>
     <p:spTree>
@@ -9171,7 +9157,7 @@
           </p:nvPr>
         </p:nvPicPr>
         <mc:AlternateContent xmlns:mc="http://schemas.openxmlformats.org/markup-compatibility/2006">
-          <mc:Choice xmlns:ma="http://schemas.microsoft.com/office/mac/drawingml/2008/main" xmlns:mv="urn:schemas-microsoft-com:mac:vml" xmlns="" Requires="ma">
+          <mc:Choice xmlns="" xmlns:mv="urn:schemas-microsoft-com:mac:vml" xmlns:ma="http://schemas.microsoft.com/office/mac/drawingml/2008/main" Requires="ma">
             <p:blipFill>
               <a:blip r:embed="rId2"/>
               <a:stretch>
@@ -9203,7 +9189,7 @@
 </p:sld>
 </file>
 
-<file path=ppt/slides/slide26.xml><?xml version="1.0" encoding="utf-8"?>
+<file path=ppt/slides/slide25.xml><?xml version="1.0" encoding="utf-8"?>
 <p:sld xmlns:a="http://schemas.openxmlformats.org/drawingml/2006/main" xmlns:r="http://schemas.openxmlformats.org/officeDocument/2006/relationships" xmlns:p="http://schemas.openxmlformats.org/presentationml/2006/main">
   <p:cSld>
     <p:spTree>
@@ -9271,6 +9257,89 @@
         <p14:creationId xmlns:p14="http://schemas.microsoft.com/office/powerpoint/2010/main" val="738217468"/>
       </p:ext>
     </p:extLst>
+  </p:cSld>
+  <p:clrMapOvr>
+    <a:masterClrMapping/>
+  </p:clrMapOvr>
+</p:sld>
+</file>
+
+<file path=ppt/slides/slide26.xml><?xml version="1.0" encoding="utf-8"?>
+<p:sld xmlns:a="http://schemas.openxmlformats.org/drawingml/2006/main" xmlns:r="http://schemas.openxmlformats.org/officeDocument/2006/relationships" xmlns:p="http://schemas.openxmlformats.org/presentationml/2006/main">
+  <p:cSld>
+    <p:spTree>
+      <p:nvGrpSpPr>
+        <p:cNvPr id="1" name=""/>
+        <p:cNvGrpSpPr/>
+        <p:nvPr/>
+      </p:nvGrpSpPr>
+      <p:grpSpPr>
+        <a:xfrm>
+          <a:off x="0" y="0"/>
+          <a:ext cx="0" cy="0"/>
+          <a:chOff x="0" y="0"/>
+          <a:chExt cx="0" cy="0"/>
+        </a:xfrm>
+      </p:grpSpPr>
+      <p:sp>
+        <p:nvSpPr>
+          <p:cNvPr id="2" name="Title 1"/>
+          <p:cNvSpPr>
+            <a:spLocks noGrp="1"/>
+          </p:cNvSpPr>
+          <p:nvPr>
+            <p:ph type="title"/>
+          </p:nvPr>
+        </p:nvSpPr>
+        <p:spPr/>
+        <p:txBody>
+          <a:bodyPr/>
+          <a:lstStyle/>
+          <a:p>
+            <a:r>
+              <a:rPr lang="en-US" dirty="0" smtClean="0"/>
+              <a:t>SAGA: Class hierarchy</a:t>
+            </a:r>
+            <a:endParaRPr lang="en-US" dirty="0"/>
+          </a:p>
+        </p:txBody>
+      </p:sp>
+      <p:pic>
+        <p:nvPicPr>
+          <p:cNvPr id="6" name="Content Placeholder 5" descr="classes-10.pdf"/>
+          <p:cNvPicPr>
+            <a:picLocks noGrp="1" noChangeAspect="1"/>
+          </p:cNvPicPr>
+          <p:nvPr>
+            <p:ph idx="1"/>
+          </p:nvPr>
+        </p:nvPicPr>
+        <mc:AlternateContent xmlns:mc="http://schemas.openxmlformats.org/markup-compatibility/2006">
+          <mc:Choice xmlns="" xmlns:mv="urn:schemas-microsoft-com:mac:vml" xmlns:ma="http://schemas.microsoft.com/office/mac/drawingml/2008/main" Requires="ma">
+            <p:blipFill>
+              <a:blip r:embed="rId2"/>
+              <a:stretch>
+                <a:fillRect/>
+              </a:stretch>
+            </p:blipFill>
+          </mc:Choice>
+          <mc:Fallback>
+            <p:blipFill>
+              <a:blip r:embed="rId3"/>
+              <a:stretch>
+                <a:fillRect/>
+              </a:stretch>
+            </p:blipFill>
+          </mc:Fallback>
+        </mc:AlternateContent>
+        <p:spPr>
+          <a:xfrm>
+            <a:off x="757238" y="2058666"/>
+            <a:ext cx="7967662" cy="3419225"/>
+          </a:xfrm>
+        </p:spPr>
+      </p:pic>
+    </p:spTree>
   </p:cSld>
   <p:clrMapOvr>
     <a:masterClrMapping/>
@@ -9311,8 +9380,12 @@
           <a:lstStyle/>
           <a:p>
             <a:r>
-              <a:rPr lang="en-US" dirty="0" smtClean="0"/>
-              <a:t>SAGA: Class hierarchy</a:t>
+              <a:rPr lang="en-US" smtClean="0"/>
+              <a:t>SAGA </a:t>
+            </a:r>
+            <a:r>
+              <a:rPr lang="en-US" dirty="0" smtClean="0"/>
+              <a:t>Class hierarchy</a:t>
             </a:r>
             <a:endParaRPr lang="en-US" dirty="0"/>
           </a:p>
@@ -9320,7 +9393,7 @@
       </p:sp>
       <p:pic>
         <p:nvPicPr>
-          <p:cNvPr id="6" name="Content Placeholder 5" descr="classes-10.pdf"/>
+          <p:cNvPr id="4" name="Content Placeholder 3" descr="classes-0.pdf"/>
           <p:cNvPicPr>
             <a:picLocks noGrp="1" noChangeAspect="1"/>
           </p:cNvPicPr>
@@ -9329,7 +9402,7 @@
           </p:nvPr>
         </p:nvPicPr>
         <mc:AlternateContent xmlns:mc="http://schemas.openxmlformats.org/markup-compatibility/2006">
-          <mc:Choice xmlns:ma="http://schemas.microsoft.com/office/mac/drawingml/2008/main" xmlns:mv="urn:schemas-microsoft-com:mac:vml" xmlns="" Requires="ma">
+          <mc:Choice xmlns="" xmlns:mv="urn:schemas-microsoft-com:mac:vml" xmlns:ma="http://schemas.microsoft.com/office/mac/drawingml/2008/main" Requires="ma">
             <p:blipFill>
               <a:blip r:embed="rId2"/>
               <a:stretch>
@@ -9394,93 +9467,6 @@
           <a:lstStyle/>
           <a:p>
             <a:r>
-              <a:rPr lang="en-US" smtClean="0"/>
-              <a:t>SAGA </a:t>
-            </a:r>
-            <a:r>
-              <a:rPr lang="en-US" dirty="0" smtClean="0"/>
-              <a:t>Class hierarchy</a:t>
-            </a:r>
-            <a:endParaRPr lang="en-US" dirty="0"/>
-          </a:p>
-        </p:txBody>
-      </p:sp>
-      <p:pic>
-        <p:nvPicPr>
-          <p:cNvPr id="4" name="Content Placeholder 3" descr="classes-0.pdf"/>
-          <p:cNvPicPr>
-            <a:picLocks noGrp="1" noChangeAspect="1"/>
-          </p:cNvPicPr>
-          <p:nvPr>
-            <p:ph idx="1"/>
-          </p:nvPr>
-        </p:nvPicPr>
-        <mc:AlternateContent xmlns:mc="http://schemas.openxmlformats.org/markup-compatibility/2006">
-          <mc:Choice xmlns:ma="http://schemas.microsoft.com/office/mac/drawingml/2008/main" xmlns:mv="urn:schemas-microsoft-com:mac:vml" xmlns="" Requires="ma">
-            <p:blipFill>
-              <a:blip r:embed="rId2"/>
-              <a:stretch>
-                <a:fillRect/>
-              </a:stretch>
-            </p:blipFill>
-          </mc:Choice>
-          <mc:Fallback>
-            <p:blipFill>
-              <a:blip r:embed="rId3"/>
-              <a:stretch>
-                <a:fillRect/>
-              </a:stretch>
-            </p:blipFill>
-          </mc:Fallback>
-        </mc:AlternateContent>
-        <p:spPr>
-          <a:xfrm>
-            <a:off x="757238" y="2058666"/>
-            <a:ext cx="7967662" cy="3419225"/>
-          </a:xfrm>
-        </p:spPr>
-      </p:pic>
-    </p:spTree>
-  </p:cSld>
-  <p:clrMapOvr>
-    <a:masterClrMapping/>
-  </p:clrMapOvr>
-</p:sld>
-</file>
-
-<file path=ppt/slides/slide29.xml><?xml version="1.0" encoding="utf-8"?>
-<p:sld xmlns:a="http://schemas.openxmlformats.org/drawingml/2006/main" xmlns:r="http://schemas.openxmlformats.org/officeDocument/2006/relationships" xmlns:p="http://schemas.openxmlformats.org/presentationml/2006/main">
-  <p:cSld>
-    <p:spTree>
-      <p:nvGrpSpPr>
-        <p:cNvPr id="1" name=""/>
-        <p:cNvGrpSpPr/>
-        <p:nvPr/>
-      </p:nvGrpSpPr>
-      <p:grpSpPr>
-        <a:xfrm>
-          <a:off x="0" y="0"/>
-          <a:ext cx="0" cy="0"/>
-          <a:chOff x="0" y="0"/>
-          <a:chExt cx="0" cy="0"/>
-        </a:xfrm>
-      </p:grpSpPr>
-      <p:sp>
-        <p:nvSpPr>
-          <p:cNvPr id="2" name="Title 1"/>
-          <p:cNvSpPr>
-            <a:spLocks noGrp="1"/>
-          </p:cNvSpPr>
-          <p:nvPr>
-            <p:ph type="title"/>
-          </p:nvPr>
-        </p:nvSpPr>
-        <p:spPr/>
-        <p:txBody>
-          <a:bodyPr/>
-          <a:lstStyle/>
-          <a:p>
-            <a:r>
               <a:rPr lang="en-US" dirty="0" smtClean="0"/>
               <a:t>SAGA Class hierarchy</a:t>
             </a:r>
@@ -9499,7 +9485,7 @@
           </p:nvPr>
         </p:nvPicPr>
         <mc:AlternateContent xmlns:mc="http://schemas.openxmlformats.org/markup-compatibility/2006">
-          <mc:Choice xmlns:ma="http://schemas.microsoft.com/office/mac/drawingml/2008/main" xmlns:mv="urn:schemas-microsoft-com:mac:vml" xmlns="" Requires="ma">
+          <mc:Choice xmlns="" xmlns:mv="urn:schemas-microsoft-com:mac:vml" xmlns:ma="http://schemas.microsoft.com/office/mac/drawingml/2008/main" Requires="ma">
             <p:blipFill>
               <a:blip r:embed="rId2"/>
               <a:stretch>
@@ -9609,6 +9595,148 @@
 </p:sld>
 </file>
 
+<file path=ppt/slides/slide29.xml><?xml version="1.0" encoding="utf-8"?>
+<p:sld xmlns:a="http://schemas.openxmlformats.org/drawingml/2006/main" xmlns:r="http://schemas.openxmlformats.org/officeDocument/2006/relationships" xmlns:p="http://schemas.openxmlformats.org/presentationml/2006/main">
+  <p:cSld>
+    <p:spTree>
+      <p:nvGrpSpPr>
+        <p:cNvPr id="1" name=""/>
+        <p:cNvGrpSpPr/>
+        <p:nvPr/>
+      </p:nvGrpSpPr>
+      <p:grpSpPr>
+        <a:xfrm>
+          <a:off x="0" y="0"/>
+          <a:ext cx="0" cy="0"/>
+          <a:chOff x="0" y="0"/>
+          <a:chExt cx="0" cy="0"/>
+        </a:xfrm>
+      </p:grpSpPr>
+      <p:sp>
+        <p:nvSpPr>
+          <p:cNvPr id="2" name="Title 1"/>
+          <p:cNvSpPr>
+            <a:spLocks noGrp="1"/>
+          </p:cNvSpPr>
+          <p:nvPr>
+            <p:ph type="title"/>
+          </p:nvPr>
+        </p:nvSpPr>
+        <p:spPr/>
+        <p:txBody>
+          <a:bodyPr/>
+          <a:lstStyle/>
+          <a:p>
+            <a:r>
+              <a:rPr lang="en-US" dirty="0" smtClean="0"/>
+              <a:t>SAGA Class hierarchy</a:t>
+            </a:r>
+            <a:endParaRPr lang="en-US" dirty="0"/>
+          </a:p>
+        </p:txBody>
+      </p:sp>
+      <p:pic>
+        <p:nvPicPr>
+          <p:cNvPr id="4" name="Content Placeholder 3" descr="classes-2.pdf"/>
+          <p:cNvPicPr>
+            <a:picLocks noGrp="1" noChangeAspect="1"/>
+          </p:cNvPicPr>
+          <p:nvPr>
+            <p:ph idx="1"/>
+          </p:nvPr>
+        </p:nvPicPr>
+        <mc:AlternateContent xmlns:mc="http://schemas.openxmlformats.org/markup-compatibility/2006">
+          <mc:Choice xmlns="" xmlns:mv="urn:schemas-microsoft-com:mac:vml" xmlns:ma="http://schemas.microsoft.com/office/mac/drawingml/2008/main" Requires="ma">
+            <p:blipFill>
+              <a:blip r:embed="rId2"/>
+              <a:stretch>
+                <a:fillRect/>
+              </a:stretch>
+            </p:blipFill>
+          </mc:Choice>
+          <mc:Fallback>
+            <p:blipFill>
+              <a:blip r:embed="rId3"/>
+              <a:stretch>
+                <a:fillRect/>
+              </a:stretch>
+            </p:blipFill>
+          </mc:Fallback>
+        </mc:AlternateContent>
+        <p:spPr>
+          <a:xfrm>
+            <a:off x="757238" y="2058666"/>
+            <a:ext cx="7967662" cy="3419225"/>
+          </a:xfrm>
+        </p:spPr>
+      </p:pic>
+      <p:sp>
+        <p:nvSpPr>
+          <p:cNvPr id="5" name="Rectangle 4"/>
+          <p:cNvSpPr/>
+          <p:nvPr/>
+        </p:nvSpPr>
+        <p:spPr>
+          <a:xfrm>
+            <a:off x="757238" y="5604474"/>
+            <a:ext cx="5264583" cy="646331"/>
+          </a:xfrm>
+          <a:prstGeom prst="rect">
+            <a:avLst/>
+          </a:prstGeom>
+        </p:spPr>
+        <p:txBody>
+          <a:bodyPr wrap="none">
+            <a:spAutoFit/>
+          </a:bodyPr>
+          <a:lstStyle/>
+          <a:p>
+            <a:r>
+              <a:rPr lang="en-US" b="1" dirty="0" smtClean="0"/>
+              <a:t>SAGA </a:t>
+            </a:r>
+            <a:r>
+              <a:rPr lang="en-US" b="1" dirty="0"/>
+              <a:t>Look </a:t>
+            </a:r>
+            <a:r>
+              <a:rPr lang="en-US" b="1" dirty="0" smtClean="0"/>
+              <a:t>&amp; </a:t>
+            </a:r>
+            <a:r>
+              <a:rPr lang="en-US" b="1" dirty="0"/>
+              <a:t>Feel</a:t>
+            </a:r>
+            <a:r>
+              <a:rPr lang="en-US" b="1" dirty="0" smtClean="0"/>
+              <a:t>:</a:t>
+            </a:r>
+          </a:p>
+          <a:p>
+            <a:r>
+              <a:rPr lang="en-US" dirty="0" smtClean="0"/>
+              <a:t>Errors </a:t>
+            </a:r>
+            <a:r>
+              <a:rPr lang="en-US" dirty="0"/>
+              <a:t>are based on exceptions or error </a:t>
+            </a:r>
+            <a:r>
+              <a:rPr lang="en-US" dirty="0" smtClean="0"/>
+              <a:t>codes.</a:t>
+            </a:r>
+            <a:endParaRPr lang="en-US" dirty="0"/>
+          </a:p>
+        </p:txBody>
+      </p:sp>
+    </p:spTree>
+  </p:cSld>
+  <p:clrMapOvr>
+    <a:masterClrMapping/>
+  </p:clrMapOvr>
+</p:sld>
+</file>
+
 <file path=ppt/slides/slide3.xml><?xml version="1.0" encoding="utf-8"?>
 <p:sld xmlns:a="http://schemas.openxmlformats.org/drawingml/2006/main" xmlns:r="http://schemas.openxmlformats.org/officeDocument/2006/relationships" xmlns:p="http://schemas.openxmlformats.org/presentationml/2006/main">
   <p:cSld>
@@ -9688,7 +9816,15 @@
           <a:p>
             <a:r>
               <a:rPr lang="en-US" dirty="0" smtClean="0"/>
-              <a:t>some are distribution aware (MPICH-G, </a:t>
+              <a:t>some </a:t>
+            </a:r>
+            <a:r>
+              <a:rPr lang="en-US" dirty="0" smtClean="0"/>
+              <a:t>APIs are </a:t>
+            </a:r>
+            <a:r>
+              <a:rPr lang="en-US" dirty="0" smtClean="0"/>
+              <a:t>distribution aware (MPICH-G, </a:t>
             </a:r>
             <a:r>
               <a:rPr lang="en-US" dirty="0" err="1" smtClean="0"/>
@@ -9819,148 +9955,6 @@
       </p:sp>
       <p:pic>
         <p:nvPicPr>
-          <p:cNvPr id="4" name="Content Placeholder 3" descr="classes-2.pdf"/>
-          <p:cNvPicPr>
-            <a:picLocks noGrp="1" noChangeAspect="1"/>
-          </p:cNvPicPr>
-          <p:nvPr>
-            <p:ph idx="1"/>
-          </p:nvPr>
-        </p:nvPicPr>
-        <mc:AlternateContent xmlns:mc="http://schemas.openxmlformats.org/markup-compatibility/2006">
-          <mc:Choice xmlns:ma="http://schemas.microsoft.com/office/mac/drawingml/2008/main" xmlns:mv="urn:schemas-microsoft-com:mac:vml" xmlns="" Requires="ma">
-            <p:blipFill>
-              <a:blip r:embed="rId2"/>
-              <a:stretch>
-                <a:fillRect/>
-              </a:stretch>
-            </p:blipFill>
-          </mc:Choice>
-          <mc:Fallback>
-            <p:blipFill>
-              <a:blip r:embed="rId3"/>
-              <a:stretch>
-                <a:fillRect/>
-              </a:stretch>
-            </p:blipFill>
-          </mc:Fallback>
-        </mc:AlternateContent>
-        <p:spPr>
-          <a:xfrm>
-            <a:off x="757238" y="2058666"/>
-            <a:ext cx="7967662" cy="3419225"/>
-          </a:xfrm>
-        </p:spPr>
-      </p:pic>
-      <p:sp>
-        <p:nvSpPr>
-          <p:cNvPr id="5" name="Rectangle 4"/>
-          <p:cNvSpPr/>
-          <p:nvPr/>
-        </p:nvSpPr>
-        <p:spPr>
-          <a:xfrm>
-            <a:off x="757238" y="5604474"/>
-            <a:ext cx="5264583" cy="646331"/>
-          </a:xfrm>
-          <a:prstGeom prst="rect">
-            <a:avLst/>
-          </a:prstGeom>
-        </p:spPr>
-        <p:txBody>
-          <a:bodyPr wrap="none">
-            <a:spAutoFit/>
-          </a:bodyPr>
-          <a:lstStyle/>
-          <a:p>
-            <a:r>
-              <a:rPr lang="en-US" b="1" dirty="0" smtClean="0"/>
-              <a:t>SAGA </a:t>
-            </a:r>
-            <a:r>
-              <a:rPr lang="en-US" b="1" dirty="0"/>
-              <a:t>Look </a:t>
-            </a:r>
-            <a:r>
-              <a:rPr lang="en-US" b="1" dirty="0" smtClean="0"/>
-              <a:t>&amp; </a:t>
-            </a:r>
-            <a:r>
-              <a:rPr lang="en-US" b="1" dirty="0"/>
-              <a:t>Feel</a:t>
-            </a:r>
-            <a:r>
-              <a:rPr lang="en-US" b="1" dirty="0" smtClean="0"/>
-              <a:t>:</a:t>
-            </a:r>
-          </a:p>
-          <a:p>
-            <a:r>
-              <a:rPr lang="en-US" dirty="0" smtClean="0"/>
-              <a:t>Errors </a:t>
-            </a:r>
-            <a:r>
-              <a:rPr lang="en-US" dirty="0"/>
-              <a:t>are based on exceptions or error </a:t>
-            </a:r>
-            <a:r>
-              <a:rPr lang="en-US" dirty="0" smtClean="0"/>
-              <a:t>codes.</a:t>
-            </a:r>
-            <a:endParaRPr lang="en-US" dirty="0"/>
-          </a:p>
-        </p:txBody>
-      </p:sp>
-    </p:spTree>
-  </p:cSld>
-  <p:clrMapOvr>
-    <a:masterClrMapping/>
-  </p:clrMapOvr>
-</p:sld>
-</file>
-
-<file path=ppt/slides/slide31.xml><?xml version="1.0" encoding="utf-8"?>
-<p:sld xmlns:a="http://schemas.openxmlformats.org/drawingml/2006/main" xmlns:r="http://schemas.openxmlformats.org/officeDocument/2006/relationships" xmlns:p="http://schemas.openxmlformats.org/presentationml/2006/main">
-  <p:cSld>
-    <p:spTree>
-      <p:nvGrpSpPr>
-        <p:cNvPr id="1" name=""/>
-        <p:cNvGrpSpPr/>
-        <p:nvPr/>
-      </p:nvGrpSpPr>
-      <p:grpSpPr>
-        <a:xfrm>
-          <a:off x="0" y="0"/>
-          <a:ext cx="0" cy="0"/>
-          <a:chOff x="0" y="0"/>
-          <a:chExt cx="0" cy="0"/>
-        </a:xfrm>
-      </p:grpSpPr>
-      <p:sp>
-        <p:nvSpPr>
-          <p:cNvPr id="2" name="Title 1"/>
-          <p:cNvSpPr>
-            <a:spLocks noGrp="1"/>
-          </p:cNvSpPr>
-          <p:nvPr>
-            <p:ph type="title"/>
-          </p:nvPr>
-        </p:nvSpPr>
-        <p:spPr/>
-        <p:txBody>
-          <a:bodyPr/>
-          <a:lstStyle/>
-          <a:p>
-            <a:r>
-              <a:rPr lang="en-US" dirty="0" smtClean="0"/>
-              <a:t>SAGA Class hierarchy</a:t>
-            </a:r>
-            <a:endParaRPr lang="en-US" dirty="0"/>
-          </a:p>
-        </p:txBody>
-      </p:sp>
-      <p:pic>
-        <p:nvPicPr>
           <p:cNvPr id="4" name="Content Placeholder 3" descr="classes-3.pdf"/>
           <p:cNvPicPr>
             <a:picLocks noGrp="1" noChangeAspect="1"/>
@@ -9970,7 +9964,7 @@
           </p:nvPr>
         </p:nvPicPr>
         <mc:AlternateContent xmlns:mc="http://schemas.openxmlformats.org/markup-compatibility/2006">
-          <mc:Choice xmlns:ma="http://schemas.microsoft.com/office/mac/drawingml/2008/main" xmlns:mv="urn:schemas-microsoft-com:mac:vml" xmlns="" Requires="ma">
+          <mc:Choice xmlns="" xmlns:mv="urn:schemas-microsoft-com:mac:vml" xmlns:ma="http://schemas.microsoft.com/office/mac/drawingml/2008/main" Requires="ma">
             <p:blipFill>
               <a:blip r:embed="rId2"/>
               <a:stretch>
@@ -10061,7 +10055,7 @@
 </p:sld>
 </file>
 
-<file path=ppt/slides/slide32.xml><?xml version="1.0" encoding="utf-8"?>
+<file path=ppt/slides/slide31.xml><?xml version="1.0" encoding="utf-8"?>
 <p:sld xmlns:a="http://schemas.openxmlformats.org/drawingml/2006/main" xmlns:r="http://schemas.openxmlformats.org/officeDocument/2006/relationships" xmlns:p="http://schemas.openxmlformats.org/presentationml/2006/main">
   <p:cSld>
     <p:spTree>
@@ -10112,7 +10106,7 @@
           </p:nvPr>
         </p:nvPicPr>
         <mc:AlternateContent xmlns:mc="http://schemas.openxmlformats.org/markup-compatibility/2006">
-          <mc:Choice xmlns:ma="http://schemas.microsoft.com/office/mac/drawingml/2008/main" xmlns:mv="urn:schemas-microsoft-com:mac:vml" xmlns="" Requires="ma">
+          <mc:Choice xmlns="" xmlns:mv="urn:schemas-microsoft-com:mac:vml" xmlns:ma="http://schemas.microsoft.com/office/mac/drawingml/2008/main" Requires="ma">
             <p:blipFill>
               <a:blip r:embed="rId2"/>
               <a:stretch>
@@ -10199,7 +10193,7 @@
 </p:sld>
 </file>
 
-<file path=ppt/slides/slide33.xml><?xml version="1.0" encoding="utf-8"?>
+<file path=ppt/slides/slide32.xml><?xml version="1.0" encoding="utf-8"?>
 <p:sld xmlns:a="http://schemas.openxmlformats.org/drawingml/2006/main" xmlns:r="http://schemas.openxmlformats.org/officeDocument/2006/relationships" xmlns:p="http://schemas.openxmlformats.org/presentationml/2006/main">
   <p:cSld>
     <p:spTree>
@@ -10250,7 +10244,7 @@
           </p:nvPr>
         </p:nvPicPr>
         <mc:AlternateContent xmlns:mc="http://schemas.openxmlformats.org/markup-compatibility/2006">
-          <mc:Choice xmlns:ma="http://schemas.microsoft.com/office/mac/drawingml/2008/main" xmlns:mv="urn:schemas-microsoft-com:mac:vml" xmlns="" Requires="ma">
+          <mc:Choice xmlns="" xmlns:mv="urn:schemas-microsoft-com:mac:vml" xmlns:ma="http://schemas.microsoft.com/office/mac/drawingml/2008/main" Requires="ma">
             <p:blipFill>
               <a:blip r:embed="rId2"/>
               <a:stretch>
@@ -10336,7 +10330,7 @@
 </p:sld>
 </file>
 
-<file path=ppt/slides/slide34.xml><?xml version="1.0" encoding="utf-8"?>
+<file path=ppt/slides/slide33.xml><?xml version="1.0" encoding="utf-8"?>
 <p:sld xmlns:a="http://schemas.openxmlformats.org/drawingml/2006/main" xmlns:r="http://schemas.openxmlformats.org/officeDocument/2006/relationships" xmlns:p="http://schemas.openxmlformats.org/presentationml/2006/main">
   <p:cSld>
     <p:spTree>
@@ -10387,7 +10381,7 @@
           </p:nvPr>
         </p:nvPicPr>
         <mc:AlternateContent xmlns:mc="http://schemas.openxmlformats.org/markup-compatibility/2006">
-          <mc:Choice xmlns:ma="http://schemas.microsoft.com/office/mac/drawingml/2008/main" xmlns:mv="urn:schemas-microsoft-com:mac:vml" xmlns="" Requires="ma">
+          <mc:Choice xmlns="" xmlns:mv="urn:schemas-microsoft-com:mac:vml" xmlns:ma="http://schemas.microsoft.com/office/mac/drawingml/2008/main" Requires="ma">
             <p:blipFill>
               <a:blip r:embed="rId2"/>
               <a:stretch>
@@ -10478,7 +10472,7 @@
 </p:sld>
 </file>
 
-<file path=ppt/slides/slide35.xml><?xml version="1.0" encoding="utf-8"?>
+<file path=ppt/slides/slide34.xml><?xml version="1.0" encoding="utf-8"?>
 <p:sld xmlns:a="http://schemas.openxmlformats.org/drawingml/2006/main" xmlns:r="http://schemas.openxmlformats.org/officeDocument/2006/relationships" xmlns:p="http://schemas.openxmlformats.org/presentationml/2006/main">
   <p:cSld>
     <p:spTree>
@@ -10529,7 +10523,7 @@
           </p:nvPr>
         </p:nvPicPr>
         <mc:AlternateContent xmlns:mc="http://schemas.openxmlformats.org/markup-compatibility/2006">
-          <mc:Choice xmlns:ma="http://schemas.microsoft.com/office/mac/drawingml/2008/main" xmlns:mv="urn:schemas-microsoft-com:mac:vml" xmlns="" Requires="ma">
+          <mc:Choice xmlns="" xmlns:mv="urn:schemas-microsoft-com:mac:vml" xmlns:ma="http://schemas.microsoft.com/office/mac/drawingml/2008/main" Requires="ma">
             <p:blipFill>
               <a:blip r:embed="rId2"/>
               <a:stretch>
@@ -10617,7 +10611,7 @@
 </p:sld>
 </file>
 
-<file path=ppt/slides/slide36.xml><?xml version="1.0" encoding="utf-8"?>
+<file path=ppt/slides/slide35.xml><?xml version="1.0" encoding="utf-8"?>
 <p:sld xmlns:a="http://schemas.openxmlformats.org/drawingml/2006/main" xmlns:r="http://schemas.openxmlformats.org/officeDocument/2006/relationships" xmlns:p="http://schemas.openxmlformats.org/presentationml/2006/main">
   <p:cSld>
     <p:spTree>
@@ -10668,7 +10662,7 @@
           </p:nvPr>
         </p:nvPicPr>
         <mc:AlternateContent xmlns:mc="http://schemas.openxmlformats.org/markup-compatibility/2006">
-          <mc:Choice xmlns:ma="http://schemas.microsoft.com/office/mac/drawingml/2008/main" xmlns:mv="urn:schemas-microsoft-com:mac:vml" xmlns="" Requires="ma">
+          <mc:Choice xmlns="" xmlns:mv="urn:schemas-microsoft-com:mac:vml" xmlns:ma="http://schemas.microsoft.com/office/mac/drawingml/2008/main" Requires="ma">
             <p:blipFill>
               <a:blip r:embed="rId2"/>
               <a:stretch>
@@ -10755,7 +10749,7 @@
 </p:sld>
 </file>
 
-<file path=ppt/slides/slide37.xml><?xml version="1.0" encoding="utf-8"?>
+<file path=ppt/slides/slide36.xml><?xml version="1.0" encoding="utf-8"?>
 <p:sld xmlns:a="http://schemas.openxmlformats.org/drawingml/2006/main" xmlns:r="http://schemas.openxmlformats.org/officeDocument/2006/relationships" xmlns:p="http://schemas.openxmlformats.org/presentationml/2006/main">
   <p:cSld>
     <p:spTree>
@@ -10806,7 +10800,7 @@
           </p:nvPr>
         </p:nvPicPr>
         <mc:AlternateContent xmlns:mc="http://schemas.openxmlformats.org/markup-compatibility/2006">
-          <mc:Choice xmlns:ma="http://schemas.microsoft.com/office/mac/drawingml/2008/main" xmlns:mv="urn:schemas-microsoft-com:mac:vml" xmlns="" Requires="ma">
+          <mc:Choice xmlns="" xmlns:mv="urn:schemas-microsoft-com:mac:vml" xmlns:ma="http://schemas.microsoft.com/office/mac/drawingml/2008/main" Requires="ma">
             <p:blipFill>
               <a:blip r:embed="rId2"/>
               <a:stretch>
@@ -10881,7 +10875,7 @@
 </p:sld>
 </file>
 
-<file path=ppt/slides/slide38.xml><?xml version="1.0" encoding="utf-8"?>
+<file path=ppt/slides/slide37.xml><?xml version="1.0" encoding="utf-8"?>
 <p:sld xmlns:a="http://schemas.openxmlformats.org/drawingml/2006/main" xmlns:r="http://schemas.openxmlformats.org/officeDocument/2006/relationships" xmlns:p="http://schemas.openxmlformats.org/presentationml/2006/main">
   <p:cSld>
     <p:spTree>
@@ -10932,7 +10926,7 @@
           </p:nvPr>
         </p:nvPicPr>
         <mc:AlternateContent xmlns:mc="http://schemas.openxmlformats.org/markup-compatibility/2006">
-          <mc:Choice xmlns:ma="http://schemas.microsoft.com/office/mac/drawingml/2008/main" xmlns:mv="urn:schemas-microsoft-com:mac:vml" xmlns="" Requires="ma">
+          <mc:Choice xmlns="" xmlns:mv="urn:schemas-microsoft-com:mac:vml" xmlns:ma="http://schemas.microsoft.com/office/mac/drawingml/2008/main" Requires="ma">
             <p:blipFill>
               <a:blip r:embed="rId2"/>
               <a:stretch>
@@ -11019,7 +11013,7 @@
 </p:sld>
 </file>
 
-<file path=ppt/slides/slide39.xml><?xml version="1.0" encoding="utf-8"?>
+<file path=ppt/slides/slide38.xml><?xml version="1.0" encoding="utf-8"?>
 <p:sld xmlns:a="http://schemas.openxmlformats.org/drawingml/2006/main" xmlns:r="http://schemas.openxmlformats.org/officeDocument/2006/relationships" xmlns:p="http://schemas.openxmlformats.org/presentationml/2006/main">
   <p:cSld>
     <p:spTree>
@@ -11090,99 +11084,7 @@
 </p:sld>
 </file>
 
-<file path=ppt/slides/slide4.xml><?xml version="1.0" encoding="utf-8"?>
-<p:sld xmlns:a="http://schemas.openxmlformats.org/drawingml/2006/main" xmlns:r="http://schemas.openxmlformats.org/officeDocument/2006/relationships" xmlns:p="http://schemas.openxmlformats.org/presentationml/2006/main">
-  <p:cSld>
-    <p:bg>
-      <p:bgRef idx="1001">
-        <a:schemeClr val="bg1"/>
-      </p:bgRef>
-    </p:bg>
-    <p:spTree>
-      <p:nvGrpSpPr>
-        <p:cNvPr id="1" name=""/>
-        <p:cNvGrpSpPr/>
-        <p:nvPr/>
-      </p:nvGrpSpPr>
-      <p:grpSpPr>
-        <a:xfrm>
-          <a:off x="0" y="0"/>
-          <a:ext cx="0" cy="0"/>
-          <a:chOff x="0" y="0"/>
-          <a:chExt cx="0" cy="0"/>
-        </a:xfrm>
-      </p:grpSpPr>
-      <p:sp>
-        <p:nvSpPr>
-          <p:cNvPr id="2" name="Title 1"/>
-          <p:cNvSpPr>
-            <a:spLocks noGrp="1"/>
-          </p:cNvSpPr>
-          <p:nvPr>
-            <p:ph type="title"/>
-          </p:nvPr>
-        </p:nvSpPr>
-        <p:spPr/>
-        <p:txBody>
-          <a:bodyPr/>
-          <a:lstStyle/>
-          <a:p>
-            <a:r>
-              <a:rPr lang="en-US" dirty="0" smtClean="0"/>
-              <a:t>Grid APIs and Frameworks</a:t>
-            </a:r>
-            <a:endParaRPr lang="en-US" dirty="0"/>
-          </a:p>
-        </p:txBody>
-      </p:sp>
-      <p:sp>
-        <p:nvSpPr>
-          <p:cNvPr id="3" name="Content Placeholder 2"/>
-          <p:cNvSpPr>
-            <a:spLocks noGrp="1"/>
-          </p:cNvSpPr>
-          <p:nvPr>
-            <p:ph idx="1"/>
-          </p:nvPr>
-        </p:nvSpPr>
-        <p:spPr/>
-        <p:txBody>
-          <a:bodyPr/>
-          <a:lstStyle/>
-          <a:p>
-            <a:r>
-              <a:rPr lang="en-US" dirty="0" smtClean="0"/>
-              <a:t>diversity of Grid Middleware implies diversity of APIs </a:t>
-            </a:r>
-          </a:p>
-          <a:p>
-            <a:r>
-              <a:rPr lang="en-US" dirty="0" smtClean="0"/>
-              <a:t>some APIs try to generalize Grid programming concepts</a:t>
-            </a:r>
-          </a:p>
-          <a:p>
-            <a:r>
-              <a:rPr lang="en-US" dirty="0" smtClean="0"/>
-              <a:t>difficult to keep up with MW development, and to stay </a:t>
-            </a:r>
-            <a:r>
-              <a:rPr lang="en-US" b="1" dirty="0" smtClean="0"/>
-              <a:t>simple</a:t>
-            </a:r>
-            <a:endParaRPr lang="en-US" dirty="0"/>
-          </a:p>
-        </p:txBody>
-      </p:sp>
-    </p:spTree>
-  </p:cSld>
-  <p:clrMapOvr>
-    <a:overrideClrMapping bg1="lt1" tx1="dk1" bg2="lt2" tx2="dk2" accent1="accent1" accent2="accent2" accent3="accent3" accent4="accent4" accent5="accent5" accent6="accent6" hlink="hlink" folHlink="folHlink"/>
-  </p:clrMapOvr>
-</p:sld>
-</file>
-
-<file path=ppt/slides/slide40.xml><?xml version="1.0" encoding="utf-8"?>
+<file path=ppt/slides/slide39.xml><?xml version="1.0" encoding="utf-8"?>
 <p:sld xmlns:a="http://schemas.openxmlformats.org/drawingml/2006/main" xmlns:r="http://schemas.openxmlformats.org/officeDocument/2006/relationships" xmlns:p="http://schemas.openxmlformats.org/presentationml/2006/main">
   <p:cSld>
     <p:spTree>
@@ -11653,7 +11555,198 @@
 </p:sld>
 </file>
 
-<file path=ppt/slides/slide41.xml><?xml version="1.0" encoding="utf-8"?>
+<file path=ppt/slides/slide4.xml><?xml version="1.0" encoding="utf-8"?>
+<p:sld xmlns:a="http://schemas.openxmlformats.org/drawingml/2006/main" xmlns:r="http://schemas.openxmlformats.org/officeDocument/2006/relationships" xmlns:p="http://schemas.openxmlformats.org/presentationml/2006/main">
+  <p:cSld>
+    <p:bg>
+      <p:bgRef idx="1001">
+        <a:schemeClr val="bg1"/>
+      </p:bgRef>
+    </p:bg>
+    <p:spTree>
+      <p:nvGrpSpPr>
+        <p:cNvPr id="1" name=""/>
+        <p:cNvGrpSpPr/>
+        <p:nvPr/>
+      </p:nvGrpSpPr>
+      <p:grpSpPr>
+        <a:xfrm>
+          <a:off x="0" y="0"/>
+          <a:ext cx="0" cy="0"/>
+          <a:chOff x="0" y="0"/>
+          <a:chExt cx="0" cy="0"/>
+        </a:xfrm>
+      </p:grpSpPr>
+      <p:sp>
+        <p:nvSpPr>
+          <p:cNvPr id="2" name="Title 1"/>
+          <p:cNvSpPr>
+            <a:spLocks noGrp="1"/>
+          </p:cNvSpPr>
+          <p:nvPr>
+            <p:ph type="title"/>
+          </p:nvPr>
+        </p:nvSpPr>
+        <p:spPr/>
+        <p:txBody>
+          <a:bodyPr/>
+          <a:lstStyle/>
+          <a:p>
+            <a:r>
+              <a:rPr lang="en-US" dirty="0" smtClean="0"/>
+              <a:t>Grid </a:t>
+            </a:r>
+            <a:r>
+              <a:rPr lang="en-US" dirty="0" smtClean="0"/>
+              <a:t>APIs: some observations</a:t>
+            </a:r>
+            <a:endParaRPr lang="en-US" dirty="0"/>
+          </a:p>
+        </p:txBody>
+      </p:sp>
+      <p:sp>
+        <p:nvSpPr>
+          <p:cNvPr id="3" name="Content Placeholder 2"/>
+          <p:cNvSpPr>
+            <a:spLocks noGrp="1"/>
+          </p:cNvSpPr>
+          <p:nvPr>
+            <p:ph idx="1"/>
+          </p:nvPr>
+        </p:nvSpPr>
+        <p:spPr/>
+        <p:txBody>
+          <a:bodyPr>
+            <a:normAutofit/>
+          </a:bodyPr>
+          <a:lstStyle/>
+          <a:p>
+            <a:r>
+              <a:rPr lang="en-US" dirty="0" smtClean="0"/>
+              <a:t>diversity of </a:t>
+            </a:r>
+            <a:r>
+              <a:rPr lang="en-US" dirty="0" smtClean="0"/>
+              <a:t>(G</a:t>
+            </a:r>
+            <a:r>
+              <a:rPr lang="en-US" dirty="0" smtClean="0"/>
+              <a:t>rid) middleware </a:t>
+            </a:r>
+            <a:r>
+              <a:rPr lang="en-US" dirty="0" smtClean="0"/>
+              <a:t>implies diversity of </a:t>
+            </a:r>
+            <a:r>
+              <a:rPr lang="en-US" dirty="0" smtClean="0"/>
+              <a:t>APIs</a:t>
+            </a:r>
+          </a:p>
+          <a:p>
+            <a:r>
+              <a:rPr lang="en-US" dirty="0" smtClean="0"/>
+              <a:t>middleware APIs are often a by-product</a:t>
+            </a:r>
+            <a:endParaRPr lang="en-US" dirty="0" smtClean="0"/>
+          </a:p>
+          <a:p>
+            <a:r>
+              <a:rPr lang="en-US" dirty="0" smtClean="0"/>
+              <a:t>APIs are difficult to sync with middleware development, and to stay </a:t>
+            </a:r>
+            <a:r>
+              <a:rPr lang="en-US" b="1" dirty="0" smtClean="0"/>
+              <a:t>simple</a:t>
+            </a:r>
+            <a:endParaRPr lang="en-US" dirty="0" smtClean="0"/>
+          </a:p>
+          <a:p>
+            <a:r>
+              <a:rPr lang="en-US" dirty="0" smtClean="0"/>
+              <a:t>successful APIs generalize programming concepts</a:t>
+            </a:r>
+          </a:p>
+          <a:p>
+            <a:pPr lvl="1"/>
+            <a:r>
+              <a:rPr lang="en-US" dirty="0"/>
+              <a:t>MPI, CORBA, COM, RPC, PVM, SSH, … </a:t>
+            </a:r>
+            <a:endParaRPr lang="en-US" dirty="0" smtClean="0"/>
+          </a:p>
+          <a:p>
+            <a:r>
+              <a:rPr lang="en-US" dirty="0"/>
+              <a:t>no </a:t>
+            </a:r>
+            <a:r>
+              <a:rPr lang="en-US" dirty="0" smtClean="0"/>
+              <a:t>new </a:t>
+            </a:r>
+            <a:r>
+              <a:rPr lang="en-US" dirty="0"/>
+              <a:t>API standards for distributed computing</a:t>
+            </a:r>
+          </a:p>
+          <a:p>
+            <a:pPr lvl="1"/>
+            <a:r>
+              <a:rPr lang="en-US" dirty="0" smtClean="0"/>
+              <a:t>!</a:t>
+            </a:r>
+            <a:r>
+              <a:rPr lang="en-US" dirty="0"/>
+              <a:t>standard:  </a:t>
+            </a:r>
+            <a:r>
+              <a:rPr lang="en-US" dirty="0" smtClean="0"/>
+              <a:t>Globus</a:t>
+            </a:r>
+            <a:r>
+              <a:rPr lang="en-US" dirty="0"/>
+              <a:t>, </a:t>
+            </a:r>
+            <a:r>
+              <a:rPr lang="en-US" dirty="0" err="1"/>
+              <a:t>gLite</a:t>
+            </a:r>
+            <a:r>
+              <a:rPr lang="en-US" dirty="0"/>
+              <a:t>, </a:t>
+            </a:r>
+            <a:r>
+              <a:rPr lang="en-US" dirty="0" err="1"/>
+              <a:t>Unicore</a:t>
+            </a:r>
+            <a:r>
+              <a:rPr lang="en-US" dirty="0"/>
+              <a:t>, Condor, </a:t>
+            </a:r>
+            <a:r>
+              <a:rPr lang="en-US" dirty="0" err="1"/>
+              <a:t>iRods</a:t>
+            </a:r>
+            <a:r>
+              <a:rPr lang="en-US" dirty="0"/>
+              <a:t>, </a:t>
+            </a:r>
+            <a:r>
+              <a:rPr lang="en-US" dirty="0" smtClean="0"/>
+              <a:t>…</a:t>
+            </a:r>
+            <a:endParaRPr lang="en-US" dirty="0"/>
+          </a:p>
+        </p:txBody>
+      </p:sp>
+    </p:spTree>
+  </p:cSld>
+  <p:clrMapOvr>
+    <a:overrideClrMapping bg1="lt1" tx1="dk1" bg2="lt2" tx2="dk2" accent1="accent1" accent2="accent2" accent3="accent3" accent4="accent4" accent5="accent5" accent6="accent6" hlink="hlink" folHlink="folHlink"/>
+  </p:clrMapOvr>
+</p:sld>
+</file>
+
+<file path=ppt/slides/slide40.xml><?xml version="1.0" encoding="utf-8"?>
 <p:sld xmlns:a="http://schemas.openxmlformats.org/drawingml/2006/main" xmlns:r="http://schemas.openxmlformats.org/officeDocument/2006/relationships" xmlns:p="http://schemas.openxmlformats.org/presentationml/2006/main">
   <p:cSld>
     <p:spTree>
@@ -11742,7 +11835,7 @@
 </p:sld>
 </file>
 
-<file path=ppt/slides/slide42.xml><?xml version="1.0" encoding="utf-8"?>
+<file path=ppt/slides/slide41.xml><?xml version="1.0" encoding="utf-8"?>
 <p:sld xmlns:a="http://schemas.openxmlformats.org/drawingml/2006/main" xmlns:r="http://schemas.openxmlformats.org/officeDocument/2006/relationships" xmlns:p="http://schemas.openxmlformats.org/presentationml/2006/main">
   <p:cSld>
     <p:spTree>
@@ -12105,6 +12198,458 @@
     <p:extLst>
       <p:ext uri="{BB962C8B-B14F-4D97-AF65-F5344CB8AC3E}">
         <p14:creationId xmlns:p14="http://schemas.microsoft.com/office/powerpoint/2010/main" val="249318202"/>
+      </p:ext>
+    </p:extLst>
+  </p:cSld>
+  <p:clrMapOvr>
+    <a:masterClrMapping/>
+  </p:clrMapOvr>
+  <p:timing>
+    <p:tnLst>
+      <p:par>
+        <p:cTn id="1" dur="indefinite" restart="never" nodeType="tmRoot"/>
+      </p:par>
+    </p:tnLst>
+  </p:timing>
+</p:sld>
+</file>
+
+<file path=ppt/slides/slide42.xml><?xml version="1.0" encoding="utf-8"?>
+<p:sld xmlns:a="http://schemas.openxmlformats.org/drawingml/2006/main" xmlns:r="http://schemas.openxmlformats.org/officeDocument/2006/relationships" xmlns:p="http://schemas.openxmlformats.org/presentationml/2006/main">
+  <p:cSld>
+    <p:spTree>
+      <p:nvGrpSpPr>
+        <p:cNvPr id="1" name=""/>
+        <p:cNvGrpSpPr/>
+        <p:nvPr/>
+      </p:nvGrpSpPr>
+      <p:grpSpPr>
+        <a:xfrm>
+          <a:off x="0" y="0"/>
+          <a:ext cx="0" cy="0"/>
+          <a:chOff x="0" y="0"/>
+          <a:chExt cx="0" cy="0"/>
+        </a:xfrm>
+      </p:grpSpPr>
+      <p:sp>
+        <p:nvSpPr>
+          <p:cNvPr id="2" name="Title 1"/>
+          <p:cNvSpPr>
+            <a:spLocks noGrp="1"/>
+          </p:cNvSpPr>
+          <p:nvPr>
+            <p:ph type="title"/>
+          </p:nvPr>
+        </p:nvSpPr>
+        <p:spPr/>
+        <p:txBody>
+          <a:bodyPr/>
+          <a:lstStyle/>
+          <a:p>
+            <a:r>
+              <a:rPr lang="en-US" dirty="0" smtClean="0"/>
+              <a:t>SAGA Job Package:  job description</a:t>
+            </a:r>
+            <a:endParaRPr lang="en-US" dirty="0"/>
+          </a:p>
+        </p:txBody>
+      </p:sp>
+      <p:sp>
+        <p:nvSpPr>
+          <p:cNvPr id="4" name="TextBox 3"/>
+          <p:cNvSpPr txBox="1"/>
+          <p:nvPr/>
+        </p:nvSpPr>
+        <p:spPr>
+          <a:xfrm>
+            <a:off x="946859" y="2162915"/>
+            <a:ext cx="7966954" cy="2677656"/>
+          </a:xfrm>
+          <a:prstGeom prst="rect">
+            <a:avLst/>
+          </a:prstGeom>
+          <a:solidFill>
+            <a:srgbClr val="D7D9CD"/>
+          </a:solidFill>
+          <a:ln>
+            <a:solidFill>
+              <a:srgbClr val="8BADBD"/>
+            </a:solidFill>
+          </a:ln>
+        </p:spPr>
+        <p:style>
+          <a:lnRef idx="2">
+            <a:schemeClr val="accent4"/>
+          </a:lnRef>
+          <a:fillRef idx="1">
+            <a:schemeClr val="lt1"/>
+          </a:fillRef>
+          <a:effectRef idx="0">
+            <a:schemeClr val="accent4"/>
+          </a:effectRef>
+          <a:fontRef idx="minor">
+            <a:schemeClr val="dk1"/>
+          </a:fontRef>
+        </p:style>
+        <p:txBody>
+          <a:bodyPr wrap="square" rtlCol="0">
+            <a:spAutoFit/>
+          </a:bodyPr>
+          <a:lstStyle/>
+          <a:p>
+            <a:r>
+              <a:rPr lang="en-US" sz="1400" dirty="0">
+                <a:latin typeface="Consolas" pitchFamily="49" charset="0"/>
+                <a:cs typeface="Consolas" pitchFamily="49" charset="0"/>
+              </a:rPr>
+              <a:t> </a:t>
+            </a:r>
+            <a:endParaRPr lang="en-US" sz="1400" dirty="0" smtClean="0">
+              <a:latin typeface="Consolas" pitchFamily="49" charset="0"/>
+              <a:cs typeface="Consolas" pitchFamily="49" charset="0"/>
+            </a:endParaRPr>
+          </a:p>
+          <a:p>
+            <a:r>
+              <a:rPr lang="en-US" sz="1400" dirty="0" smtClean="0">
+                <a:latin typeface="Consolas" pitchFamily="49" charset="0"/>
+                <a:cs typeface="Consolas" pitchFamily="49" charset="0"/>
+              </a:rPr>
+              <a:t> saga</a:t>
+            </a:r>
+            <a:r>
+              <a:rPr lang="en-US" sz="1400" dirty="0">
+                <a:latin typeface="Consolas" pitchFamily="49" charset="0"/>
+                <a:cs typeface="Consolas" pitchFamily="49" charset="0"/>
+              </a:rPr>
+              <a:t>::job::description </a:t>
+            </a:r>
+            <a:r>
+              <a:rPr lang="en-US" sz="1400" dirty="0" err="1">
+                <a:latin typeface="Consolas" pitchFamily="49" charset="0"/>
+                <a:cs typeface="Consolas" pitchFamily="49" charset="0"/>
+              </a:rPr>
+              <a:t>jd</a:t>
+            </a:r>
+            <a:r>
+              <a:rPr lang="en-US" sz="1400" dirty="0">
+                <a:latin typeface="Consolas" pitchFamily="49" charset="0"/>
+                <a:cs typeface="Consolas" pitchFamily="49" charset="0"/>
+              </a:rPr>
+              <a:t>;</a:t>
+            </a:r>
+          </a:p>
+          <a:p>
+            <a:endParaRPr lang="en-US" sz="1400" dirty="0">
+              <a:latin typeface="Consolas" pitchFamily="49" charset="0"/>
+              <a:cs typeface="Consolas" pitchFamily="49" charset="0"/>
+            </a:endParaRPr>
+          </a:p>
+          <a:p>
+            <a:r>
+              <a:rPr lang="en-US" sz="1400" dirty="0">
+                <a:latin typeface="Consolas" pitchFamily="49" charset="0"/>
+                <a:cs typeface="Consolas" pitchFamily="49" charset="0"/>
+              </a:rPr>
+              <a:t> </a:t>
+            </a:r>
+            <a:r>
+              <a:rPr lang="en-US" sz="1400" dirty="0" err="1" smtClean="0">
+                <a:latin typeface="Consolas" pitchFamily="49" charset="0"/>
+                <a:cs typeface="Consolas" pitchFamily="49" charset="0"/>
+              </a:rPr>
+              <a:t>jd.set_attribute</a:t>
+            </a:r>
+            <a:r>
+              <a:rPr lang="en-US" sz="1400" dirty="0" smtClean="0">
+                <a:latin typeface="Consolas" pitchFamily="49" charset="0"/>
+                <a:cs typeface="Consolas" pitchFamily="49" charset="0"/>
+              </a:rPr>
+              <a:t> </a:t>
+            </a:r>
+            <a:r>
+              <a:rPr lang="en-US" sz="1400" dirty="0">
+                <a:latin typeface="Consolas" pitchFamily="49" charset="0"/>
+                <a:cs typeface="Consolas" pitchFamily="49" charset="0"/>
+              </a:rPr>
+              <a:t>("Executable",       "/bin/tail");</a:t>
+            </a:r>
+          </a:p>
+          <a:p>
+            <a:r>
+              <a:rPr lang="en-US" sz="1400" dirty="0">
+                <a:latin typeface="Consolas" pitchFamily="49" charset="0"/>
+                <a:cs typeface="Consolas" pitchFamily="49" charset="0"/>
+              </a:rPr>
+              <a:t> </a:t>
+            </a:r>
+            <a:r>
+              <a:rPr lang="en-US" sz="1400" dirty="0" err="1" smtClean="0">
+                <a:latin typeface="Consolas" pitchFamily="49" charset="0"/>
+                <a:cs typeface="Consolas" pitchFamily="49" charset="0"/>
+              </a:rPr>
+              <a:t>jd.set_attribute</a:t>
+            </a:r>
+            <a:r>
+              <a:rPr lang="en-US" sz="1400" dirty="0" smtClean="0">
+                <a:latin typeface="Consolas" pitchFamily="49" charset="0"/>
+                <a:cs typeface="Consolas" pitchFamily="49" charset="0"/>
+              </a:rPr>
+              <a:t> </a:t>
+            </a:r>
+            <a:r>
+              <a:rPr lang="en-US" sz="1400" dirty="0">
+                <a:latin typeface="Consolas" pitchFamily="49" charset="0"/>
+                <a:cs typeface="Consolas" pitchFamily="49" charset="0"/>
+              </a:rPr>
+              <a:t>("</a:t>
+            </a:r>
+            <a:r>
+              <a:rPr lang="en-US" sz="1400" dirty="0" err="1">
+                <a:latin typeface="Consolas" pitchFamily="49" charset="0"/>
+                <a:cs typeface="Consolas" pitchFamily="49" charset="0"/>
+              </a:rPr>
+              <a:t>WorkingDirectory</a:t>
+            </a:r>
+            <a:r>
+              <a:rPr lang="en-US" sz="1400" dirty="0">
+                <a:latin typeface="Consolas" pitchFamily="49" charset="0"/>
+                <a:cs typeface="Consolas" pitchFamily="49" charset="0"/>
+              </a:rPr>
+              <a:t>", "data/");</a:t>
+            </a:r>
+          </a:p>
+          <a:p>
+            <a:r>
+              <a:rPr lang="en-US" sz="1400" dirty="0">
+                <a:latin typeface="Consolas" pitchFamily="49" charset="0"/>
+                <a:cs typeface="Consolas" pitchFamily="49" charset="0"/>
+              </a:rPr>
+              <a:t> </a:t>
+            </a:r>
+            <a:r>
+              <a:rPr lang="en-US" sz="1400" dirty="0" err="1" smtClean="0">
+                <a:latin typeface="Consolas" pitchFamily="49" charset="0"/>
+                <a:cs typeface="Consolas" pitchFamily="49" charset="0"/>
+              </a:rPr>
+              <a:t>jd.set_attribute</a:t>
+            </a:r>
+            <a:r>
+              <a:rPr lang="en-US" sz="1400" dirty="0" smtClean="0">
+                <a:latin typeface="Consolas" pitchFamily="49" charset="0"/>
+                <a:cs typeface="Consolas" pitchFamily="49" charset="0"/>
+              </a:rPr>
+              <a:t> </a:t>
+            </a:r>
+            <a:r>
+              <a:rPr lang="en-US" sz="1400" dirty="0">
+                <a:latin typeface="Consolas" pitchFamily="49" charset="0"/>
+                <a:cs typeface="Consolas" pitchFamily="49" charset="0"/>
+              </a:rPr>
+              <a:t>("Cleanup",          "False");</a:t>
+            </a:r>
+          </a:p>
+          <a:p>
+            <a:endParaRPr lang="en-US" sz="1400" dirty="0">
+              <a:latin typeface="Consolas" pitchFamily="49" charset="0"/>
+              <a:cs typeface="Consolas" pitchFamily="49" charset="0"/>
+            </a:endParaRPr>
+          </a:p>
+          <a:p>
+            <a:r>
+              <a:rPr lang="en-US" sz="1400" dirty="0">
+                <a:latin typeface="Consolas" pitchFamily="49" charset="0"/>
+                <a:cs typeface="Consolas" pitchFamily="49" charset="0"/>
+              </a:rPr>
+              <a:t> </a:t>
+            </a:r>
+            <a:r>
+              <a:rPr lang="en-US" sz="1400" dirty="0" smtClean="0">
+                <a:latin typeface="Consolas" pitchFamily="49" charset="0"/>
+                <a:cs typeface="Consolas" pitchFamily="49" charset="0"/>
+              </a:rPr>
+              <a:t>// </a:t>
+            </a:r>
+            <a:r>
+              <a:rPr lang="en-US" sz="1400" dirty="0">
+                <a:latin typeface="Consolas" pitchFamily="49" charset="0"/>
+                <a:cs typeface="Consolas" pitchFamily="49" charset="0"/>
+              </a:rPr>
+              <a:t>pseudo code *blush*</a:t>
+            </a:r>
+          </a:p>
+          <a:p>
+            <a:r>
+              <a:rPr lang="en-US" sz="1400" dirty="0">
+                <a:latin typeface="Consolas" pitchFamily="49" charset="0"/>
+                <a:cs typeface="Consolas" pitchFamily="49" charset="0"/>
+              </a:rPr>
+              <a:t> </a:t>
+            </a:r>
+            <a:r>
+              <a:rPr lang="en-US" sz="1400" dirty="0" err="1" smtClean="0">
+                <a:latin typeface="Consolas" pitchFamily="49" charset="0"/>
+                <a:cs typeface="Consolas" pitchFamily="49" charset="0"/>
+              </a:rPr>
+              <a:t>jd.set_vector_attribute</a:t>
+            </a:r>
+            <a:r>
+              <a:rPr lang="en-US" sz="1400" dirty="0" smtClean="0">
+                <a:latin typeface="Consolas" pitchFamily="49" charset="0"/>
+                <a:cs typeface="Consolas" pitchFamily="49" charset="0"/>
+              </a:rPr>
+              <a:t> </a:t>
+            </a:r>
+            <a:r>
+              <a:rPr lang="en-US" sz="1400" dirty="0">
+                <a:latin typeface="Consolas" pitchFamily="49" charset="0"/>
+                <a:cs typeface="Consolas" pitchFamily="49" charset="0"/>
+              </a:rPr>
+              <a:t>("Arguments",    ["-f", "</a:t>
+            </a:r>
+            <a:r>
+              <a:rPr lang="en-US" sz="1400" dirty="0" err="1">
+                <a:latin typeface="Consolas" pitchFamily="49" charset="0"/>
+                <a:cs typeface="Consolas" pitchFamily="49" charset="0"/>
+              </a:rPr>
+              <a:t>my_log</a:t>
+            </a:r>
+            <a:r>
+              <a:rPr lang="en-US" sz="1400" dirty="0">
+                <a:latin typeface="Consolas" pitchFamily="49" charset="0"/>
+                <a:cs typeface="Consolas" pitchFamily="49" charset="0"/>
+              </a:rPr>
+              <a:t>"]);</a:t>
+            </a:r>
+          </a:p>
+          <a:p>
+            <a:r>
+              <a:rPr lang="en-US" sz="1400" dirty="0">
+                <a:latin typeface="Consolas" pitchFamily="49" charset="0"/>
+                <a:cs typeface="Consolas" pitchFamily="49" charset="0"/>
+              </a:rPr>
+              <a:t> </a:t>
+            </a:r>
+            <a:r>
+              <a:rPr lang="en-US" sz="1400" dirty="0" err="1" smtClean="0">
+                <a:latin typeface="Consolas" pitchFamily="49" charset="0"/>
+                <a:cs typeface="Consolas" pitchFamily="49" charset="0"/>
+              </a:rPr>
+              <a:t>jd.set_vector_attribute</a:t>
+            </a:r>
+            <a:r>
+              <a:rPr lang="en-US" sz="1400" dirty="0" smtClean="0">
+                <a:latin typeface="Consolas" pitchFamily="49" charset="0"/>
+                <a:cs typeface="Consolas" pitchFamily="49" charset="0"/>
+              </a:rPr>
+              <a:t> </a:t>
+            </a:r>
+            <a:r>
+              <a:rPr lang="en-US" sz="1400" dirty="0">
+                <a:latin typeface="Consolas" pitchFamily="49" charset="0"/>
+                <a:cs typeface="Consolas" pitchFamily="49" charset="0"/>
+              </a:rPr>
+              <a:t>("Environment",  ["TMPDIR=/</a:t>
+            </a:r>
+            <a:r>
+              <a:rPr lang="en-US" sz="1400" dirty="0" err="1">
+                <a:latin typeface="Consolas" pitchFamily="49" charset="0"/>
+                <a:cs typeface="Consolas" pitchFamily="49" charset="0"/>
+              </a:rPr>
+              <a:t>tmp</a:t>
+            </a:r>
+            <a:r>
+              <a:rPr lang="en-US" sz="1400" dirty="0">
+                <a:latin typeface="Consolas" pitchFamily="49" charset="0"/>
+                <a:cs typeface="Consolas" pitchFamily="49" charset="0"/>
+              </a:rPr>
+              <a:t>/"]);</a:t>
+            </a:r>
+          </a:p>
+          <a:p>
+            <a:r>
+              <a:rPr lang="en-US" sz="1400" dirty="0">
+                <a:latin typeface="Consolas" pitchFamily="49" charset="0"/>
+                <a:cs typeface="Consolas" pitchFamily="49" charset="0"/>
+              </a:rPr>
+              <a:t> </a:t>
+            </a:r>
+            <a:r>
+              <a:rPr lang="en-US" sz="1400" dirty="0" err="1" smtClean="0">
+                <a:latin typeface="Consolas" pitchFamily="49" charset="0"/>
+                <a:cs typeface="Consolas" pitchFamily="49" charset="0"/>
+              </a:rPr>
+              <a:t>jd.set_vector_attribute</a:t>
+            </a:r>
+            <a:r>
+              <a:rPr lang="en-US" sz="1400" dirty="0" smtClean="0">
+                <a:latin typeface="Consolas" pitchFamily="49" charset="0"/>
+                <a:cs typeface="Consolas" pitchFamily="49" charset="0"/>
+              </a:rPr>
+              <a:t> </a:t>
+            </a:r>
+            <a:r>
+              <a:rPr lang="en-US" sz="1400" dirty="0">
+                <a:latin typeface="Consolas" pitchFamily="49" charset="0"/>
+                <a:cs typeface="Consolas" pitchFamily="49" charset="0"/>
+              </a:rPr>
+              <a:t>("</a:t>
+            </a:r>
+            <a:r>
+              <a:rPr lang="en-US" sz="1400" dirty="0" err="1">
+                <a:latin typeface="Consolas" pitchFamily="49" charset="0"/>
+                <a:cs typeface="Consolas" pitchFamily="49" charset="0"/>
+              </a:rPr>
+              <a:t>FileTransfer</a:t>
+            </a:r>
+            <a:r>
+              <a:rPr lang="en-US" sz="1400" dirty="0">
+                <a:latin typeface="Consolas" pitchFamily="49" charset="0"/>
+                <a:cs typeface="Consolas" pitchFamily="49" charset="0"/>
+              </a:rPr>
+              <a:t>", ["</a:t>
+            </a:r>
+            <a:r>
+              <a:rPr lang="en-US" sz="1400" dirty="0" err="1">
+                <a:latin typeface="Consolas" pitchFamily="49" charset="0"/>
+                <a:cs typeface="Consolas" pitchFamily="49" charset="0"/>
+              </a:rPr>
+              <a:t>my_log</a:t>
+            </a:r>
+            <a:r>
+              <a:rPr lang="en-US" sz="1400" dirty="0">
+                <a:latin typeface="Consolas" pitchFamily="49" charset="0"/>
+                <a:cs typeface="Consolas" pitchFamily="49" charset="0"/>
+              </a:rPr>
+              <a:t> &gt;&gt; </a:t>
+            </a:r>
+            <a:r>
+              <a:rPr lang="en-US" sz="1400" dirty="0" err="1">
+                <a:latin typeface="Consolas" pitchFamily="49" charset="0"/>
+                <a:cs typeface="Consolas" pitchFamily="49" charset="0"/>
+              </a:rPr>
+              <a:t>all_logs</a:t>
+            </a:r>
+            <a:r>
+              <a:rPr lang="en-US" sz="1400" dirty="0" smtClean="0">
+                <a:latin typeface="Consolas" pitchFamily="49" charset="0"/>
+                <a:cs typeface="Consolas" pitchFamily="49" charset="0"/>
+              </a:rPr>
+              <a:t>"]);</a:t>
+            </a:r>
+          </a:p>
+          <a:p>
+            <a:endParaRPr lang="en-US" sz="1400" dirty="0">
+              <a:latin typeface="Consolas" pitchFamily="49" charset="0"/>
+              <a:cs typeface="Consolas" pitchFamily="49" charset="0"/>
+            </a:endParaRPr>
+          </a:p>
+        </p:txBody>
+      </p:sp>
+    </p:spTree>
+    <p:extLst>
+      <p:ext uri="{BB962C8B-B14F-4D97-AF65-F5344CB8AC3E}">
+        <p14:creationId xmlns:p14="http://schemas.microsoft.com/office/powerpoint/2010/main" val="2506735757"/>
       </p:ext>
     </p:extLst>
   </p:cSld>
@@ -12154,458 +12699,6 @@
           <a:lstStyle/>
           <a:p>
             <a:r>
-              <a:rPr lang="en-US" dirty="0" smtClean="0"/>
-              <a:t>SAGA Job Package:  job description</a:t>
-            </a:r>
-            <a:endParaRPr lang="en-US" dirty="0"/>
-          </a:p>
-        </p:txBody>
-      </p:sp>
-      <p:sp>
-        <p:nvSpPr>
-          <p:cNvPr id="4" name="TextBox 3"/>
-          <p:cNvSpPr txBox="1"/>
-          <p:nvPr/>
-        </p:nvSpPr>
-        <p:spPr>
-          <a:xfrm>
-            <a:off x="946859" y="2162915"/>
-            <a:ext cx="7966954" cy="2677656"/>
-          </a:xfrm>
-          <a:prstGeom prst="rect">
-            <a:avLst/>
-          </a:prstGeom>
-          <a:solidFill>
-            <a:srgbClr val="D7D9CD"/>
-          </a:solidFill>
-          <a:ln>
-            <a:solidFill>
-              <a:srgbClr val="8BADBD"/>
-            </a:solidFill>
-          </a:ln>
-        </p:spPr>
-        <p:style>
-          <a:lnRef idx="2">
-            <a:schemeClr val="accent4"/>
-          </a:lnRef>
-          <a:fillRef idx="1">
-            <a:schemeClr val="lt1"/>
-          </a:fillRef>
-          <a:effectRef idx="0">
-            <a:schemeClr val="accent4"/>
-          </a:effectRef>
-          <a:fontRef idx="minor">
-            <a:schemeClr val="dk1"/>
-          </a:fontRef>
-        </p:style>
-        <p:txBody>
-          <a:bodyPr wrap="square" rtlCol="0">
-            <a:spAutoFit/>
-          </a:bodyPr>
-          <a:lstStyle/>
-          <a:p>
-            <a:r>
-              <a:rPr lang="en-US" sz="1400" dirty="0">
-                <a:latin typeface="Consolas" pitchFamily="49" charset="0"/>
-                <a:cs typeface="Consolas" pitchFamily="49" charset="0"/>
-              </a:rPr>
-              <a:t> </a:t>
-            </a:r>
-            <a:endParaRPr lang="en-US" sz="1400" dirty="0" smtClean="0">
-              <a:latin typeface="Consolas" pitchFamily="49" charset="0"/>
-              <a:cs typeface="Consolas" pitchFamily="49" charset="0"/>
-            </a:endParaRPr>
-          </a:p>
-          <a:p>
-            <a:r>
-              <a:rPr lang="en-US" sz="1400" dirty="0" smtClean="0">
-                <a:latin typeface="Consolas" pitchFamily="49" charset="0"/>
-                <a:cs typeface="Consolas" pitchFamily="49" charset="0"/>
-              </a:rPr>
-              <a:t> saga</a:t>
-            </a:r>
-            <a:r>
-              <a:rPr lang="en-US" sz="1400" dirty="0">
-                <a:latin typeface="Consolas" pitchFamily="49" charset="0"/>
-                <a:cs typeface="Consolas" pitchFamily="49" charset="0"/>
-              </a:rPr>
-              <a:t>::job::description </a:t>
-            </a:r>
-            <a:r>
-              <a:rPr lang="en-US" sz="1400" dirty="0" err="1">
-                <a:latin typeface="Consolas" pitchFamily="49" charset="0"/>
-                <a:cs typeface="Consolas" pitchFamily="49" charset="0"/>
-              </a:rPr>
-              <a:t>jd</a:t>
-            </a:r>
-            <a:r>
-              <a:rPr lang="en-US" sz="1400" dirty="0">
-                <a:latin typeface="Consolas" pitchFamily="49" charset="0"/>
-                <a:cs typeface="Consolas" pitchFamily="49" charset="0"/>
-              </a:rPr>
-              <a:t>;</a:t>
-            </a:r>
-          </a:p>
-          <a:p>
-            <a:endParaRPr lang="en-US" sz="1400" dirty="0">
-              <a:latin typeface="Consolas" pitchFamily="49" charset="0"/>
-              <a:cs typeface="Consolas" pitchFamily="49" charset="0"/>
-            </a:endParaRPr>
-          </a:p>
-          <a:p>
-            <a:r>
-              <a:rPr lang="en-US" sz="1400" dirty="0">
-                <a:latin typeface="Consolas" pitchFamily="49" charset="0"/>
-                <a:cs typeface="Consolas" pitchFamily="49" charset="0"/>
-              </a:rPr>
-              <a:t> </a:t>
-            </a:r>
-            <a:r>
-              <a:rPr lang="en-US" sz="1400" dirty="0" err="1" smtClean="0">
-                <a:latin typeface="Consolas" pitchFamily="49" charset="0"/>
-                <a:cs typeface="Consolas" pitchFamily="49" charset="0"/>
-              </a:rPr>
-              <a:t>jd.set_attribute</a:t>
-            </a:r>
-            <a:r>
-              <a:rPr lang="en-US" sz="1400" dirty="0" smtClean="0">
-                <a:latin typeface="Consolas" pitchFamily="49" charset="0"/>
-                <a:cs typeface="Consolas" pitchFamily="49" charset="0"/>
-              </a:rPr>
-              <a:t> </a:t>
-            </a:r>
-            <a:r>
-              <a:rPr lang="en-US" sz="1400" dirty="0">
-                <a:latin typeface="Consolas" pitchFamily="49" charset="0"/>
-                <a:cs typeface="Consolas" pitchFamily="49" charset="0"/>
-              </a:rPr>
-              <a:t>("Executable",       "/bin/tail");</a:t>
-            </a:r>
-          </a:p>
-          <a:p>
-            <a:r>
-              <a:rPr lang="en-US" sz="1400" dirty="0">
-                <a:latin typeface="Consolas" pitchFamily="49" charset="0"/>
-                <a:cs typeface="Consolas" pitchFamily="49" charset="0"/>
-              </a:rPr>
-              <a:t> </a:t>
-            </a:r>
-            <a:r>
-              <a:rPr lang="en-US" sz="1400" dirty="0" err="1" smtClean="0">
-                <a:latin typeface="Consolas" pitchFamily="49" charset="0"/>
-                <a:cs typeface="Consolas" pitchFamily="49" charset="0"/>
-              </a:rPr>
-              <a:t>jd.set_attribute</a:t>
-            </a:r>
-            <a:r>
-              <a:rPr lang="en-US" sz="1400" dirty="0" smtClean="0">
-                <a:latin typeface="Consolas" pitchFamily="49" charset="0"/>
-                <a:cs typeface="Consolas" pitchFamily="49" charset="0"/>
-              </a:rPr>
-              <a:t> </a:t>
-            </a:r>
-            <a:r>
-              <a:rPr lang="en-US" sz="1400" dirty="0">
-                <a:latin typeface="Consolas" pitchFamily="49" charset="0"/>
-                <a:cs typeface="Consolas" pitchFamily="49" charset="0"/>
-              </a:rPr>
-              <a:t>("</a:t>
-            </a:r>
-            <a:r>
-              <a:rPr lang="en-US" sz="1400" dirty="0" err="1">
-                <a:latin typeface="Consolas" pitchFamily="49" charset="0"/>
-                <a:cs typeface="Consolas" pitchFamily="49" charset="0"/>
-              </a:rPr>
-              <a:t>WorkingDirectory</a:t>
-            </a:r>
-            <a:r>
-              <a:rPr lang="en-US" sz="1400" dirty="0">
-                <a:latin typeface="Consolas" pitchFamily="49" charset="0"/>
-                <a:cs typeface="Consolas" pitchFamily="49" charset="0"/>
-              </a:rPr>
-              <a:t>", "data/");</a:t>
-            </a:r>
-          </a:p>
-          <a:p>
-            <a:r>
-              <a:rPr lang="en-US" sz="1400" dirty="0">
-                <a:latin typeface="Consolas" pitchFamily="49" charset="0"/>
-                <a:cs typeface="Consolas" pitchFamily="49" charset="0"/>
-              </a:rPr>
-              <a:t> </a:t>
-            </a:r>
-            <a:r>
-              <a:rPr lang="en-US" sz="1400" dirty="0" err="1" smtClean="0">
-                <a:latin typeface="Consolas" pitchFamily="49" charset="0"/>
-                <a:cs typeface="Consolas" pitchFamily="49" charset="0"/>
-              </a:rPr>
-              <a:t>jd.set_attribute</a:t>
-            </a:r>
-            <a:r>
-              <a:rPr lang="en-US" sz="1400" dirty="0" smtClean="0">
-                <a:latin typeface="Consolas" pitchFamily="49" charset="0"/>
-                <a:cs typeface="Consolas" pitchFamily="49" charset="0"/>
-              </a:rPr>
-              <a:t> </a:t>
-            </a:r>
-            <a:r>
-              <a:rPr lang="en-US" sz="1400" dirty="0">
-                <a:latin typeface="Consolas" pitchFamily="49" charset="0"/>
-                <a:cs typeface="Consolas" pitchFamily="49" charset="0"/>
-              </a:rPr>
-              <a:t>("Cleanup",          "False");</a:t>
-            </a:r>
-          </a:p>
-          <a:p>
-            <a:endParaRPr lang="en-US" sz="1400" dirty="0">
-              <a:latin typeface="Consolas" pitchFamily="49" charset="0"/>
-              <a:cs typeface="Consolas" pitchFamily="49" charset="0"/>
-            </a:endParaRPr>
-          </a:p>
-          <a:p>
-            <a:r>
-              <a:rPr lang="en-US" sz="1400" dirty="0">
-                <a:latin typeface="Consolas" pitchFamily="49" charset="0"/>
-                <a:cs typeface="Consolas" pitchFamily="49" charset="0"/>
-              </a:rPr>
-              <a:t> </a:t>
-            </a:r>
-            <a:r>
-              <a:rPr lang="en-US" sz="1400" dirty="0" smtClean="0">
-                <a:latin typeface="Consolas" pitchFamily="49" charset="0"/>
-                <a:cs typeface="Consolas" pitchFamily="49" charset="0"/>
-              </a:rPr>
-              <a:t>// </a:t>
-            </a:r>
-            <a:r>
-              <a:rPr lang="en-US" sz="1400" dirty="0">
-                <a:latin typeface="Consolas" pitchFamily="49" charset="0"/>
-                <a:cs typeface="Consolas" pitchFamily="49" charset="0"/>
-              </a:rPr>
-              <a:t>pseudo code *blush*</a:t>
-            </a:r>
-          </a:p>
-          <a:p>
-            <a:r>
-              <a:rPr lang="en-US" sz="1400" dirty="0">
-                <a:latin typeface="Consolas" pitchFamily="49" charset="0"/>
-                <a:cs typeface="Consolas" pitchFamily="49" charset="0"/>
-              </a:rPr>
-              <a:t> </a:t>
-            </a:r>
-            <a:r>
-              <a:rPr lang="en-US" sz="1400" dirty="0" err="1" smtClean="0">
-                <a:latin typeface="Consolas" pitchFamily="49" charset="0"/>
-                <a:cs typeface="Consolas" pitchFamily="49" charset="0"/>
-              </a:rPr>
-              <a:t>jd.set_vector_attribute</a:t>
-            </a:r>
-            <a:r>
-              <a:rPr lang="en-US" sz="1400" dirty="0" smtClean="0">
-                <a:latin typeface="Consolas" pitchFamily="49" charset="0"/>
-                <a:cs typeface="Consolas" pitchFamily="49" charset="0"/>
-              </a:rPr>
-              <a:t> </a:t>
-            </a:r>
-            <a:r>
-              <a:rPr lang="en-US" sz="1400" dirty="0">
-                <a:latin typeface="Consolas" pitchFamily="49" charset="0"/>
-                <a:cs typeface="Consolas" pitchFamily="49" charset="0"/>
-              </a:rPr>
-              <a:t>("Arguments",    ["-f", "</a:t>
-            </a:r>
-            <a:r>
-              <a:rPr lang="en-US" sz="1400" dirty="0" err="1">
-                <a:latin typeface="Consolas" pitchFamily="49" charset="0"/>
-                <a:cs typeface="Consolas" pitchFamily="49" charset="0"/>
-              </a:rPr>
-              <a:t>my_log</a:t>
-            </a:r>
-            <a:r>
-              <a:rPr lang="en-US" sz="1400" dirty="0">
-                <a:latin typeface="Consolas" pitchFamily="49" charset="0"/>
-                <a:cs typeface="Consolas" pitchFamily="49" charset="0"/>
-              </a:rPr>
-              <a:t>"]);</a:t>
-            </a:r>
-          </a:p>
-          <a:p>
-            <a:r>
-              <a:rPr lang="en-US" sz="1400" dirty="0">
-                <a:latin typeface="Consolas" pitchFamily="49" charset="0"/>
-                <a:cs typeface="Consolas" pitchFamily="49" charset="0"/>
-              </a:rPr>
-              <a:t> </a:t>
-            </a:r>
-            <a:r>
-              <a:rPr lang="en-US" sz="1400" dirty="0" err="1" smtClean="0">
-                <a:latin typeface="Consolas" pitchFamily="49" charset="0"/>
-                <a:cs typeface="Consolas" pitchFamily="49" charset="0"/>
-              </a:rPr>
-              <a:t>jd.set_vector_attribute</a:t>
-            </a:r>
-            <a:r>
-              <a:rPr lang="en-US" sz="1400" dirty="0" smtClean="0">
-                <a:latin typeface="Consolas" pitchFamily="49" charset="0"/>
-                <a:cs typeface="Consolas" pitchFamily="49" charset="0"/>
-              </a:rPr>
-              <a:t> </a:t>
-            </a:r>
-            <a:r>
-              <a:rPr lang="en-US" sz="1400" dirty="0">
-                <a:latin typeface="Consolas" pitchFamily="49" charset="0"/>
-                <a:cs typeface="Consolas" pitchFamily="49" charset="0"/>
-              </a:rPr>
-              <a:t>("Environment",  ["TMPDIR=/</a:t>
-            </a:r>
-            <a:r>
-              <a:rPr lang="en-US" sz="1400" dirty="0" err="1">
-                <a:latin typeface="Consolas" pitchFamily="49" charset="0"/>
-                <a:cs typeface="Consolas" pitchFamily="49" charset="0"/>
-              </a:rPr>
-              <a:t>tmp</a:t>
-            </a:r>
-            <a:r>
-              <a:rPr lang="en-US" sz="1400" dirty="0">
-                <a:latin typeface="Consolas" pitchFamily="49" charset="0"/>
-                <a:cs typeface="Consolas" pitchFamily="49" charset="0"/>
-              </a:rPr>
-              <a:t>/"]);</a:t>
-            </a:r>
-          </a:p>
-          <a:p>
-            <a:r>
-              <a:rPr lang="en-US" sz="1400" dirty="0">
-                <a:latin typeface="Consolas" pitchFamily="49" charset="0"/>
-                <a:cs typeface="Consolas" pitchFamily="49" charset="0"/>
-              </a:rPr>
-              <a:t> </a:t>
-            </a:r>
-            <a:r>
-              <a:rPr lang="en-US" sz="1400" dirty="0" err="1" smtClean="0">
-                <a:latin typeface="Consolas" pitchFamily="49" charset="0"/>
-                <a:cs typeface="Consolas" pitchFamily="49" charset="0"/>
-              </a:rPr>
-              <a:t>jd.set_vector_attribute</a:t>
-            </a:r>
-            <a:r>
-              <a:rPr lang="en-US" sz="1400" dirty="0" smtClean="0">
-                <a:latin typeface="Consolas" pitchFamily="49" charset="0"/>
-                <a:cs typeface="Consolas" pitchFamily="49" charset="0"/>
-              </a:rPr>
-              <a:t> </a:t>
-            </a:r>
-            <a:r>
-              <a:rPr lang="en-US" sz="1400" dirty="0">
-                <a:latin typeface="Consolas" pitchFamily="49" charset="0"/>
-                <a:cs typeface="Consolas" pitchFamily="49" charset="0"/>
-              </a:rPr>
-              <a:t>("</a:t>
-            </a:r>
-            <a:r>
-              <a:rPr lang="en-US" sz="1400" dirty="0" err="1">
-                <a:latin typeface="Consolas" pitchFamily="49" charset="0"/>
-                <a:cs typeface="Consolas" pitchFamily="49" charset="0"/>
-              </a:rPr>
-              <a:t>FileTransfer</a:t>
-            </a:r>
-            <a:r>
-              <a:rPr lang="en-US" sz="1400" dirty="0">
-                <a:latin typeface="Consolas" pitchFamily="49" charset="0"/>
-                <a:cs typeface="Consolas" pitchFamily="49" charset="0"/>
-              </a:rPr>
-              <a:t>", ["</a:t>
-            </a:r>
-            <a:r>
-              <a:rPr lang="en-US" sz="1400" dirty="0" err="1">
-                <a:latin typeface="Consolas" pitchFamily="49" charset="0"/>
-                <a:cs typeface="Consolas" pitchFamily="49" charset="0"/>
-              </a:rPr>
-              <a:t>my_log</a:t>
-            </a:r>
-            <a:r>
-              <a:rPr lang="en-US" sz="1400" dirty="0">
-                <a:latin typeface="Consolas" pitchFamily="49" charset="0"/>
-                <a:cs typeface="Consolas" pitchFamily="49" charset="0"/>
-              </a:rPr>
-              <a:t> &gt;&gt; </a:t>
-            </a:r>
-            <a:r>
-              <a:rPr lang="en-US" sz="1400" dirty="0" err="1">
-                <a:latin typeface="Consolas" pitchFamily="49" charset="0"/>
-                <a:cs typeface="Consolas" pitchFamily="49" charset="0"/>
-              </a:rPr>
-              <a:t>all_logs</a:t>
-            </a:r>
-            <a:r>
-              <a:rPr lang="en-US" sz="1400" dirty="0" smtClean="0">
-                <a:latin typeface="Consolas" pitchFamily="49" charset="0"/>
-                <a:cs typeface="Consolas" pitchFamily="49" charset="0"/>
-              </a:rPr>
-              <a:t>"]);</a:t>
-            </a:r>
-          </a:p>
-          <a:p>
-            <a:endParaRPr lang="en-US" sz="1400" dirty="0">
-              <a:latin typeface="Consolas" pitchFamily="49" charset="0"/>
-              <a:cs typeface="Consolas" pitchFamily="49" charset="0"/>
-            </a:endParaRPr>
-          </a:p>
-        </p:txBody>
-      </p:sp>
-    </p:spTree>
-    <p:extLst>
-      <p:ext uri="{BB962C8B-B14F-4D97-AF65-F5344CB8AC3E}">
-        <p14:creationId xmlns:p14="http://schemas.microsoft.com/office/powerpoint/2010/main" val="2506735757"/>
-      </p:ext>
-    </p:extLst>
-  </p:cSld>
-  <p:clrMapOvr>
-    <a:masterClrMapping/>
-  </p:clrMapOvr>
-  <p:timing>
-    <p:tnLst>
-      <p:par>
-        <p:cTn id="1" dur="indefinite" restart="never" nodeType="tmRoot"/>
-      </p:par>
-    </p:tnLst>
-  </p:timing>
-</p:sld>
-</file>
-
-<file path=ppt/slides/slide44.xml><?xml version="1.0" encoding="utf-8"?>
-<p:sld xmlns:a="http://schemas.openxmlformats.org/drawingml/2006/main" xmlns:r="http://schemas.openxmlformats.org/officeDocument/2006/relationships" xmlns:p="http://schemas.openxmlformats.org/presentationml/2006/main">
-  <p:cSld>
-    <p:spTree>
-      <p:nvGrpSpPr>
-        <p:cNvPr id="1" name=""/>
-        <p:cNvGrpSpPr/>
-        <p:nvPr/>
-      </p:nvGrpSpPr>
-      <p:grpSpPr>
-        <a:xfrm>
-          <a:off x="0" y="0"/>
-          <a:ext cx="0" cy="0"/>
-          <a:chOff x="0" y="0"/>
-          <a:chExt cx="0" cy="0"/>
-        </a:xfrm>
-      </p:grpSpPr>
-      <p:sp>
-        <p:nvSpPr>
-          <p:cNvPr id="2" name="Title 1"/>
-          <p:cNvSpPr>
-            <a:spLocks noGrp="1"/>
-          </p:cNvSpPr>
-          <p:nvPr>
-            <p:ph type="title"/>
-          </p:nvPr>
-        </p:nvSpPr>
-        <p:spPr/>
-        <p:txBody>
-          <a:bodyPr/>
-          <a:lstStyle/>
-          <a:p>
-            <a:r>
               <a:rPr lang="en-US" dirty="0"/>
               <a:t>SAGA Job Package:  job </a:t>
             </a:r>
@@ -13073,7 +13166,7 @@
 </p:sld>
 </file>
 
-<file path=ppt/slides/slide45.xml><?xml version="1.0" encoding="utf-8"?>
+<file path=ppt/slides/slide44.xml><?xml version="1.0" encoding="utf-8"?>
 <p:sld xmlns:a="http://schemas.openxmlformats.org/drawingml/2006/main" xmlns:r="http://schemas.openxmlformats.org/officeDocument/2006/relationships" xmlns:p="http://schemas.openxmlformats.org/presentationml/2006/main">
   <p:cSld>
     <p:bg>
@@ -13283,7 +13376,7 @@
 </p:sld>
 </file>
 
-<file path=ppt/slides/slide46.xml><?xml version="1.0" encoding="utf-8"?>
+<file path=ppt/slides/slide45.xml><?xml version="1.0" encoding="utf-8"?>
 <p:sld xmlns:a="http://schemas.openxmlformats.org/drawingml/2006/main" xmlns:r="http://schemas.openxmlformats.org/officeDocument/2006/relationships" xmlns:p="http://schemas.openxmlformats.org/presentationml/2006/main">
   <p:cSld>
     <p:spTree>
@@ -13695,7 +13788,7 @@
 </p:sld>
 </file>
 
-<file path=ppt/slides/slide47.xml><?xml version="1.0" encoding="utf-8"?>
+<file path=ppt/slides/slide46.xml><?xml version="1.0" encoding="utf-8"?>
 <p:sld xmlns:a="http://schemas.openxmlformats.org/drawingml/2006/main" xmlns:r="http://schemas.openxmlformats.org/officeDocument/2006/relationships" xmlns:p="http://schemas.openxmlformats.org/presentationml/2006/main">
   <p:cSld>
     <p:spTree>
@@ -13850,7 +13943,7 @@
 </p:sld>
 </file>
 
-<file path=ppt/slides/slide48.xml><?xml version="1.0" encoding="utf-8"?>
+<file path=ppt/slides/slide47.xml><?xml version="1.0" encoding="utf-8"?>
 <p:sld xmlns:a="http://schemas.openxmlformats.org/drawingml/2006/main" xmlns:r="http://schemas.openxmlformats.org/officeDocument/2006/relationships" xmlns:p="http://schemas.openxmlformats.org/presentationml/2006/main">
   <p:cSld>
     <p:spTree>
@@ -14249,6 +14342,215 @@
 </p:sld>
 </file>
 
+<file path=ppt/slides/slide48.xml><?xml version="1.0" encoding="utf-8"?>
+<p:sld xmlns:a="http://schemas.openxmlformats.org/drawingml/2006/main" xmlns:r="http://schemas.openxmlformats.org/officeDocument/2006/relationships" xmlns:p="http://schemas.openxmlformats.org/presentationml/2006/main">
+  <p:cSld>
+    <p:spTree>
+      <p:nvGrpSpPr>
+        <p:cNvPr id="1" name=""/>
+        <p:cNvGrpSpPr/>
+        <p:nvPr/>
+      </p:nvGrpSpPr>
+      <p:grpSpPr>
+        <a:xfrm>
+          <a:off x="0" y="0"/>
+          <a:ext cx="0" cy="0"/>
+          <a:chOff x="0" y="0"/>
+          <a:chExt cx="0" cy="0"/>
+        </a:xfrm>
+      </p:grpSpPr>
+      <p:sp>
+        <p:nvSpPr>
+          <p:cNvPr id="2" name="Title 1"/>
+          <p:cNvSpPr>
+            <a:spLocks noGrp="1"/>
+          </p:cNvSpPr>
+          <p:nvPr>
+            <p:ph type="title"/>
+          </p:nvPr>
+        </p:nvSpPr>
+        <p:spPr/>
+        <p:txBody>
+          <a:bodyPr/>
+          <a:lstStyle/>
+          <a:p>
+            <a:r>
+              <a:rPr lang="en-US" dirty="0"/>
+              <a:t>SAGA Job Package:  </a:t>
+            </a:r>
+            <a:r>
+              <a:rPr lang="en-US" dirty="0" smtClean="0"/>
+              <a:t>job::self</a:t>
+            </a:r>
+            <a:endParaRPr lang="en-US" dirty="0"/>
+          </a:p>
+        </p:txBody>
+      </p:sp>
+      <p:sp>
+        <p:nvSpPr>
+          <p:cNvPr id="3" name="Content Placeholder 2"/>
+          <p:cNvSpPr>
+            <a:spLocks noGrp="1"/>
+          </p:cNvSpPr>
+          <p:nvPr>
+            <p:ph idx="1"/>
+          </p:nvPr>
+        </p:nvSpPr>
+        <p:spPr>
+          <a:xfrm>
+            <a:off x="575067" y="2068618"/>
+            <a:ext cx="8155866" cy="4197711"/>
+          </a:xfrm>
+        </p:spPr>
+        <p:txBody>
+          <a:bodyPr numCol="1">
+            <a:noAutofit/>
+          </a:bodyPr>
+          <a:lstStyle/>
+          <a:p>
+            <a:pPr marL="285750" indent="-285750"/>
+            <a:r>
+              <a:rPr lang="en-US" dirty="0"/>
+              <a:t>represents the </a:t>
+            </a:r>
+            <a:r>
+              <a:rPr lang="en-US" i="1" dirty="0" smtClean="0"/>
+              <a:t>calling </a:t>
+            </a:r>
+            <a:r>
+              <a:rPr lang="en-US" i="1" dirty="0"/>
+              <a:t>application </a:t>
+            </a:r>
+            <a:r>
+              <a:rPr lang="en-US" i="1" dirty="0" smtClean="0"/>
+              <a:t>instanc</a:t>
+            </a:r>
+            <a:r>
+              <a:rPr lang="en-US" dirty="0"/>
+              <a:t>e</a:t>
+            </a:r>
+          </a:p>
+          <a:p>
+            <a:pPr marL="285750" indent="-285750"/>
+            <a:r>
+              <a:rPr lang="en-US" dirty="0" err="1" smtClean="0"/>
+              <a:t>self.signal</a:t>
+            </a:r>
+            <a:r>
+              <a:rPr lang="en-US" dirty="0" smtClean="0"/>
+              <a:t> </a:t>
+            </a:r>
+            <a:r>
+              <a:rPr lang="en-US" dirty="0"/>
+              <a:t>(SIGUSR1</a:t>
+            </a:r>
+            <a:r>
+              <a:rPr lang="en-US" dirty="0" smtClean="0"/>
+              <a:t>);</a:t>
+            </a:r>
+            <a:br>
+              <a:rPr lang="en-US" dirty="0" smtClean="0"/>
+            </a:br>
+            <a:r>
+              <a:rPr lang="en-US" dirty="0" smtClean="0"/>
+              <a:t/>
+            </a:r>
+            <a:br>
+              <a:rPr lang="en-US" dirty="0" smtClean="0"/>
+            </a:br>
+            <a:r>
+              <a:rPr lang="en-US" dirty="0" smtClean="0"/>
+              <a:t>goes via the job manager, unlike</a:t>
+            </a:r>
+            <a:br>
+              <a:rPr lang="en-US" dirty="0" smtClean="0"/>
+            </a:br>
+            <a:r>
+              <a:rPr lang="en-US" dirty="0" smtClean="0"/>
+              <a:t/>
+            </a:r>
+            <a:br>
+              <a:rPr lang="en-US" dirty="0" smtClean="0"/>
+            </a:br>
+            <a:r>
+              <a:rPr lang="en-US" dirty="0" smtClean="0"/>
+              <a:t>::</a:t>
+            </a:r>
+            <a:r>
+              <a:rPr lang="en-US" dirty="0"/>
+              <a:t>kill (::</a:t>
+            </a:r>
+            <a:r>
+              <a:rPr lang="en-US" dirty="0" err="1"/>
+              <a:t>getpid</a:t>
+            </a:r>
+            <a:r>
+              <a:rPr lang="en-US" dirty="0"/>
+              <a:t> (), </a:t>
+            </a:r>
+            <a:r>
+              <a:rPr lang="en-US" dirty="0" smtClean="0"/>
+              <a:t>SIGUSR1);</a:t>
+            </a:r>
+          </a:p>
+          <a:p>
+            <a:pPr marL="285750" indent="-285750"/>
+            <a:r>
+              <a:rPr lang="en-US" dirty="0" smtClean="0"/>
+              <a:t>as </a:t>
+            </a:r>
+            <a:r>
+              <a:rPr lang="en-US" dirty="0"/>
+              <a:t>it goes over the job manager </a:t>
+            </a:r>
+            <a:br>
+              <a:rPr lang="en-US" dirty="0"/>
+            </a:br>
+            <a:r>
+              <a:rPr lang="en-US" sz="1600" dirty="0" smtClean="0"/>
+              <a:t>(accounting, logging, cleanup...)</a:t>
+            </a:r>
+            <a:endParaRPr lang="en-US" dirty="0"/>
+          </a:p>
+          <a:p>
+            <a:pPr marL="285750" indent="-285750"/>
+            <a:r>
+              <a:rPr lang="en-US" dirty="0" smtClean="0"/>
+              <a:t>job</a:t>
+            </a:r>
+            <a:r>
+              <a:rPr lang="en-US" dirty="0"/>
+              <a:t>::</a:t>
+            </a:r>
+            <a:r>
+              <a:rPr lang="en-US" dirty="0" smtClean="0"/>
+              <a:t>self </a:t>
+            </a:r>
+            <a:r>
+              <a:rPr lang="en-US" dirty="0"/>
+              <a:t>is the only SAGA object to which metrics can be </a:t>
+            </a:r>
+            <a:r>
+              <a:rPr lang="en-US" dirty="0" smtClean="0"/>
+              <a:t>added</a:t>
+            </a:r>
+            <a:endParaRPr lang="en-US" dirty="0"/>
+          </a:p>
+        </p:txBody>
+      </p:sp>
+    </p:spTree>
+    <p:extLst>
+      <p:ext uri="{BB962C8B-B14F-4D97-AF65-F5344CB8AC3E}">
+        <p14:creationId xmlns:p14="http://schemas.microsoft.com/office/powerpoint/2010/main" val="2409753581"/>
+      </p:ext>
+    </p:extLst>
+  </p:cSld>
+  <p:clrMapOvr>
+    <a:masterClrMapping/>
+  </p:clrMapOvr>
+</p:sld>
+</file>
+
 <file path=ppt/slides/slide49.xml><?xml version="1.0" encoding="utf-8"?>
 <p:sld xmlns:a="http://schemas.openxmlformats.org/drawingml/2006/main" xmlns:r="http://schemas.openxmlformats.org/officeDocument/2006/relationships" xmlns:p="http://schemas.openxmlformats.org/presentationml/2006/main">
   <p:cSld>
@@ -14283,11 +14585,11 @@
           <a:p>
             <a:r>
               <a:rPr lang="en-US" dirty="0"/>
-              <a:t>SAGA Job Package:  </a:t>
-            </a:r>
-            <a:r>
-              <a:rPr lang="en-US" dirty="0" smtClean="0"/>
-              <a:t>job::self</a:t>
+              <a:t>SAGA </a:t>
+            </a:r>
+            <a:r>
+              <a:rPr lang="en-US" dirty="0" smtClean="0"/>
+              <a:t>Namespace Package</a:t>
             </a:r>
             <a:endParaRPr lang="en-US" dirty="0"/>
           </a:p>
@@ -14317,129 +14619,77 @@
           <a:p>
             <a:pPr marL="285750" indent="-285750"/>
             <a:r>
+              <a:rPr lang="en-US" dirty="0" smtClean="0"/>
+              <a:t>interfaces </a:t>
+            </a:r>
+            <a:r>
               <a:rPr lang="en-US" dirty="0"/>
-              <a:t>represents the </a:t>
-            </a:r>
-            <a:r>
-              <a:rPr lang="en-US" i="1" dirty="0" smtClean="0"/>
-              <a:t>calling </a:t>
-            </a:r>
-            <a:r>
-              <a:rPr lang="en-US" i="1" dirty="0"/>
-              <a:t>application </a:t>
-            </a:r>
-            <a:r>
-              <a:rPr lang="en-US" i="1" dirty="0" smtClean="0"/>
-              <a:t>instanc</a:t>
+              <a:t>for managing entities in name spaces</a:t>
+            </a:r>
+          </a:p>
+          <a:p>
+            <a:pPr marL="285750" indent="-285750"/>
+            <a:r>
+              <a:rPr lang="en-US" dirty="0" smtClean="0"/>
+              <a:t>files</a:t>
             </a:r>
             <a:r>
               <a:rPr lang="en-US" dirty="0"/>
-              <a:t>e</a:t>
+              <a:t>, replicas, information, resources, </a:t>
+            </a:r>
+            <a:r>
+              <a:rPr lang="en-US" dirty="0" smtClean="0"/>
+              <a:t>steering parameter</a:t>
+            </a:r>
+            <a:r>
+              <a:rPr lang="en-US" dirty="0"/>
+              <a:t>, checkpoints, . . .</a:t>
             </a:r>
           </a:p>
           <a:p>
             <a:pPr marL="285750" indent="-285750"/>
             <a:r>
+              <a:rPr lang="en-US" dirty="0" smtClean="0"/>
+              <a:t>manages </a:t>
+            </a:r>
+            <a:r>
+              <a:rPr lang="en-US" dirty="0"/>
+              <a:t>hierarchy (</a:t>
+            </a:r>
+            <a:r>
               <a:rPr lang="en-US" dirty="0" err="1" smtClean="0"/>
-              <a:t>self.signal</a:t>
-            </a:r>
-            <a:r>
-              <a:rPr lang="en-US" dirty="0" smtClean="0"/>
-              <a:t> </a:t>
+              <a:t>mkdir</a:t>
+            </a:r>
+            <a:r>
+              <a:rPr lang="en-US" dirty="0" smtClean="0"/>
+              <a:t>, cd, </a:t>
+            </a:r>
+            <a:r>
+              <a:rPr lang="en-US" dirty="0" err="1" smtClean="0"/>
+              <a:t>ls</a:t>
+            </a:r>
+            <a:r>
+              <a:rPr lang="en-US" dirty="0" smtClean="0"/>
+              <a:t>, </a:t>
             </a:r>
             <a:r>
               <a:rPr lang="en-US" dirty="0"/>
-              <a:t>(SIGUSR1</a:t>
-            </a:r>
-            <a:r>
-              <a:rPr lang="en-US" dirty="0" smtClean="0"/>
-              <a:t>);</a:t>
-            </a:r>
-            <a:br>
-              <a:rPr lang="en-US" dirty="0" smtClean="0"/>
-            </a:br>
-            <a:r>
-              <a:rPr lang="en-US" dirty="0" smtClean="0"/>
-              <a:t/>
-            </a:r>
-            <a:br>
-              <a:rPr lang="en-US" dirty="0" smtClean="0"/>
-            </a:br>
-            <a:r>
-              <a:rPr lang="en-US" dirty="0" smtClean="0"/>
-              <a:t>goes via the job manager, unlike</a:t>
-            </a:r>
-            <a:br>
-              <a:rPr lang="en-US" dirty="0" smtClean="0"/>
-            </a:br>
-            <a:r>
-              <a:rPr lang="en-US" dirty="0" smtClean="0"/>
-              <a:t/>
-            </a:r>
-            <a:br>
-              <a:rPr lang="en-US" dirty="0" smtClean="0"/>
-            </a:br>
-            <a:r>
-              <a:rPr lang="en-US" dirty="0" smtClean="0"/>
-              <a:t>::</a:t>
+              <a:t>. . . )</a:t>
+            </a:r>
+          </a:p>
+          <a:p>
+            <a:pPr marL="285750" indent="-285750"/>
+            <a:r>
+              <a:rPr lang="en-US" dirty="0" smtClean="0"/>
+              <a:t>entries are assume opaque </a:t>
             </a:r>
             <a:r>
               <a:rPr lang="en-US" dirty="0"/>
-              <a:t>kill (::</a:t>
-            </a:r>
-            <a:r>
-              <a:rPr lang="en-US" dirty="0" err="1"/>
-              <a:t>getpid</a:t>
-            </a:r>
-            <a:r>
-              <a:rPr lang="en-US" dirty="0"/>
-              <a:t> (), </a:t>
-            </a:r>
-            <a:r>
-              <a:rPr lang="en-US" dirty="0" smtClean="0"/>
-              <a:t>SIGUSR1);</a:t>
-            </a:r>
-          </a:p>
-          <a:p>
-            <a:pPr marL="285750" indent="-285750"/>
-            <a:r>
-              <a:rPr lang="en-US" dirty="0" smtClean="0"/>
-              <a:t>as </a:t>
-            </a:r>
-            <a:r>
-              <a:rPr lang="en-US" dirty="0"/>
-              <a:t>it goes over the job manager </a:t>
-            </a:r>
-            <a:br>
-              <a:rPr lang="en-US" dirty="0"/>
-            </a:br>
-            <a:r>
-              <a:rPr lang="en-US" sz="1600" dirty="0" smtClean="0"/>
-              <a:t>(accounting, logging, cleanup...)</a:t>
-            </a:r>
-            <a:endParaRPr lang="en-US" dirty="0"/>
-          </a:p>
-          <a:p>
-            <a:pPr marL="285750" indent="-285750"/>
-            <a:r>
-              <a:rPr lang="en-US" dirty="0" smtClean="0"/>
-              <a:t>job</a:t>
-            </a:r>
-            <a:r>
-              <a:rPr lang="en-US" dirty="0"/>
-              <a:t>::</a:t>
-            </a:r>
-            <a:r>
-              <a:rPr lang="en-US" dirty="0" smtClean="0"/>
-              <a:t>self </a:t>
-            </a:r>
-            <a:r>
-              <a:rPr lang="en-US" dirty="0"/>
-              <a:t>is the only SAGA object to which metrics can be </a:t>
-            </a:r>
-            <a:r>
-              <a:rPr lang="en-US" dirty="0" smtClean="0"/>
-              <a:t>added</a:t>
+              <a:t>(copy, move, delete</a:t>
+            </a:r>
+            <a:r>
+              <a:rPr lang="en-US" dirty="0" smtClean="0"/>
+              <a:t>, ...)</a:t>
             </a:r>
             <a:endParaRPr lang="en-US" dirty="0"/>
           </a:p>
@@ -14448,7 +14698,7 @@
     </p:spTree>
     <p:extLst>
       <p:ext uri="{BB962C8B-B14F-4D97-AF65-F5344CB8AC3E}">
-        <p14:creationId xmlns:p14="http://schemas.microsoft.com/office/powerpoint/2010/main" val="2409753581"/>
+        <p14:creationId xmlns:p14="http://schemas.microsoft.com/office/powerpoint/2010/main" val="3657352639"/>
       </p:ext>
     </p:extLst>
   </p:cSld>
@@ -14515,19 +14765,60 @@
           <a:p>
             <a:r>
               <a:rPr lang="en-US" dirty="0" smtClean="0"/>
-              <a:t>The Open Grid Forum (aka GF, EGF, GGF) standardizes distributed computing infrastructures/MW</a:t>
-            </a:r>
-          </a:p>
-          <a:p>
-            <a:r>
-              <a:rPr lang="en-US" dirty="0" smtClean="0"/>
-              <a:t>e.g. standardized job description language (JSDL) </a:t>
-            </a:r>
-          </a:p>
-          <a:p>
-            <a:r>
-              <a:rPr lang="en-US" dirty="0" smtClean="0"/>
-              <a:t>focuses on interfaces, but also protocols, architecture, APIs</a:t>
+              <a:t>The Open Grid Forum (aka GF, EGF, </a:t>
+            </a:r>
+            <a:r>
+              <a:rPr lang="en-US" dirty="0" smtClean="0"/>
+              <a:t>GGF, EGA) </a:t>
+            </a:r>
+            <a:r>
+              <a:rPr lang="en-US" dirty="0" smtClean="0"/>
+              <a:t>standardizes distributed computing infrastructures/MW</a:t>
+            </a:r>
+          </a:p>
+          <a:p>
+            <a:r>
+              <a:rPr lang="en-US" dirty="0" smtClean="0"/>
+              <a:t>e.g. </a:t>
+            </a:r>
+            <a:r>
+              <a:rPr lang="en-US" dirty="0" err="1" smtClean="0"/>
+              <a:t>gridFTP</a:t>
+            </a:r>
+            <a:r>
+              <a:rPr lang="en-US" dirty="0" smtClean="0"/>
+              <a:t>, JSDL, OCCI, …</a:t>
+            </a:r>
+            <a:endParaRPr lang="en-US" dirty="0" smtClean="0"/>
+          </a:p>
+          <a:p>
+            <a:r>
+              <a:rPr lang="en-US" dirty="0" smtClean="0"/>
+              <a:t>focuses on interfaces, but also protocols, </a:t>
+            </a:r>
+            <a:r>
+              <a:rPr lang="en-US" dirty="0" smtClean="0"/>
+              <a:t>architectures, APIs</a:t>
+            </a:r>
+          </a:p>
+          <a:p>
+            <a:r>
+              <a:rPr lang="en-US" dirty="0"/>
+              <a:t>d</a:t>
+            </a:r>
+            <a:r>
+              <a:rPr lang="en-US" dirty="0" smtClean="0"/>
+              <a:t>riven by academia, but some buy-in / acceptance in industry</a:t>
+            </a:r>
+          </a:p>
+          <a:p>
+            <a:r>
+              <a:rPr lang="en-US" dirty="0"/>
+              <a:t>c</a:t>
+            </a:r>
+            <a:r>
+              <a:rPr lang="en-US" dirty="0" smtClean="0"/>
+              <a:t>ooperation with SDOs like SNIA, DMTF, IETF, etc.</a:t>
             </a:r>
             <a:endParaRPr lang="en-US" dirty="0"/>
           </a:p>
@@ -14542,163 +14833,6 @@
 </file>
 
 <file path=ppt/slides/slide50.xml><?xml version="1.0" encoding="utf-8"?>
-<p:sld xmlns:a="http://schemas.openxmlformats.org/drawingml/2006/main" xmlns:r="http://schemas.openxmlformats.org/officeDocument/2006/relationships" xmlns:p="http://schemas.openxmlformats.org/presentationml/2006/main">
-  <p:cSld>
-    <p:spTree>
-      <p:nvGrpSpPr>
-        <p:cNvPr id="1" name=""/>
-        <p:cNvGrpSpPr/>
-        <p:nvPr/>
-      </p:nvGrpSpPr>
-      <p:grpSpPr>
-        <a:xfrm>
-          <a:off x="0" y="0"/>
-          <a:ext cx="0" cy="0"/>
-          <a:chOff x="0" y="0"/>
-          <a:chExt cx="0" cy="0"/>
-        </a:xfrm>
-      </p:grpSpPr>
-      <p:sp>
-        <p:nvSpPr>
-          <p:cNvPr id="2" name="Title 1"/>
-          <p:cNvSpPr>
-            <a:spLocks noGrp="1"/>
-          </p:cNvSpPr>
-          <p:nvPr>
-            <p:ph type="title"/>
-          </p:nvPr>
-        </p:nvSpPr>
-        <p:spPr/>
-        <p:txBody>
-          <a:bodyPr/>
-          <a:lstStyle/>
-          <a:p>
-            <a:r>
-              <a:rPr lang="en-US" dirty="0"/>
-              <a:t>SAGA </a:t>
-            </a:r>
-            <a:r>
-              <a:rPr lang="en-US" dirty="0" smtClean="0"/>
-              <a:t>Namespace Package</a:t>
-            </a:r>
-            <a:endParaRPr lang="en-US" dirty="0"/>
-          </a:p>
-        </p:txBody>
-      </p:sp>
-      <p:sp>
-        <p:nvSpPr>
-          <p:cNvPr id="3" name="Content Placeholder 2"/>
-          <p:cNvSpPr>
-            <a:spLocks noGrp="1"/>
-          </p:cNvSpPr>
-          <p:nvPr>
-            <p:ph idx="1"/>
-          </p:nvPr>
-        </p:nvSpPr>
-        <p:spPr>
-          <a:xfrm>
-            <a:off x="575067" y="2068618"/>
-            <a:ext cx="8155866" cy="4197711"/>
-          </a:xfrm>
-        </p:spPr>
-        <p:txBody>
-          <a:bodyPr numCol="1">
-            <a:noAutofit/>
-          </a:bodyPr>
-          <a:lstStyle/>
-          <a:p>
-            <a:pPr marL="285750" indent="-285750"/>
-            <a:r>
-              <a:rPr lang="en-US" dirty="0" smtClean="0"/>
-              <a:t>interfaces </a:t>
-            </a:r>
-            <a:r>
-              <a:rPr lang="en-US" dirty="0"/>
-              <a:t>for managing entities in name spaces</a:t>
-            </a:r>
-          </a:p>
-          <a:p>
-            <a:pPr marL="285750" indent="-285750"/>
-            <a:r>
-              <a:rPr lang="en-US" dirty="0" smtClean="0"/>
-              <a:t>files</a:t>
-            </a:r>
-            <a:r>
-              <a:rPr lang="en-US" dirty="0"/>
-              <a:t>, replicas, information, resources, </a:t>
-            </a:r>
-            <a:r>
-              <a:rPr lang="en-US" dirty="0" smtClean="0"/>
-              <a:t>steering parameter</a:t>
-            </a:r>
-            <a:r>
-              <a:rPr lang="en-US" dirty="0"/>
-              <a:t>, checkpoints, . . .</a:t>
-            </a:r>
-          </a:p>
-          <a:p>
-            <a:pPr marL="285750" indent="-285750"/>
-            <a:r>
-              <a:rPr lang="en-US" dirty="0" smtClean="0"/>
-              <a:t>manages </a:t>
-            </a:r>
-            <a:r>
-              <a:rPr lang="en-US" dirty="0"/>
-              <a:t>hierarchy (</a:t>
-            </a:r>
-            <a:r>
-              <a:rPr lang="en-US" dirty="0" err="1" smtClean="0"/>
-              <a:t>mkdir</a:t>
-            </a:r>
-            <a:r>
-              <a:rPr lang="en-US" dirty="0" smtClean="0"/>
-              <a:t>, cd, </a:t>
-            </a:r>
-            <a:r>
-              <a:rPr lang="en-US" dirty="0" err="1" smtClean="0"/>
-              <a:t>ls</a:t>
-            </a:r>
-            <a:r>
-              <a:rPr lang="en-US" dirty="0" smtClean="0"/>
-              <a:t>, </a:t>
-            </a:r>
-            <a:r>
-              <a:rPr lang="en-US" dirty="0"/>
-              <a:t>. . . )</a:t>
-            </a:r>
-          </a:p>
-          <a:p>
-            <a:pPr marL="285750" indent="-285750"/>
-            <a:r>
-              <a:rPr lang="en-US" dirty="0" smtClean="0"/>
-              <a:t>entries are assume opaque </a:t>
-            </a:r>
-            <a:r>
-              <a:rPr lang="en-US" dirty="0"/>
-              <a:t>(copy, move, delete</a:t>
-            </a:r>
-            <a:r>
-              <a:rPr lang="en-US" dirty="0" smtClean="0"/>
-              <a:t>, ...)</a:t>
-            </a:r>
-            <a:endParaRPr lang="en-US" dirty="0"/>
-          </a:p>
-        </p:txBody>
-      </p:sp>
-    </p:spTree>
-    <p:extLst>
-      <p:ext uri="{BB962C8B-B14F-4D97-AF65-F5344CB8AC3E}">
-        <p14:creationId xmlns:p14="http://schemas.microsoft.com/office/powerpoint/2010/main" val="3657352639"/>
-      </p:ext>
-    </p:extLst>
-  </p:cSld>
-  <p:clrMapOvr>
-    <a:masterClrMapping/>
-  </p:clrMapOvr>
-</p:sld>
-</file>
-
-<file path=ppt/slides/slide51.xml><?xml version="1.0" encoding="utf-8"?>
 <p:sld xmlns:a="http://schemas.openxmlformats.org/drawingml/2006/main" xmlns:r="http://schemas.openxmlformats.org/officeDocument/2006/relationships" xmlns:p="http://schemas.openxmlformats.org/presentationml/2006/main">
   <p:cSld>
     <p:spTree>
@@ -15316,6 +15450,301 @@
 </p:sld>
 </file>
 
+<file path=ppt/slides/slide51.xml><?xml version="1.0" encoding="utf-8"?>
+<p:sld xmlns:a="http://schemas.openxmlformats.org/drawingml/2006/main" xmlns:r="http://schemas.openxmlformats.org/officeDocument/2006/relationships" xmlns:p="http://schemas.openxmlformats.org/presentationml/2006/main">
+  <p:cSld>
+    <p:spTree>
+      <p:nvGrpSpPr>
+        <p:cNvPr id="1" name=""/>
+        <p:cNvGrpSpPr/>
+        <p:nvPr/>
+      </p:nvGrpSpPr>
+      <p:grpSpPr>
+        <a:xfrm>
+          <a:off x="0" y="0"/>
+          <a:ext cx="0" cy="0"/>
+          <a:chOff x="0" y="0"/>
+          <a:chExt cx="0" cy="0"/>
+        </a:xfrm>
+      </p:grpSpPr>
+      <p:sp>
+        <p:nvSpPr>
+          <p:cNvPr id="2" name="Title 1"/>
+          <p:cNvSpPr>
+            <a:spLocks noGrp="1"/>
+          </p:cNvSpPr>
+          <p:nvPr>
+            <p:ph type="title"/>
+          </p:nvPr>
+        </p:nvSpPr>
+        <p:spPr/>
+        <p:txBody>
+          <a:bodyPr/>
+          <a:lstStyle/>
+          <a:p>
+            <a:r>
+              <a:rPr lang="en-US" dirty="0"/>
+              <a:t>SAGA </a:t>
+            </a:r>
+            <a:r>
+              <a:rPr lang="en-US" dirty="0" smtClean="0"/>
+              <a:t>Namespace Package</a:t>
+            </a:r>
+            <a:endParaRPr lang="en-US" dirty="0"/>
+          </a:p>
+        </p:txBody>
+      </p:sp>
+      <p:sp>
+        <p:nvSpPr>
+          <p:cNvPr id="3" name="Content Placeholder 2"/>
+          <p:cNvSpPr>
+            <a:spLocks noGrp="1"/>
+          </p:cNvSpPr>
+          <p:nvPr>
+            <p:ph idx="1"/>
+          </p:nvPr>
+        </p:nvSpPr>
+        <p:spPr>
+          <a:xfrm>
+            <a:off x="575067" y="2068618"/>
+            <a:ext cx="8338746" cy="4197711"/>
+          </a:xfrm>
+        </p:spPr>
+        <p:txBody>
+          <a:bodyPr numCol="1">
+            <a:noAutofit/>
+          </a:bodyPr>
+          <a:lstStyle/>
+          <a:p>
+            <a:pPr marL="285750" indent="-285750"/>
+            <a:r>
+              <a:rPr lang="en-US" dirty="0"/>
+              <a:t>name space entries are opaque: the name </a:t>
+            </a:r>
+            <a:r>
+              <a:rPr lang="en-US" dirty="0" smtClean="0"/>
+              <a:t>space package </a:t>
+            </a:r>
+            <a:r>
+              <a:rPr lang="en-US" dirty="0"/>
+              <a:t>can never look inside</a:t>
+            </a:r>
+          </a:p>
+          <a:p>
+            <a:pPr marL="285750" indent="-285750"/>
+            <a:r>
+              <a:rPr lang="en-US" dirty="0" smtClean="0"/>
+              <a:t>directories </a:t>
+            </a:r>
+            <a:r>
+              <a:rPr lang="en-US" i="1" dirty="0"/>
+              <a:t>are </a:t>
+            </a:r>
+            <a:r>
+              <a:rPr lang="en-US" dirty="0"/>
+              <a:t>entries (inheritance)</a:t>
+            </a:r>
+          </a:p>
+          <a:p>
+            <a:pPr marL="285750" indent="-285750"/>
+            <a:r>
+              <a:rPr lang="en-US" dirty="0" smtClean="0"/>
+              <a:t>inspection: 	</a:t>
+            </a:r>
+            <a:r>
+              <a:rPr lang="en-US" dirty="0" err="1" smtClean="0">
+                <a:latin typeface="Consolas" pitchFamily="49" charset="0"/>
+                <a:cs typeface="Consolas" pitchFamily="49" charset="0"/>
+              </a:rPr>
+              <a:t>get_cwd</a:t>
+            </a:r>
+            <a:r>
+              <a:rPr lang="en-US" dirty="0" smtClean="0">
+                <a:latin typeface="Consolas" pitchFamily="49" charset="0"/>
+                <a:cs typeface="Consolas" pitchFamily="49" charset="0"/>
+              </a:rPr>
+              <a:t>(), </a:t>
+            </a:r>
+            <a:r>
+              <a:rPr lang="en-US" dirty="0" err="1" smtClean="0">
+                <a:latin typeface="Consolas" pitchFamily="49" charset="0"/>
+                <a:cs typeface="Consolas" pitchFamily="49" charset="0"/>
+              </a:rPr>
+              <a:t>get_url</a:t>
+            </a:r>
+            <a:r>
+              <a:rPr lang="en-US" dirty="0" smtClean="0">
+                <a:latin typeface="Consolas" pitchFamily="49" charset="0"/>
+                <a:cs typeface="Consolas" pitchFamily="49" charset="0"/>
+              </a:rPr>
+              <a:t>(), </a:t>
+            </a:r>
+            <a:r>
+              <a:rPr lang="en-US" dirty="0" err="1" smtClean="0">
+                <a:latin typeface="Consolas" pitchFamily="49" charset="0"/>
+                <a:cs typeface="Consolas" pitchFamily="49" charset="0"/>
+              </a:rPr>
+              <a:t>get_name</a:t>
+            </a:r>
+            <a:r>
+              <a:rPr lang="en-US" dirty="0" smtClean="0">
+                <a:latin typeface="Consolas" pitchFamily="49" charset="0"/>
+                <a:cs typeface="Consolas" pitchFamily="49" charset="0"/>
+              </a:rPr>
+              <a:t>(), exists(), 		</a:t>
+            </a:r>
+            <a:r>
+              <a:rPr lang="en-US" dirty="0" err="1" smtClean="0">
+                <a:latin typeface="Consolas" pitchFamily="49" charset="0"/>
+                <a:cs typeface="Consolas" pitchFamily="49" charset="0"/>
+              </a:rPr>
+              <a:t>is_entry</a:t>
+            </a:r>
+            <a:r>
+              <a:rPr lang="en-US" dirty="0" smtClean="0">
+                <a:latin typeface="Consolas" pitchFamily="49" charset="0"/>
+                <a:cs typeface="Consolas" pitchFamily="49" charset="0"/>
+              </a:rPr>
+              <a:t>(), </a:t>
+            </a:r>
+            <a:r>
+              <a:rPr lang="en-US" dirty="0" err="1" smtClean="0">
+                <a:latin typeface="Consolas" pitchFamily="49" charset="0"/>
+                <a:cs typeface="Consolas" pitchFamily="49" charset="0"/>
+              </a:rPr>
+              <a:t>is_dir</a:t>
+            </a:r>
+            <a:r>
+              <a:rPr lang="en-US" dirty="0" smtClean="0">
+                <a:latin typeface="Consolas" pitchFamily="49" charset="0"/>
+                <a:cs typeface="Consolas" pitchFamily="49" charset="0"/>
+              </a:rPr>
+              <a:t>(), </a:t>
+            </a:r>
+            <a:r>
+              <a:rPr lang="en-US" dirty="0" err="1" smtClean="0">
+                <a:latin typeface="Consolas" pitchFamily="49" charset="0"/>
+                <a:cs typeface="Consolas" pitchFamily="49" charset="0"/>
+              </a:rPr>
+              <a:t>is_link</a:t>
+            </a:r>
+            <a:r>
+              <a:rPr lang="en-US" dirty="0" smtClean="0">
+                <a:latin typeface="Consolas" pitchFamily="49" charset="0"/>
+                <a:cs typeface="Consolas" pitchFamily="49" charset="0"/>
+              </a:rPr>
+              <a:t>(), </a:t>
+            </a:r>
+            <a:r>
+              <a:rPr lang="en-US" dirty="0" err="1" smtClean="0">
+                <a:latin typeface="Consolas" pitchFamily="49" charset="0"/>
+                <a:cs typeface="Consolas" pitchFamily="49" charset="0"/>
+              </a:rPr>
+              <a:t>read_link</a:t>
+            </a:r>
+            <a:r>
+              <a:rPr lang="en-US" dirty="0" smtClean="0">
+                <a:latin typeface="Consolas" pitchFamily="49" charset="0"/>
+                <a:cs typeface="Consolas" pitchFamily="49" charset="0"/>
+              </a:rPr>
+              <a:t>()</a:t>
+            </a:r>
+            <a:endParaRPr lang="en-US" dirty="0">
+              <a:latin typeface="Consolas" pitchFamily="49" charset="0"/>
+              <a:cs typeface="Consolas" pitchFamily="49" charset="0"/>
+            </a:endParaRPr>
+          </a:p>
+          <a:p>
+            <a:pPr marL="285750" indent="-285750"/>
+            <a:r>
+              <a:rPr lang="en-US" dirty="0" smtClean="0"/>
+              <a:t>manipulation: </a:t>
+            </a:r>
+            <a:r>
+              <a:rPr lang="en-US" dirty="0" smtClean="0">
+                <a:latin typeface="Consolas" pitchFamily="49" charset="0"/>
+                <a:cs typeface="Consolas" pitchFamily="49" charset="0"/>
+              </a:rPr>
+              <a:t>create(), copy(), link(), move(), remove()</a:t>
+            </a:r>
+            <a:endParaRPr lang="en-US" dirty="0">
+              <a:latin typeface="Consolas" pitchFamily="49" charset="0"/>
+              <a:cs typeface="Consolas" pitchFamily="49" charset="0"/>
+            </a:endParaRPr>
+          </a:p>
+          <a:p>
+            <a:pPr marL="285750" indent="-285750"/>
+            <a:r>
+              <a:rPr lang="en-US" dirty="0" smtClean="0"/>
+              <a:t>permissions: </a:t>
+            </a:r>
+            <a:r>
+              <a:rPr lang="en-US" dirty="0" err="1" smtClean="0">
+                <a:latin typeface="Consolas" pitchFamily="49" charset="0"/>
+                <a:cs typeface="Consolas" pitchFamily="49" charset="0"/>
+              </a:rPr>
+              <a:t>permissions_allow</a:t>
+            </a:r>
+            <a:r>
+              <a:rPr lang="en-US" dirty="0" smtClean="0">
+                <a:latin typeface="Consolas" pitchFamily="49" charset="0"/>
+                <a:cs typeface="Consolas" pitchFamily="49" charset="0"/>
+              </a:rPr>
+              <a:t>(), </a:t>
+            </a:r>
+            <a:r>
+              <a:rPr lang="en-US" dirty="0" err="1" smtClean="0">
+                <a:latin typeface="Consolas" pitchFamily="49" charset="0"/>
+                <a:cs typeface="Consolas" pitchFamily="49" charset="0"/>
+              </a:rPr>
+              <a:t>permissions_deny</a:t>
+            </a:r>
+            <a:r>
+              <a:rPr lang="en-US" dirty="0" smtClean="0">
+                <a:latin typeface="Consolas" pitchFamily="49" charset="0"/>
+                <a:cs typeface="Consolas" pitchFamily="49" charset="0"/>
+              </a:rPr>
+              <a:t>()</a:t>
+            </a:r>
+            <a:endParaRPr lang="en-US" dirty="0">
+              <a:latin typeface="Consolas" pitchFamily="49" charset="0"/>
+              <a:cs typeface="Consolas" pitchFamily="49" charset="0"/>
+            </a:endParaRPr>
+          </a:p>
+          <a:p>
+            <a:pPr marL="285750" indent="-285750"/>
+            <a:r>
+              <a:rPr lang="en-US" dirty="0" smtClean="0"/>
+              <a:t>wildcards </a:t>
+            </a:r>
+            <a:r>
+              <a:rPr lang="en-US" dirty="0"/>
+              <a:t>are supported </a:t>
+            </a:r>
+            <a:r>
+              <a:rPr lang="en-US" dirty="0" smtClean="0"/>
+              <a:t>(POSIX influence</a:t>
+            </a:r>
+            <a:r>
+              <a:rPr lang="en-US" dirty="0"/>
+              <a:t>...)</a:t>
+            </a:r>
+          </a:p>
+        </p:txBody>
+      </p:sp>
+    </p:spTree>
+    <p:extLst>
+      <p:ext uri="{BB962C8B-B14F-4D97-AF65-F5344CB8AC3E}">
+        <p14:creationId xmlns:p14="http://schemas.microsoft.com/office/powerpoint/2010/main" val="3427845436"/>
+      </p:ext>
+    </p:extLst>
+  </p:cSld>
+  <p:clrMapOvr>
+    <a:masterClrMapping/>
+  </p:clrMapOvr>
+</p:sld>
+</file>
+
 <file path=ppt/slides/slide52.xml><?xml version="1.0" encoding="utf-8"?>
 <p:sld xmlns:a="http://schemas.openxmlformats.org/drawingml/2006/main" xmlns:r="http://schemas.openxmlformats.org/officeDocument/2006/relationships" xmlns:p="http://schemas.openxmlformats.org/presentationml/2006/main">
   <p:cSld>
@@ -15353,301 +15782,6 @@
               <a:t>SAGA </a:t>
             </a:r>
             <a:r>
-              <a:rPr lang="en-US" dirty="0" smtClean="0"/>
-              <a:t>Namespace Package</a:t>
-            </a:r>
-            <a:endParaRPr lang="en-US" dirty="0"/>
-          </a:p>
-        </p:txBody>
-      </p:sp>
-      <p:sp>
-        <p:nvSpPr>
-          <p:cNvPr id="3" name="Content Placeholder 2"/>
-          <p:cNvSpPr>
-            <a:spLocks noGrp="1"/>
-          </p:cNvSpPr>
-          <p:nvPr>
-            <p:ph idx="1"/>
-          </p:nvPr>
-        </p:nvSpPr>
-        <p:spPr>
-          <a:xfrm>
-            <a:off x="575067" y="2068618"/>
-            <a:ext cx="8338746" cy="4197711"/>
-          </a:xfrm>
-        </p:spPr>
-        <p:txBody>
-          <a:bodyPr numCol="1">
-            <a:noAutofit/>
-          </a:bodyPr>
-          <a:lstStyle/>
-          <a:p>
-            <a:pPr marL="285750" indent="-285750"/>
-            <a:r>
-              <a:rPr lang="en-US" dirty="0"/>
-              <a:t>name space entries are opaque: the name </a:t>
-            </a:r>
-            <a:r>
-              <a:rPr lang="en-US" dirty="0" smtClean="0"/>
-              <a:t>space package </a:t>
-            </a:r>
-            <a:r>
-              <a:rPr lang="en-US" dirty="0"/>
-              <a:t>can never look inside</a:t>
-            </a:r>
-          </a:p>
-          <a:p>
-            <a:pPr marL="285750" indent="-285750"/>
-            <a:r>
-              <a:rPr lang="en-US" dirty="0" smtClean="0"/>
-              <a:t>directories </a:t>
-            </a:r>
-            <a:r>
-              <a:rPr lang="en-US" i="1" dirty="0"/>
-              <a:t>are </a:t>
-            </a:r>
-            <a:r>
-              <a:rPr lang="en-US" dirty="0"/>
-              <a:t>entries (inheritance)</a:t>
-            </a:r>
-          </a:p>
-          <a:p>
-            <a:pPr marL="285750" indent="-285750"/>
-            <a:r>
-              <a:rPr lang="en-US" dirty="0" smtClean="0"/>
-              <a:t>inspection: 	</a:t>
-            </a:r>
-            <a:r>
-              <a:rPr lang="en-US" dirty="0" err="1" smtClean="0">
-                <a:latin typeface="Consolas" pitchFamily="49" charset="0"/>
-                <a:cs typeface="Consolas" pitchFamily="49" charset="0"/>
-              </a:rPr>
-              <a:t>get_cwd</a:t>
-            </a:r>
-            <a:r>
-              <a:rPr lang="en-US" dirty="0" smtClean="0">
-                <a:latin typeface="Consolas" pitchFamily="49" charset="0"/>
-                <a:cs typeface="Consolas" pitchFamily="49" charset="0"/>
-              </a:rPr>
-              <a:t>(), </a:t>
-            </a:r>
-            <a:r>
-              <a:rPr lang="en-US" dirty="0" err="1" smtClean="0">
-                <a:latin typeface="Consolas" pitchFamily="49" charset="0"/>
-                <a:cs typeface="Consolas" pitchFamily="49" charset="0"/>
-              </a:rPr>
-              <a:t>get_url</a:t>
-            </a:r>
-            <a:r>
-              <a:rPr lang="en-US" dirty="0" smtClean="0">
-                <a:latin typeface="Consolas" pitchFamily="49" charset="0"/>
-                <a:cs typeface="Consolas" pitchFamily="49" charset="0"/>
-              </a:rPr>
-              <a:t>(), </a:t>
-            </a:r>
-            <a:r>
-              <a:rPr lang="en-US" dirty="0" err="1" smtClean="0">
-                <a:latin typeface="Consolas" pitchFamily="49" charset="0"/>
-                <a:cs typeface="Consolas" pitchFamily="49" charset="0"/>
-              </a:rPr>
-              <a:t>get_name</a:t>
-            </a:r>
-            <a:r>
-              <a:rPr lang="en-US" dirty="0" smtClean="0">
-                <a:latin typeface="Consolas" pitchFamily="49" charset="0"/>
-                <a:cs typeface="Consolas" pitchFamily="49" charset="0"/>
-              </a:rPr>
-              <a:t>(), exists(), 		</a:t>
-            </a:r>
-            <a:r>
-              <a:rPr lang="en-US" dirty="0" err="1" smtClean="0">
-                <a:latin typeface="Consolas" pitchFamily="49" charset="0"/>
-                <a:cs typeface="Consolas" pitchFamily="49" charset="0"/>
-              </a:rPr>
-              <a:t>is_entry</a:t>
-            </a:r>
-            <a:r>
-              <a:rPr lang="en-US" dirty="0" smtClean="0">
-                <a:latin typeface="Consolas" pitchFamily="49" charset="0"/>
-                <a:cs typeface="Consolas" pitchFamily="49" charset="0"/>
-              </a:rPr>
-              <a:t>(), </a:t>
-            </a:r>
-            <a:r>
-              <a:rPr lang="en-US" dirty="0" err="1" smtClean="0">
-                <a:latin typeface="Consolas" pitchFamily="49" charset="0"/>
-                <a:cs typeface="Consolas" pitchFamily="49" charset="0"/>
-              </a:rPr>
-              <a:t>is_dir</a:t>
-            </a:r>
-            <a:r>
-              <a:rPr lang="en-US" dirty="0" smtClean="0">
-                <a:latin typeface="Consolas" pitchFamily="49" charset="0"/>
-                <a:cs typeface="Consolas" pitchFamily="49" charset="0"/>
-              </a:rPr>
-              <a:t>(), </a:t>
-            </a:r>
-            <a:r>
-              <a:rPr lang="en-US" dirty="0" err="1" smtClean="0">
-                <a:latin typeface="Consolas" pitchFamily="49" charset="0"/>
-                <a:cs typeface="Consolas" pitchFamily="49" charset="0"/>
-              </a:rPr>
-              <a:t>is_link</a:t>
-            </a:r>
-            <a:r>
-              <a:rPr lang="en-US" dirty="0" smtClean="0">
-                <a:latin typeface="Consolas" pitchFamily="49" charset="0"/>
-                <a:cs typeface="Consolas" pitchFamily="49" charset="0"/>
-              </a:rPr>
-              <a:t>(), </a:t>
-            </a:r>
-            <a:r>
-              <a:rPr lang="en-US" dirty="0" err="1" smtClean="0">
-                <a:latin typeface="Consolas" pitchFamily="49" charset="0"/>
-                <a:cs typeface="Consolas" pitchFamily="49" charset="0"/>
-              </a:rPr>
-              <a:t>read_link</a:t>
-            </a:r>
-            <a:r>
-              <a:rPr lang="en-US" dirty="0" smtClean="0">
-                <a:latin typeface="Consolas" pitchFamily="49" charset="0"/>
-                <a:cs typeface="Consolas" pitchFamily="49" charset="0"/>
-              </a:rPr>
-              <a:t>()</a:t>
-            </a:r>
-            <a:endParaRPr lang="en-US" dirty="0">
-              <a:latin typeface="Consolas" pitchFamily="49" charset="0"/>
-              <a:cs typeface="Consolas" pitchFamily="49" charset="0"/>
-            </a:endParaRPr>
-          </a:p>
-          <a:p>
-            <a:pPr marL="285750" indent="-285750"/>
-            <a:r>
-              <a:rPr lang="en-US" dirty="0" smtClean="0"/>
-              <a:t>manipulation: </a:t>
-            </a:r>
-            <a:r>
-              <a:rPr lang="en-US" dirty="0" smtClean="0">
-                <a:latin typeface="Consolas" pitchFamily="49" charset="0"/>
-                <a:cs typeface="Consolas" pitchFamily="49" charset="0"/>
-              </a:rPr>
-              <a:t>create(), copy(), link(), move(), remove()</a:t>
-            </a:r>
-            <a:endParaRPr lang="en-US" dirty="0">
-              <a:latin typeface="Consolas" pitchFamily="49" charset="0"/>
-              <a:cs typeface="Consolas" pitchFamily="49" charset="0"/>
-            </a:endParaRPr>
-          </a:p>
-          <a:p>
-            <a:pPr marL="285750" indent="-285750"/>
-            <a:r>
-              <a:rPr lang="en-US" dirty="0" smtClean="0"/>
-              <a:t>permissions: </a:t>
-            </a:r>
-            <a:r>
-              <a:rPr lang="en-US" dirty="0" err="1" smtClean="0">
-                <a:latin typeface="Consolas" pitchFamily="49" charset="0"/>
-                <a:cs typeface="Consolas" pitchFamily="49" charset="0"/>
-              </a:rPr>
-              <a:t>permissions_allow</a:t>
-            </a:r>
-            <a:r>
-              <a:rPr lang="en-US" dirty="0" smtClean="0">
-                <a:latin typeface="Consolas" pitchFamily="49" charset="0"/>
-                <a:cs typeface="Consolas" pitchFamily="49" charset="0"/>
-              </a:rPr>
-              <a:t>(), </a:t>
-            </a:r>
-            <a:r>
-              <a:rPr lang="en-US" dirty="0" err="1" smtClean="0">
-                <a:latin typeface="Consolas" pitchFamily="49" charset="0"/>
-                <a:cs typeface="Consolas" pitchFamily="49" charset="0"/>
-              </a:rPr>
-              <a:t>permissions_deny</a:t>
-            </a:r>
-            <a:r>
-              <a:rPr lang="en-US" dirty="0" smtClean="0">
-                <a:latin typeface="Consolas" pitchFamily="49" charset="0"/>
-                <a:cs typeface="Consolas" pitchFamily="49" charset="0"/>
-              </a:rPr>
-              <a:t>()</a:t>
-            </a:r>
-            <a:endParaRPr lang="en-US" dirty="0">
-              <a:latin typeface="Consolas" pitchFamily="49" charset="0"/>
-              <a:cs typeface="Consolas" pitchFamily="49" charset="0"/>
-            </a:endParaRPr>
-          </a:p>
-          <a:p>
-            <a:pPr marL="285750" indent="-285750"/>
-            <a:r>
-              <a:rPr lang="en-US" dirty="0" smtClean="0"/>
-              <a:t>wildcards </a:t>
-            </a:r>
-            <a:r>
-              <a:rPr lang="en-US" dirty="0"/>
-              <a:t>are supported </a:t>
-            </a:r>
-            <a:r>
-              <a:rPr lang="en-US" dirty="0" smtClean="0"/>
-              <a:t>(POSIX influence</a:t>
-            </a:r>
-            <a:r>
-              <a:rPr lang="en-US" dirty="0"/>
-              <a:t>...)</a:t>
-            </a:r>
-          </a:p>
-        </p:txBody>
-      </p:sp>
-    </p:spTree>
-    <p:extLst>
-      <p:ext uri="{BB962C8B-B14F-4D97-AF65-F5344CB8AC3E}">
-        <p14:creationId xmlns:p14="http://schemas.microsoft.com/office/powerpoint/2010/main" val="3427845436"/>
-      </p:ext>
-    </p:extLst>
-  </p:cSld>
-  <p:clrMapOvr>
-    <a:masterClrMapping/>
-  </p:clrMapOvr>
-</p:sld>
-</file>
-
-<file path=ppt/slides/slide53.xml><?xml version="1.0" encoding="utf-8"?>
-<p:sld xmlns:a="http://schemas.openxmlformats.org/drawingml/2006/main" xmlns:r="http://schemas.openxmlformats.org/officeDocument/2006/relationships" xmlns:p="http://schemas.openxmlformats.org/presentationml/2006/main">
-  <p:cSld>
-    <p:spTree>
-      <p:nvGrpSpPr>
-        <p:cNvPr id="1" name=""/>
-        <p:cNvGrpSpPr/>
-        <p:nvPr/>
-      </p:nvGrpSpPr>
-      <p:grpSpPr>
-        <a:xfrm>
-          <a:off x="0" y="0"/>
-          <a:ext cx="0" cy="0"/>
-          <a:chOff x="0" y="0"/>
-          <a:chExt cx="0" cy="0"/>
-        </a:xfrm>
-      </p:grpSpPr>
-      <p:sp>
-        <p:nvSpPr>
-          <p:cNvPr id="2" name="Title 1"/>
-          <p:cNvSpPr>
-            <a:spLocks noGrp="1"/>
-          </p:cNvSpPr>
-          <p:nvPr>
-            <p:ph type="title"/>
-          </p:nvPr>
-        </p:nvSpPr>
-        <p:spPr/>
-        <p:txBody>
-          <a:bodyPr/>
-          <a:lstStyle/>
-          <a:p>
-            <a:r>
-              <a:rPr lang="en-US" dirty="0"/>
-              <a:t>SAGA </a:t>
-            </a:r>
-            <a:r>
               <a:rPr lang="en-US" dirty="0" err="1"/>
               <a:t>Filesystem</a:t>
             </a:r>
@@ -15807,7 +15941,7 @@
 </p:sld>
 </file>
 
-<file path=ppt/slides/slide54.xml><?xml version="1.0" encoding="utf-8"?>
+<file path=ppt/slides/slide53.xml><?xml version="1.0" encoding="utf-8"?>
 <p:sld xmlns:a="http://schemas.openxmlformats.org/drawingml/2006/main" xmlns:r="http://schemas.openxmlformats.org/officeDocument/2006/relationships" xmlns:p="http://schemas.openxmlformats.org/presentationml/2006/main">
   <p:cSld>
     <p:spTree>
@@ -16437,7 +16571,7 @@
 </p:sld>
 </file>
 
-<file path=ppt/slides/slide55.xml><?xml version="1.0" encoding="utf-8"?>
+<file path=ppt/slides/slide54.xml><?xml version="1.0" encoding="utf-8"?>
 <p:sld xmlns:a="http://schemas.openxmlformats.org/drawingml/2006/main" xmlns:r="http://schemas.openxmlformats.org/officeDocument/2006/relationships" xmlns:p="http://schemas.openxmlformats.org/presentationml/2006/main">
   <p:cSld>
     <p:spTree>
@@ -16609,7 +16743,7 @@
 </p:sld>
 </file>
 
-<file path=ppt/slides/slide56.xml><?xml version="1.0" encoding="utf-8"?>
+<file path=ppt/slides/slide55.xml><?xml version="1.0" encoding="utf-8"?>
 <p:sld xmlns:a="http://schemas.openxmlformats.org/drawingml/2006/main" xmlns:r="http://schemas.openxmlformats.org/officeDocument/2006/relationships" xmlns:p="http://schemas.openxmlformats.org/presentationml/2006/main">
   <p:cSld>
     <p:spTree>
@@ -17053,7 +17187,7 @@
 </p:sld>
 </file>
 
-<file path=ppt/slides/slide57.xml><?xml version="1.0" encoding="utf-8"?>
+<file path=ppt/slides/slide56.xml><?xml version="1.0" encoding="utf-8"?>
 <p:sld xmlns:a="http://schemas.openxmlformats.org/drawingml/2006/main" xmlns:r="http://schemas.openxmlformats.org/officeDocument/2006/relationships" xmlns:p="http://schemas.openxmlformats.org/presentationml/2006/main">
   <p:cSld>
     <p:spTree>
@@ -17178,7 +17312,7 @@
 </p:sld>
 </file>
 
-<file path=ppt/slides/slide58.xml><?xml version="1.0" encoding="utf-8"?>
+<file path=ppt/slides/slide57.xml><?xml version="1.0" encoding="utf-8"?>
 <p:sld xmlns:a="http://schemas.openxmlformats.org/drawingml/2006/main" xmlns:r="http://schemas.openxmlformats.org/officeDocument/2006/relationships" xmlns:p="http://schemas.openxmlformats.org/presentationml/2006/main">
   <p:cSld>
     <p:spTree>
@@ -17856,7 +17990,7 @@
 </p:sld>
 </file>
 
-<file path=ppt/slides/slide59.xml><?xml version="1.0" encoding="utf-8"?>
+<file path=ppt/slides/slide58.xml><?xml version="1.0" encoding="utf-8"?>
 <p:sld xmlns:a="http://schemas.openxmlformats.org/drawingml/2006/main" xmlns:r="http://schemas.openxmlformats.org/officeDocument/2006/relationships" xmlns:p="http://schemas.openxmlformats.org/presentationml/2006/main">
   <p:cSld>
     <p:spTree>
@@ -18255,6 +18389,82 @@
 </p:sld>
 </file>
 
+<file path=ppt/slides/slide59.xml><?xml version="1.0" encoding="utf-8"?>
+<p:sld xmlns:a="http://schemas.openxmlformats.org/drawingml/2006/main" xmlns:r="http://schemas.openxmlformats.org/officeDocument/2006/relationships" xmlns:p="http://schemas.openxmlformats.org/presentationml/2006/main">
+  <p:cSld>
+    <p:spTree>
+      <p:nvGrpSpPr>
+        <p:cNvPr id="1" name=""/>
+        <p:cNvGrpSpPr/>
+        <p:nvPr/>
+      </p:nvGrpSpPr>
+      <p:grpSpPr>
+        <a:xfrm>
+          <a:off x="0" y="0"/>
+          <a:ext cx="0" cy="0"/>
+          <a:chOff x="0" y="0"/>
+          <a:chExt cx="0" cy="0"/>
+        </a:xfrm>
+      </p:grpSpPr>
+      <p:sp>
+        <p:nvSpPr>
+          <p:cNvPr id="2" name="Title 1"/>
+          <p:cNvSpPr>
+            <a:spLocks noGrp="1"/>
+          </p:cNvSpPr>
+          <p:nvPr>
+            <p:ph type="title"/>
+          </p:nvPr>
+        </p:nvSpPr>
+        <p:spPr/>
+        <p:txBody>
+          <a:bodyPr/>
+          <a:lstStyle/>
+          <a:p>
+            <a:r>
+              <a:rPr lang="en-US" dirty="0" smtClean="0"/>
+              <a:t>SAGA: Class hierarchy</a:t>
+            </a:r>
+            <a:endParaRPr lang="en-US" dirty="0"/>
+          </a:p>
+        </p:txBody>
+      </p:sp>
+      <p:sp>
+        <p:nvSpPr>
+          <p:cNvPr id="4" name="Text Placeholder 3"/>
+          <p:cNvSpPr>
+            <a:spLocks noGrp="1"/>
+          </p:cNvSpPr>
+          <p:nvPr>
+            <p:ph type="body" idx="1"/>
+          </p:nvPr>
+        </p:nvSpPr>
+        <p:spPr/>
+        <p:txBody>
+          <a:bodyPr/>
+          <a:lstStyle/>
+          <a:p>
+            <a:r>
+              <a:rPr lang="en-US" dirty="0" smtClean="0"/>
+              <a:t>Look &amp; Feel Packages</a:t>
+            </a:r>
+            <a:endParaRPr lang="en-US" dirty="0"/>
+          </a:p>
+        </p:txBody>
+      </p:sp>
+    </p:spTree>
+    <p:extLst>
+      <p:ext uri="{BB962C8B-B14F-4D97-AF65-F5344CB8AC3E}">
+        <p14:creationId xmlns:p14="http://schemas.microsoft.com/office/powerpoint/2010/main" val="379548810"/>
+      </p:ext>
+    </p:extLst>
+  </p:cSld>
+  <p:clrMapOvr>
+    <a:masterClrMapping/>
+  </p:clrMapOvr>
+</p:sld>
+</file>
+
 <file path=ppt/slides/slide6.xml><?xml version="1.0" encoding="utf-8"?>
 <p:sld xmlns:a="http://schemas.openxmlformats.org/drawingml/2006/main" xmlns:r="http://schemas.openxmlformats.org/officeDocument/2006/relationships" xmlns:p="http://schemas.openxmlformats.org/presentationml/2006/main">
   <p:cSld>
@@ -18305,9 +18515,16 @@
             <p:ph idx="1"/>
           </p:nvPr>
         </p:nvSpPr>
-        <p:spPr/>
+        <p:spPr>
+          <a:xfrm>
+            <a:off x="772316" y="2068618"/>
+            <a:ext cx="7966954" cy="4197711"/>
+          </a:xfrm>
+        </p:spPr>
         <p:txBody>
-          <a:bodyPr/>
+          <a:bodyPr>
+            <a:normAutofit/>
+          </a:bodyPr>
           <a:lstStyle/>
           <a:p>
             <a:r>
@@ -18318,7 +18535,29 @@
           <a:p>
             <a:r>
               <a:rPr lang="en-US" dirty="0" smtClean="0"/>
-              <a:t>some effort on higher level APIs </a:t>
+              <a:t>numerous service interfaces</a:t>
+            </a:r>
+          </a:p>
+          <a:p>
+            <a:pPr lvl="1"/>
+            <a:r>
+              <a:rPr lang="en-US" dirty="0" smtClean="0"/>
+              <a:t>often WS-based, but also REST</a:t>
+            </a:r>
+            <a:r>
+              <a:rPr lang="en-US" smtClean="0"/>
+              <a:t>, others</a:t>
+            </a:r>
+            <a:endParaRPr lang="en-US" dirty="0" smtClean="0"/>
+          </a:p>
+          <a:p>
+            <a:r>
+              <a:rPr lang="en-US" dirty="0" smtClean="0"/>
+              <a:t>some </a:t>
+            </a:r>
+            <a:r>
+              <a:rPr lang="en-US" dirty="0" smtClean="0"/>
+              <a:t>effort on higher level APIs </a:t>
             </a:r>
           </a:p>
           <a:p>
@@ -18362,15 +18601,17 @@
             <a:pPr lvl="1"/>
             <a:r>
               <a:rPr lang="en-US" dirty="0" smtClean="0"/>
-              <a:t>Job Submission and Description Language (JSDL) </a:t>
-            </a:r>
-          </a:p>
-          <a:p>
-            <a:r>
-              <a:rPr lang="en-US" dirty="0" smtClean="0"/>
-              <a:t>numerous ser vice interfaces, often WS-based (WSRF) </a:t>
-            </a:r>
-            <a:endParaRPr lang="en-US" dirty="0"/>
+              <a:t>[ Job </a:t>
+            </a:r>
+            <a:r>
+              <a:rPr lang="en-US" dirty="0" smtClean="0"/>
+              <a:t>Submission and Description Language (JSDL</a:t>
+            </a:r>
+            <a:r>
+              <a:rPr lang="en-US" dirty="0" smtClean="0"/>
+              <a:t>) ] </a:t>
+            </a:r>
+            <a:endParaRPr lang="en-US" dirty="0" smtClean="0"/>
           </a:p>
         </p:txBody>
       </p:sp>
@@ -18383,82 +18624,6 @@
 </file>
 
 <file path=ppt/slides/slide60.xml><?xml version="1.0" encoding="utf-8"?>
-<p:sld xmlns:a="http://schemas.openxmlformats.org/drawingml/2006/main" xmlns:r="http://schemas.openxmlformats.org/officeDocument/2006/relationships" xmlns:p="http://schemas.openxmlformats.org/presentationml/2006/main">
-  <p:cSld>
-    <p:spTree>
-      <p:nvGrpSpPr>
-        <p:cNvPr id="1" name=""/>
-        <p:cNvGrpSpPr/>
-        <p:nvPr/>
-      </p:nvGrpSpPr>
-      <p:grpSpPr>
-        <a:xfrm>
-          <a:off x="0" y="0"/>
-          <a:ext cx="0" cy="0"/>
-          <a:chOff x="0" y="0"/>
-          <a:chExt cx="0" cy="0"/>
-        </a:xfrm>
-      </p:grpSpPr>
-      <p:sp>
-        <p:nvSpPr>
-          <p:cNvPr id="2" name="Title 1"/>
-          <p:cNvSpPr>
-            <a:spLocks noGrp="1"/>
-          </p:cNvSpPr>
-          <p:nvPr>
-            <p:ph type="title"/>
-          </p:nvPr>
-        </p:nvSpPr>
-        <p:spPr/>
-        <p:txBody>
-          <a:bodyPr/>
-          <a:lstStyle/>
-          <a:p>
-            <a:r>
-              <a:rPr lang="en-US" dirty="0" smtClean="0"/>
-              <a:t>SAGA: Class hierarchy</a:t>
-            </a:r>
-            <a:endParaRPr lang="en-US" dirty="0"/>
-          </a:p>
-        </p:txBody>
-      </p:sp>
-      <p:sp>
-        <p:nvSpPr>
-          <p:cNvPr id="4" name="Text Placeholder 3"/>
-          <p:cNvSpPr>
-            <a:spLocks noGrp="1"/>
-          </p:cNvSpPr>
-          <p:nvPr>
-            <p:ph type="body" idx="1"/>
-          </p:nvPr>
-        </p:nvSpPr>
-        <p:spPr/>
-        <p:txBody>
-          <a:bodyPr/>
-          <a:lstStyle/>
-          <a:p>
-            <a:r>
-              <a:rPr lang="en-US" dirty="0" smtClean="0"/>
-              <a:t>Look &amp; Feel Packages</a:t>
-            </a:r>
-            <a:endParaRPr lang="en-US" dirty="0"/>
-          </a:p>
-        </p:txBody>
-      </p:sp>
-    </p:spTree>
-    <p:extLst>
-      <p:ext uri="{BB962C8B-B14F-4D97-AF65-F5344CB8AC3E}">
-        <p14:creationId xmlns:p14="http://schemas.microsoft.com/office/powerpoint/2010/main" val="379548810"/>
-      </p:ext>
-    </p:extLst>
-  </p:cSld>
-  <p:clrMapOvr>
-    <a:masterClrMapping/>
-  </p:clrMapOvr>
-</p:sld>
-</file>
-
-<file path=ppt/slides/slide61.xml><?xml version="1.0" encoding="utf-8"?>
 <p:sld xmlns:a="http://schemas.openxmlformats.org/drawingml/2006/main" xmlns:r="http://schemas.openxmlformats.org/officeDocument/2006/relationships" xmlns:p="http://schemas.openxmlformats.org/presentationml/2006/main">
   <p:cSld>
     <p:spTree>
@@ -19041,7 +19206,7 @@
 </p:sld>
 </file>
 
-<file path=ppt/slides/slide62.xml><?xml version="1.0" encoding="utf-8"?>
+<file path=ppt/slides/slide61.xml><?xml version="1.0" encoding="utf-8"?>
 <p:sld xmlns:a="http://schemas.openxmlformats.org/drawingml/2006/main" xmlns:r="http://schemas.openxmlformats.org/officeDocument/2006/relationships" xmlns:p="http://schemas.openxmlformats.org/presentationml/2006/main">
   <p:cSld>
     <p:spTree>
@@ -19398,7 +19563,7 @@
 </p:sld>
 </file>
 
-<file path=ppt/slides/slide63.xml><?xml version="1.0" encoding="utf-8"?>
+<file path=ppt/slides/slide62.xml><?xml version="1.0" encoding="utf-8"?>
 <p:sld xmlns:a="http://schemas.openxmlformats.org/drawingml/2006/main" xmlns:r="http://schemas.openxmlformats.org/officeDocument/2006/relationships" xmlns:p="http://schemas.openxmlformats.org/presentationml/2006/main">
   <p:cSld>
     <p:spTree>
@@ -19552,7 +19717,7 @@
 </p:sld>
 </file>
 
-<file path=ppt/slides/slide64.xml><?xml version="1.0" encoding="utf-8"?>
+<file path=ppt/slides/slide63.xml><?xml version="1.0" encoding="utf-8"?>
 <p:sld xmlns:a="http://schemas.openxmlformats.org/drawingml/2006/main" xmlns:r="http://schemas.openxmlformats.org/officeDocument/2006/relationships" xmlns:p="http://schemas.openxmlformats.org/presentationml/2006/main">
   <p:cSld>
     <p:spTree>
@@ -19945,7 +20110,7 @@
 </p:sld>
 </file>
 
-<file path=ppt/slides/slide65.xml><?xml version="1.0" encoding="utf-8"?>
+<file path=ppt/slides/slide64.xml><?xml version="1.0" encoding="utf-8"?>
 <p:sld xmlns:a="http://schemas.openxmlformats.org/drawingml/2006/main" xmlns:r="http://schemas.openxmlformats.org/officeDocument/2006/relationships" xmlns:p="http://schemas.openxmlformats.org/presentationml/2006/main">
   <p:cSld>
     <p:spTree>
@@ -20157,7 +20322,7 @@
 </p:sld>
 </file>
 
-<file path=ppt/slides/slide66.xml><?xml version="1.0" encoding="utf-8"?>
+<file path=ppt/slides/slide65.xml><?xml version="1.0" encoding="utf-8"?>
 <p:sld xmlns:a="http://schemas.openxmlformats.org/drawingml/2006/main" xmlns:r="http://schemas.openxmlformats.org/officeDocument/2006/relationships" xmlns:p="http://schemas.openxmlformats.org/presentationml/2006/main">
   <p:cSld>
     <p:spTree>
@@ -20239,7 +20404,7 @@
 </p:sld>
 </file>
 
-<file path=ppt/slides/slide67.xml><?xml version="1.0" encoding="utf-8"?>
+<file path=ppt/slides/slide66.xml><?xml version="1.0" encoding="utf-8"?>
 <p:sld xmlns:a="http://schemas.openxmlformats.org/drawingml/2006/main" xmlns:r="http://schemas.openxmlformats.org/officeDocument/2006/relationships" xmlns:p="http://schemas.openxmlformats.org/presentationml/2006/main">
   <p:cSld>
     <p:spTree>
@@ -20600,7 +20765,7 @@
 </p:sld>
 </file>
 
-<file path=ppt/slides/slide68.xml><?xml version="1.0" encoding="utf-8"?>
+<file path=ppt/slides/slide67.xml><?xml version="1.0" encoding="utf-8"?>
 <p:sld xmlns:a="http://schemas.openxmlformats.org/drawingml/2006/main" xmlns:r="http://schemas.openxmlformats.org/officeDocument/2006/relationships" xmlns:p="http://schemas.openxmlformats.org/presentationml/2006/main">
   <p:cSld>
     <p:spTree>
@@ -21161,7 +21326,7 @@
 </p:sld>
 </file>
 
-<file path=ppt/slides/slide69.xml><?xml version="1.0" encoding="utf-8"?>
+<file path=ppt/slides/slide68.xml><?xml version="1.0" encoding="utf-8"?>
 <p:sld xmlns:a="http://schemas.openxmlformats.org/drawingml/2006/main" xmlns:r="http://schemas.openxmlformats.org/officeDocument/2006/relationships" xmlns:p="http://schemas.openxmlformats.org/presentationml/2006/main">
   <p:cSld>
     <p:spTree>
@@ -21748,102 +21913,7 @@
 </p:sld>
 </file>
 
-<file path=ppt/slides/slide7.xml><?xml version="1.0" encoding="utf-8"?>
-<p:sld xmlns:a="http://schemas.openxmlformats.org/drawingml/2006/main" xmlns:r="http://schemas.openxmlformats.org/officeDocument/2006/relationships" xmlns:p="http://schemas.openxmlformats.org/presentationml/2006/main">
-  <p:cSld>
-    <p:spTree>
-      <p:nvGrpSpPr>
-        <p:cNvPr id="1" name=""/>
-        <p:cNvGrpSpPr/>
-        <p:nvPr/>
-      </p:nvGrpSpPr>
-      <p:grpSpPr>
-        <a:xfrm>
-          <a:off x="0" y="0"/>
-          <a:ext cx="0" cy="0"/>
-          <a:chOff x="0" y="0"/>
-          <a:chExt cx="0" cy="0"/>
-        </a:xfrm>
-      </p:grpSpPr>
-      <p:sp>
-        <p:nvSpPr>
-          <p:cNvPr id="2" name="Title 1"/>
-          <p:cNvSpPr>
-            <a:spLocks noGrp="1"/>
-          </p:cNvSpPr>
-          <p:nvPr>
-            <p:ph type="title"/>
-          </p:nvPr>
-        </p:nvSpPr>
-        <p:spPr/>
-        <p:txBody>
-          <a:bodyPr/>
-          <a:lstStyle/>
-          <a:p>
-            <a:r>
-              <a:rPr lang="en-US" dirty="0" smtClean="0"/>
-              <a:t>OGF: DRMAA</a:t>
-            </a:r>
-            <a:endParaRPr lang="en-US" dirty="0"/>
-          </a:p>
-        </p:txBody>
-      </p:sp>
-      <p:sp>
-        <p:nvSpPr>
-          <p:cNvPr id="3" name="Content Placeholder 2"/>
-          <p:cNvSpPr>
-            <a:spLocks noGrp="1"/>
-          </p:cNvSpPr>
-          <p:nvPr>
-            <p:ph idx="1"/>
-          </p:nvPr>
-        </p:nvSpPr>
-        <p:spPr/>
-        <p:txBody>
-          <a:bodyPr/>
-          <a:lstStyle/>
-          <a:p>
-            <a:r>
-              <a:rPr lang="en-US" dirty="0" smtClean="0"/>
-              <a:t>implementable on all major resource management services </a:t>
-            </a:r>
-          </a:p>
-          <a:p>
-            <a:r>
-              <a:rPr lang="en-US" dirty="0" smtClean="0"/>
-              <a:t>simple means to define and submit jobs</a:t>
-            </a:r>
-          </a:p>
-          <a:p>
-            <a:r>
-              <a:rPr lang="en-US" dirty="0" smtClean="0"/>
-              <a:t>basic job management features (status, kill) </a:t>
-            </a:r>
-          </a:p>
-          <a:p>
-            <a:r>
-              <a:rPr lang="en-US" dirty="0" smtClean="0"/>
-              <a:t>job templates for bulk job management</a:t>
-            </a:r>
-          </a:p>
-          <a:p>
-            <a:r>
-              <a:rPr lang="en-US" dirty="0" smtClean="0"/>
-              <a:t>DRMAA.v2 is expected by end of 2010 – OO, extended, SAGA aligned </a:t>
-            </a:r>
-            <a:endParaRPr lang="en-US" dirty="0"/>
-          </a:p>
-        </p:txBody>
-      </p:sp>
-    </p:spTree>
-  </p:cSld>
-  <p:clrMapOvr>
-    <a:masterClrMapping/>
-  </p:clrMapOvr>
-</p:sld>
-</file>
-
-<file path=ppt/slides/slide70.xml><?xml version="1.0" encoding="utf-8"?>
+<file path=ppt/slides/slide69.xml><?xml version="1.0" encoding="utf-8"?>
 <p:sld xmlns:a="http://schemas.openxmlformats.org/drawingml/2006/main" xmlns:r="http://schemas.openxmlformats.org/officeDocument/2006/relationships" xmlns:p="http://schemas.openxmlformats.org/presentationml/2006/main">
   <p:cSld>
     <p:spTree>
@@ -22277,7 +22347,127 @@
 </p:sld>
 </file>
 
-<file path=ppt/slides/slide71.xml><?xml version="1.0" encoding="utf-8"?>
+<file path=ppt/slides/slide7.xml><?xml version="1.0" encoding="utf-8"?>
+<p:sld xmlns:a="http://schemas.openxmlformats.org/drawingml/2006/main" xmlns:r="http://schemas.openxmlformats.org/officeDocument/2006/relationships" xmlns:p="http://schemas.openxmlformats.org/presentationml/2006/main">
+  <p:cSld>
+    <p:spTree>
+      <p:nvGrpSpPr>
+        <p:cNvPr id="1" name=""/>
+        <p:cNvGrpSpPr/>
+        <p:nvPr/>
+      </p:nvGrpSpPr>
+      <p:grpSpPr>
+        <a:xfrm>
+          <a:off x="0" y="0"/>
+          <a:ext cx="0" cy="0"/>
+          <a:chOff x="0" y="0"/>
+          <a:chExt cx="0" cy="0"/>
+        </a:xfrm>
+      </p:grpSpPr>
+      <p:sp>
+        <p:nvSpPr>
+          <p:cNvPr id="2" name="Title 1"/>
+          <p:cNvSpPr>
+            <a:spLocks noGrp="1"/>
+          </p:cNvSpPr>
+          <p:nvPr>
+            <p:ph type="title"/>
+          </p:nvPr>
+        </p:nvSpPr>
+        <p:spPr/>
+        <p:txBody>
+          <a:bodyPr/>
+          <a:lstStyle/>
+          <a:p>
+            <a:r>
+              <a:rPr lang="en-US" dirty="0" smtClean="0"/>
+              <a:t>OGF: DRMAA</a:t>
+            </a:r>
+            <a:endParaRPr lang="en-US" dirty="0"/>
+          </a:p>
+        </p:txBody>
+      </p:sp>
+      <p:sp>
+        <p:nvSpPr>
+          <p:cNvPr id="3" name="Content Placeholder 2"/>
+          <p:cNvSpPr>
+            <a:spLocks noGrp="1"/>
+          </p:cNvSpPr>
+          <p:nvPr>
+            <p:ph idx="1"/>
+          </p:nvPr>
+        </p:nvSpPr>
+        <p:spPr/>
+        <p:txBody>
+          <a:bodyPr/>
+          <a:lstStyle/>
+          <a:p>
+            <a:r>
+              <a:rPr lang="en-US" dirty="0" smtClean="0"/>
+              <a:t>implementable on all major resource management services </a:t>
+            </a:r>
+          </a:p>
+          <a:p>
+            <a:r>
+              <a:rPr lang="en-US" dirty="0" smtClean="0"/>
+              <a:t>simple means to define and submit jobs</a:t>
+            </a:r>
+          </a:p>
+          <a:p>
+            <a:r>
+              <a:rPr lang="en-US" dirty="0" smtClean="0"/>
+              <a:t>basic job management features (status, kill) </a:t>
+            </a:r>
+          </a:p>
+          <a:p>
+            <a:r>
+              <a:rPr lang="en-US" dirty="0" smtClean="0"/>
+              <a:t>job templates for bulk job management</a:t>
+            </a:r>
+          </a:p>
+          <a:p>
+            <a:r>
+              <a:rPr lang="en-US" dirty="0" smtClean="0"/>
+              <a:t>DRMAA.v2 is expected by end of </a:t>
+            </a:r>
+            <a:r>
+              <a:rPr lang="en-US" dirty="0" smtClean="0"/>
+              <a:t>2010 (oops) </a:t>
+            </a:r>
+          </a:p>
+          <a:p>
+            <a:pPr lvl="1"/>
+            <a:r>
+              <a:rPr lang="en-US" dirty="0" smtClean="0"/>
+              <a:t>OO</a:t>
+            </a:r>
+          </a:p>
+          <a:p>
+            <a:pPr lvl="1"/>
+            <a:r>
+              <a:rPr lang="en-US" dirty="0" smtClean="0"/>
+              <a:t>extended</a:t>
+            </a:r>
+          </a:p>
+          <a:p>
+            <a:pPr lvl="1"/>
+            <a:r>
+              <a:rPr lang="en-US" dirty="0" smtClean="0"/>
+              <a:t>SAGA aligned !</a:t>
+            </a:r>
+            <a:endParaRPr lang="en-US" dirty="0"/>
+          </a:p>
+        </p:txBody>
+      </p:sp>
+    </p:spTree>
+  </p:cSld>
+  <p:clrMapOvr>
+    <a:masterClrMapping/>
+  </p:clrMapOvr>
+</p:sld>
+</file>
+
+<file path=ppt/slides/slide70.xml><?xml version="1.0" encoding="utf-8"?>
 <p:sld xmlns:a="http://schemas.openxmlformats.org/drawingml/2006/main" xmlns:r="http://schemas.openxmlformats.org/officeDocument/2006/relationships" xmlns:p="http://schemas.openxmlformats.org/presentationml/2006/main">
   <p:cSld>
     <p:spTree>
@@ -23311,6 +23501,19 @@
               <a:rPr lang="en-US" dirty="0" smtClean="0"/>
               <a:t>standardizes the three existing RPC implementations for Grids </a:t>
             </a:r>
+            <a:r>
+              <a:rPr lang="en-US" dirty="0" smtClean="0"/>
+              <a:t>(</a:t>
+            </a:r>
+            <a:r>
+              <a:rPr lang="en-US" dirty="0" err="1" smtClean="0"/>
+              <a:t>Ninf</a:t>
+            </a:r>
+            <a:r>
+              <a:rPr lang="en-US" dirty="0" smtClean="0"/>
+              <a:t>-G, DIET)</a:t>
+            </a:r>
+            <a:endParaRPr lang="en-US" dirty="0" smtClean="0"/>
           </a:p>
           <a:p>
             <a:r>
@@ -23343,26 +23546,34 @@
               <a:t>explicit support for </a:t>
             </a:r>
             <a:r>
-              <a:rPr lang="en-US" dirty="0" err="1" smtClean="0"/>
-              <a:t>async</a:t>
-            </a:r>
-            <a:r>
-              <a:rPr lang="en-US" dirty="0" smtClean="0"/>
-              <a:t> </a:t>
-            </a:r>
-            <a:r>
-              <a:rPr lang="en-US" dirty="0" err="1" smtClean="0"/>
-              <a:t>rpc</a:t>
-            </a:r>
-            <a:r>
-              <a:rPr lang="en-US" dirty="0" smtClean="0"/>
-              <a:t> calls</a:t>
-            </a:r>
-          </a:p>
-          <a:p>
-            <a:r>
-              <a:rPr lang="en-US" dirty="0" smtClean="0"/>
-              <a:t>gridrpc.v2 adds support for remote data handles</a:t>
+              <a:rPr lang="en-US" dirty="0" smtClean="0"/>
+              <a:t>asynchronous method calls</a:t>
+            </a:r>
+            <a:endParaRPr lang="en-US" dirty="0" smtClean="0"/>
+          </a:p>
+          <a:p>
+            <a:r>
+              <a:rPr lang="en-US" dirty="0" smtClean="0"/>
+              <a:t>G</a:t>
+            </a:r>
+            <a:r>
+              <a:rPr lang="en-US" dirty="0" smtClean="0"/>
+              <a:t>ridRPC.v2 </a:t>
+            </a:r>
+            <a:r>
+              <a:rPr lang="en-US" dirty="0" smtClean="0"/>
+              <a:t>adds support for remote </a:t>
+            </a:r>
+            <a:r>
+              <a:rPr lang="en-US" dirty="0" smtClean="0"/>
+              <a:t>persistent data handles</a:t>
+            </a:r>
+          </a:p>
+          <a:p>
+            <a:pPr lvl="1"/>
+            <a:r>
+              <a:rPr lang="en-US" dirty="0" smtClean="0"/>
+              <a:t>SAGA aligned !</a:t>
             </a:r>
             <a:endParaRPr lang="en-US" dirty="0"/>
           </a:p>
